--- a/doc/meeting/0919-DistributedGBT-II/DistributedGBT-II-09192018.pptx
+++ b/doc/meeting/0919-DistributedGBT-II/DistributedGBT-II-09192018.pptx
@@ -155,7 +155,7 @@
             <a:spLocks noGrp="1"/>
           </p:cNvSpPr>
           <p:nvPr>
-            <p:ph type="ctrTitle"/>
+            <p:ph type="ctrTitle" hasCustomPrompt="1"/>
           </p:nvPr>
         </p:nvSpPr>
         <p:spPr>
@@ -187,7 +187,7 @@
             <a:spLocks noGrp="1"/>
           </p:cNvSpPr>
           <p:nvPr>
-            <p:ph type="subTitle" idx="1"/>
+            <p:ph type="subTitle" idx="1" hasCustomPrompt="1"/>
           </p:nvPr>
         </p:nvSpPr>
         <p:spPr>
@@ -340,7 +340,7 @@
             <a:spLocks noGrp="1"/>
           </p:cNvSpPr>
           <p:nvPr>
-            <p:ph type="title"/>
+            <p:ph type="title" hasCustomPrompt="1"/>
           </p:nvPr>
         </p:nvSpPr>
         <p:spPr/>
@@ -363,7 +363,7 @@
             <a:spLocks noGrp="1"/>
           </p:cNvSpPr>
           <p:nvPr>
-            <p:ph type="body" orient="vert" idx="1"/>
+            <p:ph type="body" orient="vert" idx="1" hasCustomPrompt="1"/>
           </p:nvPr>
         </p:nvSpPr>
         <p:spPr/>
@@ -507,7 +507,7 @@
             <a:spLocks noGrp="1"/>
           </p:cNvSpPr>
           <p:nvPr>
-            <p:ph type="title" orient="vert"/>
+            <p:ph type="title" orient="vert" hasCustomPrompt="1"/>
           </p:nvPr>
         </p:nvSpPr>
         <p:spPr>
@@ -535,7 +535,7 @@
             <a:spLocks noGrp="1"/>
           </p:cNvSpPr>
           <p:nvPr>
-            <p:ph type="body" orient="vert" idx="1"/>
+            <p:ph type="body" orient="vert" idx="1" hasCustomPrompt="1"/>
           </p:nvPr>
         </p:nvSpPr>
         <p:spPr>
@@ -684,7 +684,7 @@
             <a:spLocks noGrp="1"/>
           </p:cNvSpPr>
           <p:nvPr>
-            <p:ph type="title"/>
+            <p:ph type="title" hasCustomPrompt="1"/>
           </p:nvPr>
         </p:nvSpPr>
         <p:spPr/>
@@ -707,7 +707,7 @@
             <a:spLocks noGrp="1"/>
           </p:cNvSpPr>
           <p:nvPr>
-            <p:ph idx="1"/>
+            <p:ph idx="1" hasCustomPrompt="1"/>
           </p:nvPr>
         </p:nvSpPr>
         <p:spPr/>
@@ -851,7 +851,7 @@
             <a:spLocks noGrp="1"/>
           </p:cNvSpPr>
           <p:nvPr>
-            <p:ph type="title"/>
+            <p:ph type="title" hasCustomPrompt="1"/>
           </p:nvPr>
         </p:nvSpPr>
         <p:spPr>
@@ -883,7 +883,7 @@
             <a:spLocks noGrp="1"/>
           </p:cNvSpPr>
           <p:nvPr>
-            <p:ph type="body" idx="1"/>
+            <p:ph type="body" idx="1" hasCustomPrompt="1"/>
           </p:nvPr>
         </p:nvSpPr>
         <p:spPr>
@@ -1090,7 +1090,7 @@
             <a:spLocks noGrp="1"/>
           </p:cNvSpPr>
           <p:nvPr>
-            <p:ph type="title"/>
+            <p:ph type="title" hasCustomPrompt="1"/>
           </p:nvPr>
         </p:nvSpPr>
         <p:spPr/>
@@ -1113,7 +1113,7 @@
             <a:spLocks noGrp="1"/>
           </p:cNvSpPr>
           <p:nvPr>
-            <p:ph sz="half" idx="1"/>
+            <p:ph sz="half" idx="1" hasCustomPrompt="1"/>
           </p:nvPr>
         </p:nvSpPr>
         <p:spPr>
@@ -1174,7 +1174,7 @@
             <a:spLocks noGrp="1"/>
           </p:cNvSpPr>
           <p:nvPr>
-            <p:ph sz="half" idx="2"/>
+            <p:ph sz="half" idx="2" hasCustomPrompt="1"/>
           </p:nvPr>
         </p:nvSpPr>
         <p:spPr>
@@ -1323,7 +1323,7 @@
             <a:spLocks noGrp="1"/>
           </p:cNvSpPr>
           <p:nvPr>
-            <p:ph type="title"/>
+            <p:ph type="title" hasCustomPrompt="1"/>
           </p:nvPr>
         </p:nvSpPr>
         <p:spPr>
@@ -1351,7 +1351,7 @@
             <a:spLocks noGrp="1"/>
           </p:cNvSpPr>
           <p:nvPr>
-            <p:ph type="body" idx="1"/>
+            <p:ph type="body" idx="1" hasCustomPrompt="1"/>
           </p:nvPr>
         </p:nvSpPr>
         <p:spPr>
@@ -1416,7 +1416,7 @@
             <a:spLocks noGrp="1"/>
           </p:cNvSpPr>
           <p:nvPr>
-            <p:ph sz="half" idx="2"/>
+            <p:ph sz="half" idx="2" hasCustomPrompt="1"/>
           </p:nvPr>
         </p:nvSpPr>
         <p:spPr>
@@ -1477,7 +1477,7 @@
             <a:spLocks noGrp="1"/>
           </p:cNvSpPr>
           <p:nvPr>
-            <p:ph type="body" sz="quarter" idx="3"/>
+            <p:ph type="body" sz="quarter" idx="3" hasCustomPrompt="1"/>
           </p:nvPr>
         </p:nvSpPr>
         <p:spPr>
@@ -1542,7 +1542,7 @@
             <a:spLocks noGrp="1"/>
           </p:cNvSpPr>
           <p:nvPr>
-            <p:ph sz="quarter" idx="4"/>
+            <p:ph sz="quarter" idx="4" hasCustomPrompt="1"/>
           </p:nvPr>
         </p:nvSpPr>
         <p:spPr>
@@ -1691,7 +1691,7 @@
             <a:spLocks noGrp="1"/>
           </p:cNvSpPr>
           <p:nvPr>
-            <p:ph type="title"/>
+            <p:ph type="title" hasCustomPrompt="1"/>
           </p:nvPr>
         </p:nvSpPr>
         <p:spPr/>
@@ -1890,7 +1890,7 @@
             <a:spLocks noGrp="1"/>
           </p:cNvSpPr>
           <p:nvPr>
-            <p:ph type="title"/>
+            <p:ph type="title" hasCustomPrompt="1"/>
           </p:nvPr>
         </p:nvSpPr>
         <p:spPr>
@@ -1922,7 +1922,7 @@
             <a:spLocks noGrp="1"/>
           </p:cNvSpPr>
           <p:nvPr>
-            <p:ph idx="1"/>
+            <p:ph idx="1" hasCustomPrompt="1"/>
           </p:nvPr>
         </p:nvSpPr>
         <p:spPr>
@@ -2011,7 +2011,7 @@
             <a:spLocks noGrp="1"/>
           </p:cNvSpPr>
           <p:nvPr>
-            <p:ph type="body" sz="half" idx="2"/>
+            <p:ph type="body" sz="half" idx="2" hasCustomPrompt="1"/>
           </p:nvPr>
         </p:nvSpPr>
         <p:spPr>
@@ -2164,7 +2164,7 @@
             <a:spLocks noGrp="1"/>
           </p:cNvSpPr>
           <p:nvPr>
-            <p:ph type="title"/>
+            <p:ph type="title" hasCustomPrompt="1"/>
           </p:nvPr>
         </p:nvSpPr>
         <p:spPr>
@@ -2257,7 +2257,7 @@
             <a:spLocks noGrp="1"/>
           </p:cNvSpPr>
           <p:nvPr>
-            <p:ph type="body" sz="half" idx="2"/>
+            <p:ph type="body" sz="half" idx="2" hasCustomPrompt="1"/>
           </p:nvPr>
         </p:nvSpPr>
         <p:spPr>
@@ -2992,14 +2992,7 @@
           <a:p>
             <a:r>
               <a:rPr lang="x-none" altLang="zh-CN"/>
-              <a:t>Digital Science Center</a:t>
-            </a:r>
-            <a:endParaRPr lang="x-none" altLang="zh-CN"/>
-          </a:p>
-          <a:p>
-            <a:r>
-              <a:rPr lang="x-none" altLang="zh-CN"/>
-              <a:t>Indiana University</a:t>
+              <a:t>IPCC@Indiana University</a:t>
             </a:r>
             <a:endParaRPr lang="x-none" altLang="zh-CN"/>
           </a:p>
@@ -4004,7 +3997,7 @@
         </p:spPr>
         <p:txBody>
           <a:bodyPr>
-            <a:normAutofit/>
+            <a:normAutofit lnSpcReduction="10000"/>
           </a:bodyPr>
           <a:p>
             <a:r>
@@ -4122,7 +4115,16 @@
                 </a:solidFill>
                 <a:sym typeface="+mn-ea"/>
               </a:rPr>
-              <a:t>L-1</a:t>
+              <a:t>L</a:t>
+            </a:r>
+            <a:r>
+              <a:rPr lang="x-none" altLang="zh-CN">
+                <a:solidFill>
+                  <a:srgbClr val="0070C0"/>
+                </a:solidFill>
+                <a:sym typeface="+mn-ea"/>
+              </a:rPr>
+              <a:t>*</a:t>
             </a:r>
             <a:r>
               <a:rPr lang="x-none" altLang="zh-CN">
@@ -4141,29 +4143,6 @@
             </a:endParaRPr>
           </a:p>
           <a:p>
-            <a:r>
-              <a:rPr lang="x-none" altLang="zh-CN"/>
-              <a:t>Higgs, for example:</a:t>
-            </a:r>
-            <a:endParaRPr lang="x-none" altLang="zh-CN"/>
-          </a:p>
-          <a:p>
-            <a:pPr lvl="1"/>
-            <a:r>
-              <a:rPr lang="x-none" altLang="zh-CN" sz="2400"/>
-              <a:t>N = 10m, M = 28, L = 6, B = 256</a:t>
-            </a:r>
-            <a:endParaRPr lang="x-none" altLang="zh-CN" sz="2400"/>
-          </a:p>
-          <a:p>
-            <a:pPr lvl="1"/>
-            <a:r>
-              <a:rPr lang="x-none" altLang="zh-CN" sz="2400"/>
-              <a:t>model size at L=6, 32*256*28&lt;&lt;10m </a:t>
-            </a:r>
-            <a:endParaRPr lang="x-none" altLang="zh-CN" sz="2400"/>
-          </a:p>
-          <a:p>
             <a:pPr lvl="0"/>
             <a:r>
               <a:rPr lang="x-none" altLang="zh-CN" sz="2800"/>
@@ -4183,7 +4162,7 @@
             <a:pPr lvl="1"/>
             <a:r>
               <a:rPr lang="x-none" altLang="zh-CN" sz="2400"/>
-              <a:t>sparse can be an issue</a:t>
+              <a:t>high dimension can be an issue</a:t>
             </a:r>
             <a:endParaRPr lang="x-none" altLang="zh-CN" sz="2400"/>
           </a:p>
@@ -4199,6 +4178,46 @@
               </a:rPr>
               <a:t>can be an issue</a:t>
             </a:r>
+            <a:endParaRPr lang="x-none" altLang="zh-CN"/>
+          </a:p>
+          <a:p>
+            <a:pPr lvl="0"/>
+            <a:r>
+              <a:rPr lang="x-none" altLang="zh-CN">
+                <a:sym typeface="+mn-ea"/>
+              </a:rPr>
+              <a:t>example:</a:t>
+            </a:r>
+            <a:endParaRPr lang="x-none" altLang="zh-CN">
+              <a:sym typeface="+mn-ea"/>
+            </a:endParaRPr>
+          </a:p>
+          <a:p>
+            <a:pPr lvl="1"/>
+            <a:r>
+              <a:rPr lang="x-none" altLang="zh-CN">
+                <a:sym typeface="+mn-ea"/>
+              </a:rPr>
+              <a:t>Higgs</a:t>
+            </a:r>
+            <a:r>
+              <a:rPr lang="x-none" altLang="zh-CN" sz="2400">
+                <a:sym typeface="+mn-ea"/>
+              </a:rPr>
+              <a:t>: </a:t>
+            </a:r>
+            <a:r>
+              <a:rPr lang="x-none" altLang="zh-CN">
+                <a:sym typeface="+mn-ea"/>
+              </a:rPr>
+              <a:t>N = 10m, M = 28, L = 6, B = 128; model size at L=6, 64*128*28 &lt;&lt; 10m </a:t>
+            </a:r>
+            <a:endParaRPr lang="x-none" altLang="zh-CN">
+              <a:sym typeface="+mn-ea"/>
+            </a:endParaRPr>
+          </a:p>
+          <a:p>
+            <a:pPr lvl="1"/>
             <a:endParaRPr lang="x-none" altLang="zh-CN"/>
           </a:p>
           <a:p>
@@ -9886,6 +9905,14 @@
             <a:endParaRPr lang="x-none" altLang="zh-CN" sz="2400"/>
           </a:p>
           <a:p>
+            <a:pPr lvl="1"/>
+            <a:r>
+              <a:rPr lang="x-none" altLang="zh-CN" sz="2400"/>
+              <a:t>read/write after write dependency,  GH[bin[id]] += g[id], will stall when cache miss on access g[id]</a:t>
+            </a:r>
+            <a:endParaRPr lang="x-none" altLang="zh-CN" sz="2400"/>
+          </a:p>
+          <a:p>
             <a:r>
               <a:rPr lang="x-none" altLang="zh-CN"/>
               <a:t>spasity</a:t>

--- a/doc/meeting/0919-DistributedGBT-II/DistributedGBT-II-09192018.pptx
+++ b/doc/meeting/0919-DistributedGBT-II/DistributedGBT-II-09192018.pptx
@@ -4,6 +4,9 @@
   <p:sldMasterIdLst>
     <p:sldMasterId id="2147483648" r:id="rId1"/>
   </p:sldMasterIdLst>
+  <p:notesMasterIdLst>
+    <p:notesMasterId r:id="rId20"/>
+  </p:notesMasterIdLst>
   <p:sldIdLst>
     <p:sldId id="256" r:id="rId3"/>
     <p:sldId id="266" r:id="rId4"/>
@@ -22,14 +25,17 @@
     <p:sldId id="283" r:id="rId17"/>
     <p:sldId id="273" r:id="rId18"/>
     <p:sldId id="258" r:id="rId19"/>
-    <p:sldId id="259" r:id="rId20"/>
-    <p:sldId id="257" r:id="rId21"/>
-    <p:sldId id="285" r:id="rId22"/>
-    <p:sldId id="261" r:id="rId23"/>
-    <p:sldId id="263" r:id="rId24"/>
-    <p:sldId id="262" r:id="rId25"/>
-    <p:sldId id="286" r:id="rId26"/>
-    <p:sldId id="278" r:id="rId27"/>
+    <p:sldId id="298" r:id="rId21"/>
+    <p:sldId id="259" r:id="rId22"/>
+    <p:sldId id="257" r:id="rId23"/>
+    <p:sldId id="301" r:id="rId24"/>
+    <p:sldId id="300" r:id="rId25"/>
+    <p:sldId id="285" r:id="rId26"/>
+    <p:sldId id="261" r:id="rId27"/>
+    <p:sldId id="263" r:id="rId28"/>
+    <p:sldId id="262" r:id="rId29"/>
+    <p:sldId id="286" r:id="rId30"/>
+    <p:sldId id="278" r:id="rId31"/>
   </p:sldIdLst>
   <p:sldSz cx="12192000" cy="6858000"/>
   <p:notesSz cx="6858000" cy="9144000"/>
@@ -131,6 +137,429 @@
 </p:presentation>
 </file>
 
+<file path=ppt/notesMasters/notesMaster1.xml><?xml version="1.0" encoding="utf-8"?>
+<p:notesMaster xmlns:a="http://schemas.openxmlformats.org/drawingml/2006/main" xmlns:r="http://schemas.openxmlformats.org/officeDocument/2006/relationships" xmlns:p="http://schemas.openxmlformats.org/presentationml/2006/main">
+  <p:cSld>
+    <p:bg>
+      <p:bgRef idx="1001">
+        <a:schemeClr val="bg1"/>
+      </p:bgRef>
+    </p:bg>
+    <p:spTree>
+      <p:nvGrpSpPr>
+        <p:cNvPr id="1" name=""/>
+        <p:cNvGrpSpPr/>
+        <p:nvPr/>
+      </p:nvGrpSpPr>
+      <p:grpSpPr>
+        <a:xfrm>
+          <a:off x="0" y="0"/>
+          <a:ext cx="0" cy="0"/>
+          <a:chOff x="0" y="0"/>
+          <a:chExt cx="0" cy="0"/>
+        </a:xfrm>
+      </p:grpSpPr>
+      <p:sp>
+        <p:nvSpPr>
+          <p:cNvPr id="2" name="页眉占位符 1"/>
+          <p:cNvSpPr>
+            <a:spLocks noGrp="1"/>
+          </p:cNvSpPr>
+          <p:nvPr>
+            <p:ph type="hdr" sz="quarter"/>
+          </p:nvPr>
+        </p:nvSpPr>
+        <p:spPr>
+          <a:xfrm>
+            <a:off x="0" y="0"/>
+            <a:ext cx="2971800" cy="458788"/>
+          </a:xfrm>
+          <a:prstGeom prst="rect">
+            <a:avLst/>
+          </a:prstGeom>
+        </p:spPr>
+        <p:txBody>
+          <a:bodyPr vert="horz" lIns="91440" tIns="45720" rIns="91440" bIns="45720" rtlCol="0"/>
+          <a:lstStyle>
+            <a:lvl1pPr algn="l">
+              <a:defRPr sz="1200"/>
+            </a:lvl1pPr>
+          </a:lstStyle>
+          <a:p>
+            <a:endParaRPr lang="zh-CN" altLang="en-US"/>
+          </a:p>
+        </p:txBody>
+      </p:sp>
+      <p:sp>
+        <p:nvSpPr>
+          <p:cNvPr id="3" name="日期占位符 2"/>
+          <p:cNvSpPr>
+            <a:spLocks noGrp="1"/>
+          </p:cNvSpPr>
+          <p:nvPr>
+            <p:ph type="dt" idx="1"/>
+          </p:nvPr>
+        </p:nvSpPr>
+        <p:spPr>
+          <a:xfrm>
+            <a:off x="3884613" y="0"/>
+            <a:ext cx="2971800" cy="458788"/>
+          </a:xfrm>
+          <a:prstGeom prst="rect">
+            <a:avLst/>
+          </a:prstGeom>
+        </p:spPr>
+        <p:txBody>
+          <a:bodyPr vert="horz" lIns="91440" tIns="45720" rIns="91440" bIns="45720" rtlCol="0"/>
+          <a:lstStyle>
+            <a:lvl1pPr algn="r">
+              <a:defRPr sz="1200"/>
+            </a:lvl1pPr>
+          </a:lstStyle>
+          <a:p>
+            <a:fld id="{D2A48B96-639E-45A3-A0BA-2464DFDB1FAA}" type="datetimeFigureOut">
+              <a:rPr lang="zh-CN" altLang="en-US" smtClean="0"/>
+            </a:fld>
+            <a:endParaRPr lang="zh-CN" altLang="en-US"/>
+          </a:p>
+        </p:txBody>
+      </p:sp>
+      <p:sp>
+        <p:nvSpPr>
+          <p:cNvPr id="4" name="幻灯片图像占位符 3"/>
+          <p:cNvSpPr>
+            <a:spLocks noGrp="1" noRot="1" noChangeAspect="1"/>
+          </p:cNvSpPr>
+          <p:nvPr>
+            <p:ph type="sldImg" idx="2"/>
+          </p:nvPr>
+        </p:nvSpPr>
+        <p:spPr>
+          <a:xfrm>
+            <a:off x="685800" y="1143000"/>
+            <a:ext cx="5486400" cy="3086100"/>
+          </a:xfrm>
+          <a:prstGeom prst="rect">
+            <a:avLst/>
+          </a:prstGeom>
+          <a:noFill/>
+          <a:ln w="12700">
+            <a:solidFill>
+              <a:prstClr val="black"/>
+            </a:solidFill>
+          </a:ln>
+        </p:spPr>
+        <p:txBody>
+          <a:bodyPr vert="horz" lIns="91440" tIns="45720" rIns="91440" bIns="45720" rtlCol="0" anchor="ctr"/>
+          <a:lstStyle/>
+          <a:p>
+            <a:endParaRPr lang="zh-CN" altLang="en-US"/>
+          </a:p>
+        </p:txBody>
+      </p:sp>
+      <p:sp>
+        <p:nvSpPr>
+          <p:cNvPr id="5" name="备注占位符 4"/>
+          <p:cNvSpPr>
+            <a:spLocks noGrp="1"/>
+          </p:cNvSpPr>
+          <p:nvPr>
+            <p:ph type="body" sz="quarter" idx="3"/>
+          </p:nvPr>
+        </p:nvSpPr>
+        <p:spPr>
+          <a:xfrm>
+            <a:off x="685800" y="4400550"/>
+            <a:ext cx="5486400" cy="3600450"/>
+          </a:xfrm>
+          <a:prstGeom prst="rect">
+            <a:avLst/>
+          </a:prstGeom>
+        </p:spPr>
+        <p:txBody>
+          <a:bodyPr vert="horz" lIns="91440" tIns="45720" rIns="91440" bIns="45720" rtlCol="0"/>
+          <a:lstStyle/>
+          <a:p>
+            <a:pPr lvl="0"/>
+            <a:r>
+              <a:rPr lang="zh-CN" altLang="en-US" smtClean="0"/>
+              <a:t>单击此处编辑母版文本样式</a:t>
+            </a:r>
+            <a:endParaRPr lang="zh-CN" altLang="en-US" smtClean="0"/>
+          </a:p>
+          <a:p>
+            <a:pPr lvl="1"/>
+            <a:r>
+              <a:rPr lang="zh-CN" altLang="en-US" smtClean="0"/>
+              <a:t>第二级</a:t>
+            </a:r>
+            <a:endParaRPr lang="zh-CN" altLang="en-US" smtClean="0"/>
+          </a:p>
+          <a:p>
+            <a:pPr lvl="2"/>
+            <a:r>
+              <a:rPr lang="zh-CN" altLang="en-US" smtClean="0"/>
+              <a:t>第三级</a:t>
+            </a:r>
+            <a:endParaRPr lang="zh-CN" altLang="en-US" smtClean="0"/>
+          </a:p>
+          <a:p>
+            <a:pPr lvl="3"/>
+            <a:r>
+              <a:rPr lang="zh-CN" altLang="en-US" smtClean="0"/>
+              <a:t>第四级</a:t>
+            </a:r>
+            <a:endParaRPr lang="zh-CN" altLang="en-US" smtClean="0"/>
+          </a:p>
+          <a:p>
+            <a:pPr lvl="4"/>
+            <a:r>
+              <a:rPr lang="zh-CN" altLang="en-US" smtClean="0"/>
+              <a:t>第五级</a:t>
+            </a:r>
+            <a:endParaRPr lang="zh-CN" altLang="en-US"/>
+          </a:p>
+        </p:txBody>
+      </p:sp>
+      <p:sp>
+        <p:nvSpPr>
+          <p:cNvPr id="6" name="页脚占位符 5"/>
+          <p:cNvSpPr>
+            <a:spLocks noGrp="1"/>
+          </p:cNvSpPr>
+          <p:nvPr>
+            <p:ph type="ftr" sz="quarter" idx="4"/>
+          </p:nvPr>
+        </p:nvSpPr>
+        <p:spPr>
+          <a:xfrm>
+            <a:off x="0" y="8685213"/>
+            <a:ext cx="2971800" cy="458787"/>
+          </a:xfrm>
+          <a:prstGeom prst="rect">
+            <a:avLst/>
+          </a:prstGeom>
+        </p:spPr>
+        <p:txBody>
+          <a:bodyPr vert="horz" lIns="91440" tIns="45720" rIns="91440" bIns="45720" rtlCol="0" anchor="b"/>
+          <a:lstStyle>
+            <a:lvl1pPr algn="l">
+              <a:defRPr sz="1200"/>
+            </a:lvl1pPr>
+          </a:lstStyle>
+          <a:p>
+            <a:endParaRPr lang="zh-CN" altLang="en-US"/>
+          </a:p>
+        </p:txBody>
+      </p:sp>
+      <p:sp>
+        <p:nvSpPr>
+          <p:cNvPr id="7" name="灯片编号占位符 6"/>
+          <p:cNvSpPr>
+            <a:spLocks noGrp="1"/>
+          </p:cNvSpPr>
+          <p:nvPr>
+            <p:ph type="sldNum" sz="quarter" idx="5"/>
+          </p:nvPr>
+        </p:nvSpPr>
+        <p:spPr>
+          <a:xfrm>
+            <a:off x="3884613" y="8685213"/>
+            <a:ext cx="2971800" cy="458787"/>
+          </a:xfrm>
+          <a:prstGeom prst="rect">
+            <a:avLst/>
+          </a:prstGeom>
+        </p:spPr>
+        <p:txBody>
+          <a:bodyPr vert="horz" lIns="91440" tIns="45720" rIns="91440" bIns="45720" rtlCol="0" anchor="b"/>
+          <a:lstStyle>
+            <a:lvl1pPr algn="r">
+              <a:defRPr sz="1200"/>
+            </a:lvl1pPr>
+          </a:lstStyle>
+          <a:p>
+            <a:fld id="{A6837353-30EB-4A48-80EB-173D804AEFBD}" type="slidenum">
+              <a:rPr lang="zh-CN" altLang="en-US" smtClean="0"/>
+            </a:fld>
+            <a:endParaRPr lang="zh-CN" altLang="en-US"/>
+          </a:p>
+        </p:txBody>
+      </p:sp>
+    </p:spTree>
+  </p:cSld>
+  <p:clrMap bg1="lt1" tx1="dk1" bg2="lt2" tx2="dk2" accent1="accent1" accent2="accent2" accent3="accent3" accent4="accent4" accent5="accent5" accent6="accent6" hlink="hlink" folHlink="folHlink"/>
+  <p:notesStyle>
+    <a:lvl1pPr marL="0" algn="l" defTabSz="914400" rtl="0" eaLnBrk="1" latinLnBrk="0" hangingPunct="1">
+      <a:defRPr sz="1200" kern="1200">
+        <a:solidFill>
+          <a:schemeClr val="tx1"/>
+        </a:solidFill>
+        <a:latin typeface="+mn-lt"/>
+        <a:ea typeface="+mn-ea"/>
+        <a:cs typeface="+mn-cs"/>
+      </a:defRPr>
+    </a:lvl1pPr>
+    <a:lvl2pPr marL="457200" algn="l" defTabSz="914400" rtl="0" eaLnBrk="1" latinLnBrk="0" hangingPunct="1">
+      <a:defRPr sz="1200" kern="1200">
+        <a:solidFill>
+          <a:schemeClr val="tx1"/>
+        </a:solidFill>
+        <a:latin typeface="+mn-lt"/>
+        <a:ea typeface="+mn-ea"/>
+        <a:cs typeface="+mn-cs"/>
+      </a:defRPr>
+    </a:lvl2pPr>
+    <a:lvl3pPr marL="914400" algn="l" defTabSz="914400" rtl="0" eaLnBrk="1" latinLnBrk="0" hangingPunct="1">
+      <a:defRPr sz="1200" kern="1200">
+        <a:solidFill>
+          <a:schemeClr val="tx1"/>
+        </a:solidFill>
+        <a:latin typeface="+mn-lt"/>
+        <a:ea typeface="+mn-ea"/>
+        <a:cs typeface="+mn-cs"/>
+      </a:defRPr>
+    </a:lvl3pPr>
+    <a:lvl4pPr marL="1371600" algn="l" defTabSz="914400" rtl="0" eaLnBrk="1" latinLnBrk="0" hangingPunct="1">
+      <a:defRPr sz="1200" kern="1200">
+        <a:solidFill>
+          <a:schemeClr val="tx1"/>
+        </a:solidFill>
+        <a:latin typeface="+mn-lt"/>
+        <a:ea typeface="+mn-ea"/>
+        <a:cs typeface="+mn-cs"/>
+      </a:defRPr>
+    </a:lvl4pPr>
+    <a:lvl5pPr marL="1828800" algn="l" defTabSz="914400" rtl="0" eaLnBrk="1" latinLnBrk="0" hangingPunct="1">
+      <a:defRPr sz="1200" kern="1200">
+        <a:solidFill>
+          <a:schemeClr val="tx1"/>
+        </a:solidFill>
+        <a:latin typeface="+mn-lt"/>
+        <a:ea typeface="+mn-ea"/>
+        <a:cs typeface="+mn-cs"/>
+      </a:defRPr>
+    </a:lvl5pPr>
+    <a:lvl6pPr marL="2286000" algn="l" defTabSz="914400" rtl="0" eaLnBrk="1" latinLnBrk="0" hangingPunct="1">
+      <a:defRPr sz="1200" kern="1200">
+        <a:solidFill>
+          <a:schemeClr val="tx1"/>
+        </a:solidFill>
+        <a:latin typeface="+mn-lt"/>
+        <a:ea typeface="+mn-ea"/>
+        <a:cs typeface="+mn-cs"/>
+      </a:defRPr>
+    </a:lvl6pPr>
+    <a:lvl7pPr marL="2743200" algn="l" defTabSz="914400" rtl="0" eaLnBrk="1" latinLnBrk="0" hangingPunct="1">
+      <a:defRPr sz="1200" kern="1200">
+        <a:solidFill>
+          <a:schemeClr val="tx1"/>
+        </a:solidFill>
+        <a:latin typeface="+mn-lt"/>
+        <a:ea typeface="+mn-ea"/>
+        <a:cs typeface="+mn-cs"/>
+      </a:defRPr>
+    </a:lvl7pPr>
+    <a:lvl8pPr marL="3200400" algn="l" defTabSz="914400" rtl="0" eaLnBrk="1" latinLnBrk="0" hangingPunct="1">
+      <a:defRPr sz="1200" kern="1200">
+        <a:solidFill>
+          <a:schemeClr val="tx1"/>
+        </a:solidFill>
+        <a:latin typeface="+mn-lt"/>
+        <a:ea typeface="+mn-ea"/>
+        <a:cs typeface="+mn-cs"/>
+      </a:defRPr>
+    </a:lvl8pPr>
+    <a:lvl9pPr marL="3657600" algn="l" defTabSz="914400" rtl="0" eaLnBrk="1" latinLnBrk="0" hangingPunct="1">
+      <a:defRPr sz="1200" kern="1200">
+        <a:solidFill>
+          <a:schemeClr val="tx1"/>
+        </a:solidFill>
+        <a:latin typeface="+mn-lt"/>
+        <a:ea typeface="+mn-ea"/>
+        <a:cs typeface="+mn-cs"/>
+      </a:defRPr>
+    </a:lvl9pPr>
+  </p:notesStyle>
+</p:notesMaster>
+</file>
+
+<file path=ppt/notesSlides/notesSlide1.xml><?xml version="1.0" encoding="utf-8"?>
+<p:notes xmlns:a="http://schemas.openxmlformats.org/drawingml/2006/main" xmlns:r="http://schemas.openxmlformats.org/officeDocument/2006/relationships" xmlns:p="http://schemas.openxmlformats.org/presentationml/2006/main">
+  <p:cSld>
+    <p:spTree>
+      <p:nvGrpSpPr>
+        <p:cNvPr id="1" name=""/>
+        <p:cNvGrpSpPr/>
+        <p:nvPr/>
+      </p:nvGrpSpPr>
+      <p:grpSpPr/>
+      <p:sp>
+        <p:nvSpPr>
+          <p:cNvPr id="2" name="幻灯片图像占位符 1"/>
+          <p:cNvSpPr/>
+          <p:nvPr>
+            <p:ph type="sldImg" idx="2"/>
+          </p:nvPr>
+        </p:nvSpPr>
+        <p:spPr/>
+      </p:sp>
+      <p:sp>
+        <p:nvSpPr>
+          <p:cNvPr id="3" name="文本占位符 2"/>
+          <p:cNvSpPr/>
+          <p:nvPr>
+            <p:ph type="body" idx="3"/>
+          </p:nvPr>
+        </p:nvSpPr>
+        <p:spPr/>
+        <p:txBody>
+          <a:bodyPr/>
+          <a:p>
+            <a:r>
+              <a:rPr lang="zh-CN" altLang="en-US"/>
+              <a:t>http://ntur.lib.ntu.edu.tw/retrieve/188513/17.pdf</a:t>
+            </a:r>
+            <a:endParaRPr lang="zh-CN" altLang="en-US"/>
+          </a:p>
+          <a:p>
+            <a:r>
+              <a:rPr lang="zh-CN" altLang="en-US"/>
+              <a:t>[1]H.-F. Yu et al., “Feature engineering and classifier ensemble for KDD cup 2010,” in KDD Cup, 2010.</a:t>
+            </a:r>
+            <a:endParaRPr lang="zh-CN" altLang="en-US"/>
+          </a:p>
+        </p:txBody>
+      </p:sp>
+      <p:sp>
+        <p:nvSpPr>
+          <p:cNvPr id="4" name="灯片编号占位符 3"/>
+          <p:cNvSpPr>
+            <a:spLocks noGrp="1"/>
+          </p:cNvSpPr>
+          <p:nvPr>
+            <p:ph type="sldNum" sz="quarter" idx="5"/>
+          </p:nvPr>
+        </p:nvSpPr>
+        <p:spPr/>
+        <p:txBody>
+          <a:bodyPr/>
+          <a:p>
+            <a:fld id="{A6837353-30EB-4A48-80EB-173D804AEFBD}" type="slidenum">
+              <a:rPr lang="zh-CN" altLang="en-US" smtClean="0"/>
+            </a:fld>
+            <a:endParaRPr lang="zh-CN" altLang="en-US"/>
+          </a:p>
+        </p:txBody>
+      </p:sp>
+    </p:spTree>
+  </p:cSld>
+  <p:clrMapOvr>
+    <a:masterClrMapping/>
+  </p:clrMapOvr>
+</p:notes>
+</file>
+
 <file path=ppt/slideLayouts/slideLayout1.xml><?xml version="1.0" encoding="utf-8"?>
 <p:sldLayout xmlns:a="http://schemas.openxmlformats.org/drawingml/2006/main" xmlns:r="http://schemas.openxmlformats.org/officeDocument/2006/relationships" xmlns:p="http://schemas.openxmlformats.org/presentationml/2006/main" type="title" preserve="1">
   <p:cSld name="标题幻灯片">
@@ -155,7 +584,7 @@
             <a:spLocks noGrp="1"/>
           </p:cNvSpPr>
           <p:nvPr>
-            <p:ph type="ctrTitle" hasCustomPrompt="1"/>
+            <p:ph type="ctrTitle"/>
           </p:nvPr>
         </p:nvSpPr>
         <p:spPr>
@@ -187,7 +616,7 @@
             <a:spLocks noGrp="1"/>
           </p:cNvSpPr>
           <p:nvPr>
-            <p:ph type="subTitle" idx="1" hasCustomPrompt="1"/>
+            <p:ph type="subTitle" idx="1"/>
           </p:nvPr>
         </p:nvSpPr>
         <p:spPr>
@@ -340,7 +769,7 @@
             <a:spLocks noGrp="1"/>
           </p:cNvSpPr>
           <p:nvPr>
-            <p:ph type="title" hasCustomPrompt="1"/>
+            <p:ph type="title"/>
           </p:nvPr>
         </p:nvSpPr>
         <p:spPr/>
@@ -363,7 +792,7 @@
             <a:spLocks noGrp="1"/>
           </p:cNvSpPr>
           <p:nvPr>
-            <p:ph type="body" orient="vert" idx="1" hasCustomPrompt="1"/>
+            <p:ph type="body" orient="vert" idx="1"/>
           </p:nvPr>
         </p:nvSpPr>
         <p:spPr/>
@@ -507,7 +936,7 @@
             <a:spLocks noGrp="1"/>
           </p:cNvSpPr>
           <p:nvPr>
-            <p:ph type="title" orient="vert" hasCustomPrompt="1"/>
+            <p:ph type="title" orient="vert"/>
           </p:nvPr>
         </p:nvSpPr>
         <p:spPr>
@@ -535,7 +964,7 @@
             <a:spLocks noGrp="1"/>
           </p:cNvSpPr>
           <p:nvPr>
-            <p:ph type="body" orient="vert" idx="1" hasCustomPrompt="1"/>
+            <p:ph type="body" orient="vert" idx="1"/>
           </p:nvPr>
         </p:nvSpPr>
         <p:spPr>
@@ -684,7 +1113,7 @@
             <a:spLocks noGrp="1"/>
           </p:cNvSpPr>
           <p:nvPr>
-            <p:ph type="title" hasCustomPrompt="1"/>
+            <p:ph type="title"/>
           </p:nvPr>
         </p:nvSpPr>
         <p:spPr/>
@@ -707,7 +1136,7 @@
             <a:spLocks noGrp="1"/>
           </p:cNvSpPr>
           <p:nvPr>
-            <p:ph idx="1" hasCustomPrompt="1"/>
+            <p:ph idx="1"/>
           </p:nvPr>
         </p:nvSpPr>
         <p:spPr/>
@@ -851,7 +1280,7 @@
             <a:spLocks noGrp="1"/>
           </p:cNvSpPr>
           <p:nvPr>
-            <p:ph type="title" hasCustomPrompt="1"/>
+            <p:ph type="title"/>
           </p:nvPr>
         </p:nvSpPr>
         <p:spPr>
@@ -883,7 +1312,7 @@
             <a:spLocks noGrp="1"/>
           </p:cNvSpPr>
           <p:nvPr>
-            <p:ph type="body" idx="1" hasCustomPrompt="1"/>
+            <p:ph type="body" idx="1"/>
           </p:nvPr>
         </p:nvSpPr>
         <p:spPr>
@@ -1090,7 +1519,7 @@
             <a:spLocks noGrp="1"/>
           </p:cNvSpPr>
           <p:nvPr>
-            <p:ph type="title" hasCustomPrompt="1"/>
+            <p:ph type="title"/>
           </p:nvPr>
         </p:nvSpPr>
         <p:spPr/>
@@ -1113,7 +1542,7 @@
             <a:spLocks noGrp="1"/>
           </p:cNvSpPr>
           <p:nvPr>
-            <p:ph sz="half" idx="1" hasCustomPrompt="1"/>
+            <p:ph sz="half" idx="1"/>
           </p:nvPr>
         </p:nvSpPr>
         <p:spPr>
@@ -1174,7 +1603,7 @@
             <a:spLocks noGrp="1"/>
           </p:cNvSpPr>
           <p:nvPr>
-            <p:ph sz="half" idx="2" hasCustomPrompt="1"/>
+            <p:ph sz="half" idx="2"/>
           </p:nvPr>
         </p:nvSpPr>
         <p:spPr>
@@ -1323,7 +1752,7 @@
             <a:spLocks noGrp="1"/>
           </p:cNvSpPr>
           <p:nvPr>
-            <p:ph type="title" hasCustomPrompt="1"/>
+            <p:ph type="title"/>
           </p:nvPr>
         </p:nvSpPr>
         <p:spPr>
@@ -1351,7 +1780,7 @@
             <a:spLocks noGrp="1"/>
           </p:cNvSpPr>
           <p:nvPr>
-            <p:ph type="body" idx="1" hasCustomPrompt="1"/>
+            <p:ph type="body" idx="1"/>
           </p:nvPr>
         </p:nvSpPr>
         <p:spPr>
@@ -1416,7 +1845,7 @@
             <a:spLocks noGrp="1"/>
           </p:cNvSpPr>
           <p:nvPr>
-            <p:ph sz="half" idx="2" hasCustomPrompt="1"/>
+            <p:ph sz="half" idx="2"/>
           </p:nvPr>
         </p:nvSpPr>
         <p:spPr>
@@ -1477,7 +1906,7 @@
             <a:spLocks noGrp="1"/>
           </p:cNvSpPr>
           <p:nvPr>
-            <p:ph type="body" sz="quarter" idx="3" hasCustomPrompt="1"/>
+            <p:ph type="body" sz="quarter" idx="3"/>
           </p:nvPr>
         </p:nvSpPr>
         <p:spPr>
@@ -1542,7 +1971,7 @@
             <a:spLocks noGrp="1"/>
           </p:cNvSpPr>
           <p:nvPr>
-            <p:ph sz="quarter" idx="4" hasCustomPrompt="1"/>
+            <p:ph sz="quarter" idx="4"/>
           </p:nvPr>
         </p:nvSpPr>
         <p:spPr>
@@ -1691,7 +2120,7 @@
             <a:spLocks noGrp="1"/>
           </p:cNvSpPr>
           <p:nvPr>
-            <p:ph type="title" hasCustomPrompt="1"/>
+            <p:ph type="title"/>
           </p:nvPr>
         </p:nvSpPr>
         <p:spPr/>
@@ -1890,7 +2319,7 @@
             <a:spLocks noGrp="1"/>
           </p:cNvSpPr>
           <p:nvPr>
-            <p:ph type="title" hasCustomPrompt="1"/>
+            <p:ph type="title"/>
           </p:nvPr>
         </p:nvSpPr>
         <p:spPr>
@@ -1922,7 +2351,7 @@
             <a:spLocks noGrp="1"/>
           </p:cNvSpPr>
           <p:nvPr>
-            <p:ph idx="1" hasCustomPrompt="1"/>
+            <p:ph idx="1"/>
           </p:nvPr>
         </p:nvSpPr>
         <p:spPr>
@@ -2011,7 +2440,7 @@
             <a:spLocks noGrp="1"/>
           </p:cNvSpPr>
           <p:nvPr>
-            <p:ph type="body" sz="half" idx="2" hasCustomPrompt="1"/>
+            <p:ph type="body" sz="half" idx="2"/>
           </p:nvPr>
         </p:nvSpPr>
         <p:spPr>
@@ -2164,7 +2593,7 @@
             <a:spLocks noGrp="1"/>
           </p:cNvSpPr>
           <p:nvPr>
-            <p:ph type="title" hasCustomPrompt="1"/>
+            <p:ph type="title"/>
           </p:nvPr>
         </p:nvSpPr>
         <p:spPr>
@@ -2257,7 +2686,7 @@
             <a:spLocks noGrp="1"/>
           </p:cNvSpPr>
           <p:nvPr>
-            <p:ph type="body" sz="half" idx="2" hasCustomPrompt="1"/>
+            <p:ph type="body" sz="half" idx="2"/>
           </p:nvPr>
         </p:nvSpPr>
         <p:spPr>
@@ -3989,16 +4418,34 @@
             <p:ph idx="1"/>
           </p:nvPr>
         </p:nvSpPr>
-        <p:spPr>
-          <a:xfrm>
-            <a:off x="849630" y="1229360"/>
-            <a:ext cx="10506075" cy="4949190"/>
-          </a:xfrm>
-        </p:spPr>
+        <p:spPr/>
         <p:txBody>
           <a:bodyPr>
             <a:normAutofit lnSpcReduction="10000"/>
           </a:bodyPr>
+          <a:p>
+            <a:r>
+              <a:rPr lang="x-none" altLang="zh-CN"/>
+              <a:t>Assumption: </a:t>
+            </a:r>
+            <a:endParaRPr lang="x-none" altLang="zh-CN"/>
+          </a:p>
+          <a:p>
+            <a:pPr lvl="1"/>
+            <a:r>
+              <a:rPr lang="x-none" altLang="zh-CN" sz="2400"/>
+              <a:t>Model: GHSum, (Bins, g, h)</a:t>
+            </a:r>
+            <a:endParaRPr lang="x-none" altLang="zh-CN" sz="2400"/>
+          </a:p>
+          <a:p>
+            <a:pPr lvl="1"/>
+            <a:r>
+              <a:rPr lang="x-none" altLang="zh-CN"/>
+              <a:t>Model size &lt;&lt; Training Data size</a:t>
+            </a:r>
+            <a:endParaRPr lang="x-none" altLang="zh-CN"/>
+          </a:p>
           <a:p>
             <a:r>
               <a:rPr lang="x-none" altLang="zh-CN"/>
@@ -4115,7 +4562,7 @@
                 </a:solidFill>
                 <a:sym typeface="+mn-ea"/>
               </a:rPr>
-              <a:t>L</a:t>
+              <a:t>L-1</a:t>
             </a:r>
             <a:r>
               <a:rPr lang="x-none" altLang="zh-CN">
@@ -4124,112 +4571,87 @@
                 </a:solidFill>
                 <a:sym typeface="+mn-ea"/>
               </a:rPr>
-              <a:t>*</a:t>
-            </a:r>
-            <a:r>
-              <a:rPr lang="x-none" altLang="zh-CN">
-                <a:solidFill>
-                  <a:srgbClr val="0070C0"/>
-                </a:solidFill>
-                <a:sym typeface="+mn-ea"/>
-              </a:rPr>
-              <a:t>B*M</a:t>
-            </a:r>
-            <a:endParaRPr lang="x-none" altLang="zh-CN">
-              <a:solidFill>
-                <a:srgbClr val="0070C0"/>
-              </a:solidFill>
-              <a:sym typeface="+mn-ea"/>
-            </a:endParaRPr>
+              <a:t>*B*M</a:t>
+            </a:r>
+            <a:endParaRPr lang="x-none" altLang="zh-CN"/>
           </a:p>
           <a:p>
             <a:pPr lvl="0"/>
-            <a:r>
-              <a:rPr lang="x-none" altLang="zh-CN" sz="2800"/>
-              <a:t>Most cases </a:t>
-            </a:r>
-            <a:endParaRPr lang="x-none" altLang="zh-CN" sz="2800"/>
-          </a:p>
-          <a:p>
-            <a:pPr lvl="1"/>
-            <a:r>
-              <a:rPr lang="x-none" altLang="zh-CN" sz="2400"/>
-              <a:t>dense: M &lt;1K, L&lt;8</a:t>
-            </a:r>
-            <a:endParaRPr lang="x-none" altLang="zh-CN" sz="2400"/>
-          </a:p>
-          <a:p>
-            <a:pPr lvl="1"/>
-            <a:r>
-              <a:rPr lang="x-none" altLang="zh-CN" sz="2400"/>
-              <a:t>high dimension can be an issue</a:t>
-            </a:r>
-            <a:endParaRPr lang="x-none" altLang="zh-CN" sz="2400"/>
-          </a:p>
-          <a:p>
-            <a:pPr lvl="1"/>
-            <a:r>
-              <a:rPr lang="x-none" altLang="zh-CN" sz="2000"/>
-              <a:t>deep tree </a:t>
-            </a:r>
-            <a:r>
-              <a:rPr lang="x-none" altLang="zh-CN">
-                <a:sym typeface="+mn-ea"/>
-              </a:rPr>
-              <a:t>can be an issue</a:t>
-            </a:r>
-            <a:endParaRPr lang="x-none" altLang="zh-CN"/>
-          </a:p>
-          <a:p>
-            <a:pPr lvl="0"/>
-            <a:r>
-              <a:rPr lang="x-none" altLang="zh-CN">
-                <a:sym typeface="+mn-ea"/>
-              </a:rPr>
-              <a:t>example:</a:t>
-            </a:r>
-            <a:endParaRPr lang="x-none" altLang="zh-CN">
-              <a:sym typeface="+mn-ea"/>
-            </a:endParaRPr>
-          </a:p>
-          <a:p>
-            <a:pPr lvl="1"/>
-            <a:r>
-              <a:rPr lang="x-none" altLang="zh-CN">
-                <a:sym typeface="+mn-ea"/>
-              </a:rPr>
-              <a:t>Higgs</a:t>
-            </a:r>
             <a:r>
               <a:rPr lang="x-none" altLang="zh-CN" sz="2400">
                 <a:sym typeface="+mn-ea"/>
               </a:rPr>
-              <a:t>: </a:t>
-            </a:r>
-            <a:r>
-              <a:rPr lang="x-none" altLang="zh-CN">
+              <a:t>Most cases </a:t>
+            </a:r>
+            <a:endParaRPr lang="x-none" altLang="zh-CN" sz="2400"/>
+          </a:p>
+          <a:p>
+            <a:pPr lvl="1"/>
+            <a:r>
+              <a:rPr lang="x-none" altLang="zh-CN" sz="2400">
                 <a:sym typeface="+mn-ea"/>
               </a:rPr>
-              <a:t>N = 10m, M = 28, L = 6, B = 128; model size at L=6, 64*128*28 &lt;&lt; 10m </a:t>
-            </a:r>
-            <a:endParaRPr lang="x-none" altLang="zh-CN">
+              <a:t>M &lt;1K, L&lt;8, B~[20,100]</a:t>
+            </a:r>
+            <a:endParaRPr lang="x-none" altLang="zh-CN" sz="2400"/>
+          </a:p>
+          <a:p>
+            <a:pPr lvl="1"/>
+            <a:r>
+              <a:rPr lang="x-none" altLang="zh-CN" sz="2400">
+                <a:sym typeface="+mn-ea"/>
+              </a:rPr>
+              <a:t>high dimension can be an issue</a:t>
+            </a:r>
+            <a:endParaRPr lang="x-none" altLang="zh-CN" sz="2400"/>
+          </a:p>
+          <a:p>
+            <a:pPr lvl="1"/>
+            <a:r>
+              <a:rPr lang="x-none" altLang="zh-CN" sz="2400">
+                <a:sym typeface="+mn-ea"/>
+              </a:rPr>
+              <a:t>deep tree can be an issue (GBT prefers shallow trees)</a:t>
+            </a:r>
+            <a:endParaRPr lang="x-none" altLang="zh-CN" sz="2400"/>
+          </a:p>
+          <a:p>
+            <a:pPr lvl="1"/>
+            <a:endParaRPr lang="x-none" altLang="zh-CN" sz="2400"/>
+          </a:p>
+          <a:p>
+            <a:endParaRPr lang="x-none" altLang="zh-CN"/>
+          </a:p>
+        </p:txBody>
+      </p:sp>
+      <p:sp>
+        <p:nvSpPr>
+          <p:cNvPr id="4" name="内容占位符 3"/>
+          <p:cNvSpPr>
+            <a:spLocks noGrp="1"/>
+          </p:cNvSpPr>
+          <p:nvPr>
+            <p:ph sz="half" idx="4294967295"/>
+          </p:nvPr>
+        </p:nvSpPr>
+        <p:spPr>
+          <a:xfrm>
+            <a:off x="7010400" y="1094740"/>
+            <a:ext cx="5181600" cy="5083175"/>
+          </a:xfrm>
+        </p:spPr>
+        <p:txBody>
+          <a:bodyPr>
+            <a:normAutofit/>
+          </a:bodyPr>
+          <a:p>
+            <a:pPr lvl="0"/>
+            <a:endParaRPr lang="x-none" altLang="zh-CN" sz="2800">
               <a:sym typeface="+mn-ea"/>
             </a:endParaRPr>
           </a:p>
           <a:p>
-            <a:pPr lvl="1"/>
-            <a:endParaRPr lang="x-none" altLang="zh-CN"/>
-          </a:p>
-          <a:p>
-            <a:pPr lvl="1"/>
-            <a:endParaRPr lang="x-none" altLang="zh-CN" sz="2400"/>
-          </a:p>
-          <a:p>
-            <a:pPr lvl="1"/>
-            <a:endParaRPr lang="x-none" altLang="zh-CN" sz="2400"/>
-          </a:p>
-          <a:p>
-            <a:endParaRPr lang="x-none" altLang="zh-CN"/>
+            <a:endParaRPr lang="zh-CN" altLang="en-US"/>
           </a:p>
         </p:txBody>
       </p:sp>
@@ -4266,6 +4688,132 @@
           <a:bodyPr/>
           <a:p>
             <a:r>
+              <a:rPr lang="x-none" altLang="zh-CN">
+                <a:sym typeface="+mn-ea"/>
+              </a:rPr>
+              <a:t>Assumption</a:t>
+            </a:r>
+            <a:endParaRPr lang="zh-CN" altLang="en-US"/>
+          </a:p>
+        </p:txBody>
+      </p:sp>
+      <p:sp>
+        <p:nvSpPr>
+          <p:cNvPr id="3" name="内容占位符 2"/>
+          <p:cNvSpPr>
+            <a:spLocks noGrp="1"/>
+          </p:cNvSpPr>
+          <p:nvPr>
+            <p:ph idx="1"/>
+          </p:nvPr>
+        </p:nvSpPr>
+        <p:spPr/>
+        <p:txBody>
+          <a:bodyPr/>
+          <a:p>
+            <a:pPr lvl="0"/>
+            <a:r>
+              <a:rPr lang="x-none" altLang="zh-CN" sz="2800">
+                <a:sym typeface="+mn-ea"/>
+              </a:rPr>
+              <a:t>example:</a:t>
+            </a:r>
+            <a:endParaRPr lang="x-none" altLang="zh-CN" sz="2800">
+              <a:sym typeface="+mn-ea"/>
+            </a:endParaRPr>
+          </a:p>
+          <a:p>
+            <a:pPr lvl="1"/>
+            <a:r>
+              <a:rPr lang="x-none" altLang="zh-CN" sz="2800">
+                <a:sym typeface="+mn-ea"/>
+              </a:rPr>
+              <a:t>Higgs: N = 10m, M = 28</a:t>
+            </a:r>
+            <a:endParaRPr lang="x-none" altLang="zh-CN" sz="2800">
+              <a:sym typeface="+mn-ea"/>
+            </a:endParaRPr>
+          </a:p>
+          <a:p>
+            <a:pPr lvl="2"/>
+            <a:r>
+              <a:rPr lang="x-none" altLang="zh-CN" sz="2800">
+                <a:sym typeface="+mn-ea"/>
+              </a:rPr>
+              <a:t>L = 6, B = 128; model size at level L, 32*128*28 &lt;&lt; 10m </a:t>
+            </a:r>
+            <a:endParaRPr lang="x-none" altLang="zh-CN" sz="2800">
+              <a:sym typeface="+mn-ea"/>
+            </a:endParaRPr>
+          </a:p>
+          <a:p>
+            <a:pPr lvl="1"/>
+            <a:r>
+              <a:rPr lang="x-none" altLang="zh-CN" sz="2800">
+                <a:sym typeface="+mn-ea"/>
+              </a:rPr>
+              <a:t>KDD10: N=19M, M=29M </a:t>
+            </a:r>
+            <a:endParaRPr lang="x-none" altLang="zh-CN" sz="2800">
+              <a:sym typeface="+mn-ea"/>
+            </a:endParaRPr>
+          </a:p>
+          <a:p>
+            <a:pPr lvl="2"/>
+            <a:r>
+              <a:rPr lang="x-none" altLang="zh-CN" sz="2800">
+                <a:sym typeface="+mn-ea"/>
+              </a:rPr>
+              <a:t>feature enginering: expand a categorical feature into a set of binary features, combination</a:t>
+            </a:r>
+            <a:r>
+              <a:rPr lang="x-none" altLang="zh-CN" sz="2800" baseline="30000">
+                <a:sym typeface="+mn-ea"/>
+              </a:rPr>
+              <a:t>*</a:t>
+            </a:r>
+            <a:endParaRPr lang="x-none" altLang="zh-CN" sz="2800" baseline="30000">
+              <a:sym typeface="+mn-ea"/>
+            </a:endParaRPr>
+          </a:p>
+          <a:p>
+            <a:endParaRPr lang="zh-CN" altLang="en-US"/>
+          </a:p>
+        </p:txBody>
+      </p:sp>
+    </p:spTree>
+  </p:cSld>
+  <p:clrMapOvr>
+    <a:masterClrMapping/>
+  </p:clrMapOvr>
+</p:sld>
+</file>
+
+<file path=ppt/slides/slide19.xml><?xml version="1.0" encoding="utf-8"?>
+<p:sld xmlns:a="http://schemas.openxmlformats.org/drawingml/2006/main" xmlns:r="http://schemas.openxmlformats.org/officeDocument/2006/relationships" xmlns:p="http://schemas.openxmlformats.org/presentationml/2006/main">
+  <p:cSld>
+    <p:spTree>
+      <p:nvGrpSpPr>
+        <p:cNvPr id="1" name=""/>
+        <p:cNvGrpSpPr/>
+        <p:nvPr/>
+      </p:nvGrpSpPr>
+      <p:grpSpPr/>
+      <p:sp>
+        <p:nvSpPr>
+          <p:cNvPr id="2" name="标题 1"/>
+          <p:cNvSpPr>
+            <a:spLocks noGrp="1"/>
+          </p:cNvSpPr>
+          <p:nvPr>
+            <p:ph type="title"/>
+          </p:nvPr>
+        </p:nvSpPr>
+        <p:spPr/>
+        <p:txBody>
+          <a:bodyPr/>
+          <a:p>
+            <a:r>
               <a:rPr lang="x-none" altLang="zh-CN"/>
               <a:t>Cache Friendly Data Orgnization</a:t>
             </a:r>
@@ -4290,28 +4838,23 @@
           </a:xfrm>
         </p:spPr>
         <p:txBody>
-          <a:bodyPr/>
+          <a:bodyPr>
+            <a:normAutofit lnSpcReduction="10000"/>
+          </a:bodyPr>
           <a:p>
             <a:r>
               <a:rPr lang="x-none" altLang="zh-CN"/>
-              <a:t>Column-wised orgnization</a:t>
+              <a:t>Issue: non-continuous memory access in feature level parallelism</a:t>
             </a:r>
             <a:endParaRPr lang="x-none" altLang="zh-CN"/>
           </a:p>
           <a:p>
-            <a:r>
-              <a:rPr lang="x-none" altLang="zh-CN"/>
-              <a:t>Issue: non-continuous memory access</a:t>
-            </a:r>
-            <a:endParaRPr lang="x-none" altLang="zh-CN"/>
-          </a:p>
-          <a:p>
             <a:pPr lvl="1"/>
             <a:r>
-              <a:rPr lang="x-none" altLang="zh-CN"/>
-              <a:t>sorted by feature values</a:t>
-            </a:r>
-            <a:endParaRPr lang="x-none" altLang="zh-CN"/>
+              <a:rPr lang="x-none" altLang="zh-CN" sz="2400"/>
+              <a:t>prefer column-wised data orgnization</a:t>
+            </a:r>
+            <a:endParaRPr lang="x-none" altLang="zh-CN" sz="2400"/>
           </a:p>
           <a:p>
             <a:pPr lvl="1"/>
@@ -4322,10 +4865,18 @@
             <a:endParaRPr lang="x-none" altLang="zh-CN"/>
           </a:p>
           <a:p>
+            <a:pPr lvl="1"/>
+            <a:r>
+              <a:rPr lang="x-none" altLang="zh-CN"/>
+              <a:t>N is large, (g,h) can not even fit into LLC cache</a:t>
+            </a:r>
+            <a:endParaRPr lang="x-none" altLang="zh-CN"/>
+          </a:p>
+          <a:p>
             <a:pPr lvl="0"/>
             <a:r>
               <a:rPr lang="x-none" altLang="zh-CN"/>
-              <a:t>Proposal</a:t>
+              <a:t>Ideas</a:t>
             </a:r>
             <a:endParaRPr lang="x-none" altLang="zh-CN"/>
           </a:p>
@@ -4333,19 +4884,7 @@
             <a:pPr lvl="1"/>
             <a:r>
               <a:rPr lang="x-none" altLang="zh-CN"/>
-              <a:t>multi-columns as a </a:t>
-            </a:r>
-            <a:r>
-              <a:rPr lang="x-none" altLang="zh-CN">
-                <a:solidFill>
-                  <a:srgbClr val="FF0000"/>
-                </a:solidFill>
-              </a:rPr>
-              <a:t>block</a:t>
-            </a:r>
-            <a:r>
-              <a:rPr lang="x-none" altLang="zh-CN"/>
-              <a:t> to fit one </a:t>
+              <a:t>multi-columns to fit one </a:t>
             </a:r>
             <a:r>
               <a:rPr lang="x-none" altLang="zh-CN">
@@ -4358,6 +4897,30 @@
             <a:endParaRPr lang="x-none" altLang="zh-CN">
               <a:solidFill>
                 <a:schemeClr val="accent5"/>
+              </a:solidFill>
+            </a:endParaRPr>
+          </a:p>
+          <a:p>
+            <a:pPr lvl="1"/>
+            <a:r>
+              <a:rPr lang="x-none" altLang="zh-CN">
+                <a:solidFill>
+                  <a:srgbClr val="FF0000"/>
+                </a:solidFill>
+              </a:rPr>
+              <a:t>clolumn block</a:t>
+            </a:r>
+            <a:r>
+              <a:rPr lang="x-none" altLang="zh-CN">
+                <a:solidFill>
+                  <a:schemeClr val="tx1"/>
+                </a:solidFill>
+              </a:rPr>
+              <a:t> to get a small range of (g,h) access cache friendly </a:t>
+            </a:r>
+            <a:endParaRPr lang="x-none" altLang="zh-CN">
+              <a:solidFill>
+                <a:schemeClr val="tx1"/>
               </a:solidFill>
             </a:endParaRPr>
           </a:p>
@@ -4419,200 +4982,6 @@
 </p:sld>
 </file>
 
-<file path=ppt/slides/slide19.xml><?xml version="1.0" encoding="utf-8"?>
-<p:sld xmlns:a="http://schemas.openxmlformats.org/drawingml/2006/main" xmlns:r="http://schemas.openxmlformats.org/officeDocument/2006/relationships" xmlns:p="http://schemas.openxmlformats.org/presentationml/2006/main">
-  <p:cSld>
-    <p:spTree>
-      <p:nvGrpSpPr>
-        <p:cNvPr id="1" name=""/>
-        <p:cNvGrpSpPr/>
-        <p:nvPr/>
-      </p:nvGrpSpPr>
-      <p:grpSpPr/>
-      <p:sp>
-        <p:nvSpPr>
-          <p:cNvPr id="6" name="标题 5"/>
-          <p:cNvSpPr>
-            <a:spLocks noGrp="1"/>
-          </p:cNvSpPr>
-          <p:nvPr>
-            <p:ph type="title"/>
-          </p:nvPr>
-        </p:nvSpPr>
-        <p:spPr/>
-        <p:txBody>
-          <a:bodyPr/>
-          <a:p>
-            <a:r>
-              <a:rPr lang="x-none" altLang="zh-CN"/>
-              <a:t>Training data access</a:t>
-            </a:r>
-            <a:endParaRPr lang="x-none" altLang="zh-CN"/>
-          </a:p>
-        </p:txBody>
-      </p:sp>
-      <p:pic>
-        <p:nvPicPr>
-          <p:cNvPr id="9" name="内容占位符 8"/>
-          <p:cNvPicPr>
-            <a:picLocks noChangeAspect="1"/>
-          </p:cNvPicPr>
-          <p:nvPr>
-            <p:ph sz="half" idx="1"/>
-          </p:nvPr>
-        </p:nvPicPr>
-        <p:blipFill>
-          <a:blip r:embed="rId1"/>
-          <a:stretch>
-            <a:fillRect/>
-          </a:stretch>
-        </p:blipFill>
-        <p:spPr>
-          <a:xfrm>
-            <a:off x="311150" y="1841500"/>
-            <a:ext cx="3858260" cy="2160270"/>
-          </a:xfrm>
-          <a:prstGeom prst="rect">
-            <a:avLst/>
-          </a:prstGeom>
-        </p:spPr>
-      </p:pic>
-      <p:sp>
-        <p:nvSpPr>
-          <p:cNvPr id="12" name="内容占位符 11"/>
-          <p:cNvSpPr>
-            <a:spLocks noGrp="1"/>
-          </p:cNvSpPr>
-          <p:nvPr>
-            <p:ph sz="half" idx="2"/>
-          </p:nvPr>
-        </p:nvSpPr>
-        <p:spPr>
-          <a:xfrm>
-            <a:off x="5469890" y="1096010"/>
-            <a:ext cx="5884545" cy="5083175"/>
-          </a:xfrm>
-        </p:spPr>
-        <p:txBody>
-          <a:bodyPr>
-            <a:normAutofit/>
-          </a:bodyPr>
-          <a:p>
-            <a:r>
-              <a:rPr lang="x-none" altLang="zh-CN" sz="2800">
-                <a:sym typeface="+mn-ea"/>
-              </a:rPr>
-              <a:t>In case N &gt;&gt; ModelSize</a:t>
-            </a:r>
-            <a:endParaRPr lang="x-none" altLang="zh-CN" sz="2800">
-              <a:solidFill>
-                <a:schemeClr val="tx1"/>
-              </a:solidFill>
-            </a:endParaRPr>
-          </a:p>
-          <a:p>
-            <a:pPr lvl="1"/>
-            <a:r>
-              <a:rPr lang="x-none" altLang="zh-CN" sz="2800">
-                <a:sym typeface="+mn-ea"/>
-              </a:rPr>
-              <a:t>data parallelism: training data statically partitioned among nodes</a:t>
-            </a:r>
-            <a:endParaRPr lang="x-none" altLang="zh-CN" sz="2800">
-              <a:solidFill>
-                <a:schemeClr val="tx1"/>
-              </a:solidFill>
-            </a:endParaRPr>
-          </a:p>
-          <a:p>
-            <a:pPr lvl="1"/>
-            <a:r>
-              <a:rPr lang="x-none" altLang="zh-CN" sz="2800">
-                <a:sym typeface="+mn-ea"/>
-              </a:rPr>
-              <a:t>model parallelism: optional and preferred when modelsize is big</a:t>
-            </a:r>
-            <a:endParaRPr lang="x-none" altLang="zh-CN" sz="2800">
-              <a:solidFill>
-                <a:schemeClr val="tx1"/>
-              </a:solidFill>
-            </a:endParaRPr>
-          </a:p>
-          <a:p>
-            <a:r>
-              <a:rPr lang="x-none" altLang="zh-CN">
-                <a:sym typeface="+mn-ea"/>
-              </a:rPr>
-              <a:t>Proposal</a:t>
-            </a:r>
-            <a:endParaRPr lang="x-none" altLang="zh-CN">
-              <a:sym typeface="+mn-ea"/>
-            </a:endParaRPr>
-          </a:p>
-          <a:p>
-            <a:pPr lvl="1"/>
-            <a:r>
-              <a:rPr lang="x-none" altLang="zh-CN" sz="2400">
-                <a:sym typeface="+mn-ea"/>
-              </a:rPr>
-              <a:t>Layer-by-layer</a:t>
-            </a:r>
-            <a:endParaRPr lang="x-none" altLang="zh-CN" sz="2400">
-              <a:sym typeface="+mn-ea"/>
-            </a:endParaRPr>
-          </a:p>
-          <a:p>
-            <a:pPr lvl="1"/>
-            <a:r>
-              <a:rPr lang="x-none" altLang="zh-CN" sz="2400">
-                <a:solidFill>
-                  <a:srgbClr val="FF0000"/>
-                </a:solidFill>
-                <a:sym typeface="+mn-ea"/>
-              </a:rPr>
-              <a:t>Single pass</a:t>
-            </a:r>
-            <a:r>
-              <a:rPr lang="x-none" altLang="zh-CN" sz="2400">
-                <a:sym typeface="+mn-ea"/>
-              </a:rPr>
-              <a:t> on train data for each level. (half when reuse GHSum</a:t>
-            </a:r>
-            <a:r>
-              <a:rPr lang="x-none" altLang="zh-CN" sz="2400" baseline="-25000">
-                <a:uFillTx/>
-                <a:sym typeface="+mn-ea"/>
-              </a:rPr>
-              <a:t>_parent</a:t>
-            </a:r>
-            <a:r>
-              <a:rPr lang="x-none" altLang="zh-CN" sz="2400">
-                <a:sym typeface="+mn-ea"/>
-              </a:rPr>
-              <a:t>)</a:t>
-            </a:r>
-            <a:endParaRPr lang="x-none" altLang="zh-CN" sz="2400"/>
-          </a:p>
-          <a:p>
-            <a:pPr lvl="1"/>
-            <a:r>
-              <a:rPr lang="x-none" altLang="zh-CN" sz="2400">
-                <a:sym typeface="+mn-ea"/>
-              </a:rPr>
-              <a:t>Keep GHSum of the same level in memory</a:t>
-            </a:r>
-            <a:endParaRPr lang="zh-CN" altLang="en-US"/>
-          </a:p>
-        </p:txBody>
-      </p:sp>
-    </p:spTree>
-  </p:cSld>
-  <p:clrMapOvr>
-    <a:masterClrMapping/>
-  </p:clrMapOvr>
-</p:sld>
-</file>
-
 <file path=ppt/slides/slide2.xml><?xml version="1.0" encoding="utf-8"?>
 <p:sld xmlns:a="http://schemas.openxmlformats.org/drawingml/2006/main" xmlns:r="http://schemas.openxmlformats.org/officeDocument/2006/relationships" xmlns:p="http://schemas.openxmlformats.org/presentationml/2006/main">
   <p:cSld>
@@ -4716,6 +5085,597 @@
       <p:grpSpPr/>
       <p:sp>
         <p:nvSpPr>
+          <p:cNvPr id="6" name="标题 5"/>
+          <p:cNvSpPr>
+            <a:spLocks noGrp="1"/>
+          </p:cNvSpPr>
+          <p:nvPr>
+            <p:ph type="title"/>
+          </p:nvPr>
+        </p:nvSpPr>
+        <p:spPr/>
+        <p:txBody>
+          <a:bodyPr/>
+          <a:p>
+            <a:r>
+              <a:rPr lang="x-none" altLang="zh-CN"/>
+              <a:t>Training data access</a:t>
+            </a:r>
+            <a:endParaRPr lang="x-none" altLang="zh-CN"/>
+          </a:p>
+        </p:txBody>
+      </p:sp>
+      <p:pic>
+        <p:nvPicPr>
+          <p:cNvPr id="9" name="内容占位符 8"/>
+          <p:cNvPicPr>
+            <a:picLocks noChangeAspect="1"/>
+          </p:cNvPicPr>
+          <p:nvPr>
+            <p:ph sz="half" idx="1"/>
+          </p:nvPr>
+        </p:nvPicPr>
+        <p:blipFill>
+          <a:blip r:embed="rId1"/>
+          <a:stretch>
+            <a:fillRect/>
+          </a:stretch>
+        </p:blipFill>
+        <p:spPr>
+          <a:xfrm>
+            <a:off x="311150" y="1841500"/>
+            <a:ext cx="3858260" cy="2160270"/>
+          </a:xfrm>
+          <a:prstGeom prst="rect">
+            <a:avLst/>
+          </a:prstGeom>
+        </p:spPr>
+      </p:pic>
+      <p:sp>
+        <p:nvSpPr>
+          <p:cNvPr id="12" name="内容占位符 11"/>
+          <p:cNvSpPr>
+            <a:spLocks noGrp="1"/>
+          </p:cNvSpPr>
+          <p:nvPr>
+            <p:ph sz="half" idx="2"/>
+          </p:nvPr>
+        </p:nvSpPr>
+        <p:spPr>
+          <a:xfrm>
+            <a:off x="5469890" y="1096010"/>
+            <a:ext cx="5884545" cy="5083175"/>
+          </a:xfrm>
+        </p:spPr>
+        <p:txBody>
+          <a:bodyPr>
+            <a:normAutofit/>
+          </a:bodyPr>
+          <a:p>
+            <a:r>
+              <a:rPr lang="x-none" altLang="zh-CN" sz="2800">
+                <a:sym typeface="+mn-ea"/>
+              </a:rPr>
+              <a:t>Issue: redundent access to training data in node level parallelism</a:t>
+            </a:r>
+            <a:endParaRPr lang="x-none" altLang="zh-CN" sz="2800">
+              <a:sym typeface="+mn-ea"/>
+            </a:endParaRPr>
+          </a:p>
+          <a:p>
+            <a:pPr lvl="1"/>
+            <a:r>
+              <a:rPr lang="x-none" altLang="zh-CN">
+                <a:sym typeface="+mn-ea"/>
+              </a:rPr>
+              <a:t>prefer row-wised data orgnization, however, it conflicts with feaure level parallelism</a:t>
+            </a:r>
+            <a:endParaRPr lang="x-none" altLang="zh-CN" sz="2400">
+              <a:sym typeface="+mn-ea"/>
+            </a:endParaRPr>
+          </a:p>
+          <a:p>
+            <a:r>
+              <a:rPr lang="x-none" altLang="zh-CN">
+                <a:sym typeface="+mn-ea"/>
+              </a:rPr>
+              <a:t>Ideas</a:t>
+            </a:r>
+            <a:endParaRPr lang="x-none" altLang="zh-CN">
+              <a:sym typeface="+mn-ea"/>
+            </a:endParaRPr>
+          </a:p>
+          <a:p>
+            <a:pPr lvl="1"/>
+            <a:r>
+              <a:rPr lang="x-none" altLang="zh-CN" sz="2400">
+                <a:sym typeface="+mn-ea"/>
+              </a:rPr>
+              <a:t>Keep column-wised orgnization</a:t>
+            </a:r>
+            <a:endParaRPr lang="x-none" altLang="zh-CN" sz="2400">
+              <a:sym typeface="+mn-ea"/>
+            </a:endParaRPr>
+          </a:p>
+          <a:p>
+            <a:pPr lvl="1"/>
+            <a:r>
+              <a:rPr lang="x-none" altLang="zh-CN">
+                <a:sym typeface="+mn-ea"/>
+              </a:rPr>
+              <a:t>Keep all GHSum of the same level in cache</a:t>
+            </a:r>
+            <a:endParaRPr lang="x-none" altLang="zh-CN" sz="2400">
+              <a:solidFill>
+                <a:srgbClr val="FF0000"/>
+              </a:solidFill>
+              <a:sym typeface="+mn-ea"/>
+            </a:endParaRPr>
+          </a:p>
+          <a:p>
+            <a:pPr lvl="1"/>
+            <a:r>
+              <a:rPr lang="x-none" altLang="zh-CN" sz="2400">
+                <a:solidFill>
+                  <a:srgbClr val="FF0000"/>
+                </a:solidFill>
+                <a:sym typeface="+mn-ea"/>
+              </a:rPr>
+              <a:t>Single pass</a:t>
+            </a:r>
+            <a:r>
+              <a:rPr lang="x-none" altLang="zh-CN" sz="2400">
+                <a:sym typeface="+mn-ea"/>
+              </a:rPr>
+              <a:t> on train data for each level. (half when reuse GHSum</a:t>
+            </a:r>
+            <a:r>
+              <a:rPr lang="x-none" altLang="zh-CN" sz="2400" baseline="-25000">
+                <a:uFillTx/>
+                <a:sym typeface="+mn-ea"/>
+              </a:rPr>
+              <a:t>_parent</a:t>
+            </a:r>
+            <a:r>
+              <a:rPr lang="x-none" altLang="zh-CN" sz="2400">
+                <a:sym typeface="+mn-ea"/>
+              </a:rPr>
+              <a:t>)</a:t>
+            </a:r>
+            <a:endParaRPr lang="x-none" altLang="zh-CN" sz="2400"/>
+          </a:p>
+          <a:p>
+            <a:pPr lvl="1"/>
+            <a:endParaRPr lang="zh-CN" altLang="en-US"/>
+          </a:p>
+        </p:txBody>
+      </p:sp>
+    </p:spTree>
+  </p:cSld>
+  <p:clrMapOvr>
+    <a:masterClrMapping/>
+  </p:clrMapOvr>
+</p:sld>
+</file>
+
+<file path=ppt/slides/slide21.xml><?xml version="1.0" encoding="utf-8"?>
+<p:sld xmlns:a="http://schemas.openxmlformats.org/drawingml/2006/main" xmlns:r="http://schemas.openxmlformats.org/officeDocument/2006/relationships" xmlns:p="http://schemas.openxmlformats.org/presentationml/2006/main">
+  <p:cSld>
+    <p:spTree>
+      <p:nvGrpSpPr>
+        <p:cNvPr id="1" name=""/>
+        <p:cNvGrpSpPr/>
+        <p:nvPr/>
+      </p:nvGrpSpPr>
+      <p:grpSpPr/>
+      <p:sp>
+        <p:nvSpPr>
+          <p:cNvPr id="2" name="标题 1"/>
+          <p:cNvSpPr>
+            <a:spLocks noGrp="1"/>
+          </p:cNvSpPr>
+          <p:nvPr>
+            <p:ph type="title"/>
+          </p:nvPr>
+        </p:nvSpPr>
+        <p:spPr/>
+        <p:txBody>
+          <a:bodyPr/>
+          <a:p>
+            <a:r>
+              <a:rPr lang="x-none" altLang="zh-CN"/>
+              <a:t>Sequential Scan on the Instance Set</a:t>
+            </a:r>
+            <a:endParaRPr lang="x-none" altLang="zh-CN"/>
+          </a:p>
+        </p:txBody>
+      </p:sp>
+      <p:sp>
+        <p:nvSpPr>
+          <p:cNvPr id="4" name="内容占位符 3"/>
+          <p:cNvSpPr>
+            <a:spLocks noGrp="1"/>
+          </p:cNvSpPr>
+          <p:nvPr>
+            <p:ph sz="half" idx="2"/>
+          </p:nvPr>
+        </p:nvSpPr>
+        <p:spPr/>
+        <p:txBody>
+          <a:bodyPr/>
+          <a:p>
+            <a:r>
+              <a:rPr lang="x-none" altLang="zh-CN"/>
+              <a:t>Issue:Dynamic instance set</a:t>
+            </a:r>
+            <a:endParaRPr lang="x-none" altLang="zh-CN"/>
+          </a:p>
+          <a:p>
+            <a:pPr lvl="1"/>
+            <a:r>
+              <a:rPr lang="x-none" altLang="zh-CN"/>
+              <a:t>move instance id around after node split</a:t>
+            </a:r>
+            <a:endParaRPr lang="x-none" altLang="zh-CN"/>
+          </a:p>
+          <a:p>
+            <a:pPr lvl="0"/>
+            <a:r>
+              <a:rPr lang="x-none" altLang="zh-CN"/>
+              <a:t>Ideas</a:t>
+            </a:r>
+            <a:endParaRPr lang="x-none" altLang="zh-CN"/>
+          </a:p>
+          <a:p>
+            <a:pPr lvl="1"/>
+            <a:r>
+              <a:rPr lang="x-none" altLang="zh-CN"/>
+              <a:t>encode &lt;nodeid, level&gt; into a uniq nodeID, (easy for binary tree)</a:t>
+            </a:r>
+            <a:endParaRPr lang="x-none" altLang="zh-CN"/>
+          </a:p>
+          <a:p>
+            <a:pPr lvl="1"/>
+            <a:r>
+              <a:rPr lang="x-none" altLang="zh-CN"/>
+              <a:t>a </a:t>
+            </a:r>
+            <a:r>
+              <a:rPr lang="x-none" altLang="zh-CN">
+                <a:sym typeface="+mn-ea"/>
+              </a:rPr>
+              <a:t>nodeID </a:t>
+            </a:r>
+            <a:r>
+              <a:rPr lang="x-none" altLang="zh-CN"/>
+              <a:t>vector to maintain the current leaf level instance sets directly</a:t>
+            </a:r>
+            <a:endParaRPr lang="x-none" altLang="zh-CN"/>
+          </a:p>
+          <a:p>
+            <a:pPr lvl="1"/>
+            <a:r>
+              <a:rPr lang="x-none" altLang="zh-CN"/>
+              <a:t>sequential access to this vector</a:t>
+            </a:r>
+            <a:endParaRPr lang="x-none" altLang="zh-CN"/>
+          </a:p>
+        </p:txBody>
+      </p:sp>
+      <p:pic>
+        <p:nvPicPr>
+          <p:cNvPr id="5" name="内容占位符 4"/>
+          <p:cNvPicPr>
+            <a:picLocks noChangeAspect="1"/>
+          </p:cNvPicPr>
+          <p:nvPr>
+            <p:ph sz="half" idx="1"/>
+          </p:nvPr>
+        </p:nvPicPr>
+        <p:blipFill>
+          <a:blip r:embed="rId1"/>
+          <a:stretch>
+            <a:fillRect/>
+          </a:stretch>
+        </p:blipFill>
+        <p:spPr>
+          <a:xfrm>
+            <a:off x="1623060" y="1247775"/>
+            <a:ext cx="3705860" cy="2914015"/>
+          </a:xfrm>
+          <a:prstGeom prst="rect">
+            <a:avLst/>
+          </a:prstGeom>
+        </p:spPr>
+      </p:pic>
+    </p:spTree>
+  </p:cSld>
+  <p:clrMapOvr>
+    <a:masterClrMapping/>
+  </p:clrMapOvr>
+</p:sld>
+</file>
+
+<file path=ppt/slides/slide22.xml><?xml version="1.0" encoding="utf-8"?>
+<p:sld xmlns:a="http://schemas.openxmlformats.org/drawingml/2006/main" xmlns:r="http://schemas.openxmlformats.org/officeDocument/2006/relationships" xmlns:p="http://schemas.openxmlformats.org/presentationml/2006/main">
+  <p:cSld>
+    <p:spTree>
+      <p:nvGrpSpPr>
+        <p:cNvPr id="1" name=""/>
+        <p:cNvGrpSpPr/>
+        <p:nvPr/>
+      </p:nvGrpSpPr>
+      <p:grpSpPr/>
+      <p:sp>
+        <p:nvSpPr>
+          <p:cNvPr id="2" name="标题 1"/>
+          <p:cNvSpPr>
+            <a:spLocks noGrp="1"/>
+          </p:cNvSpPr>
+          <p:nvPr>
+            <p:ph type="title"/>
+          </p:nvPr>
+        </p:nvSpPr>
+        <p:spPr/>
+        <p:txBody>
+          <a:bodyPr>
+            <a:normAutofit fontScale="90000"/>
+          </a:bodyPr>
+          <a:p>
+            <a:r>
+              <a:rPr lang="x-none" altLang="zh-CN">
+                <a:sym typeface="+mn-ea"/>
+              </a:rPr>
+              <a:t>Block-based Data Orgnization and Parallelsim</a:t>
+            </a:r>
+            <a:endParaRPr lang="zh-CN" altLang="en-US"/>
+          </a:p>
+        </p:txBody>
+      </p:sp>
+      <p:sp>
+        <p:nvSpPr>
+          <p:cNvPr id="4" name="内容占位符 3"/>
+          <p:cNvSpPr>
+            <a:spLocks noGrp="1"/>
+          </p:cNvSpPr>
+          <p:nvPr>
+            <p:ph sz="half" idx="2"/>
+          </p:nvPr>
+        </p:nvSpPr>
+        <p:spPr/>
+        <p:txBody>
+          <a:bodyPr/>
+          <a:p>
+            <a:r>
+              <a:rPr lang="x-none" altLang="zh-CN"/>
+              <a:t>Column Block</a:t>
+            </a:r>
+            <a:endParaRPr lang="x-none" altLang="zh-CN"/>
+          </a:p>
+          <a:p>
+            <a:pPr lvl="1"/>
+            <a:r>
+              <a:rPr lang="x-none" altLang="zh-CN"/>
+              <a:t>the basic unit for parallelism</a:t>
+            </a:r>
+            <a:endParaRPr lang="x-none" altLang="zh-CN"/>
+          </a:p>
+          <a:p>
+            <a:pPr lvl="1"/>
+            <a:r>
+              <a:rPr lang="x-none" altLang="zh-CN"/>
+              <a:t>column-wised data orgnization</a:t>
+            </a:r>
+            <a:endParaRPr lang="x-none" altLang="zh-CN"/>
+          </a:p>
+          <a:p>
+            <a:pPr lvl="1"/>
+            <a:r>
+              <a:rPr lang="x-none" altLang="zh-CN"/>
+              <a:t>dense/sparse support</a:t>
+            </a:r>
+            <a:endParaRPr lang="x-none" altLang="zh-CN"/>
+          </a:p>
+          <a:p>
+            <a:pPr lvl="1"/>
+            <a:r>
+              <a:rPr lang="x-none" altLang="zh-CN"/>
+              <a:t>sorted by feature values</a:t>
+            </a:r>
+            <a:endParaRPr lang="x-none" altLang="zh-CN"/>
+          </a:p>
+          <a:p>
+            <a:r>
+              <a:rPr lang="x-none" altLang="zh-CN"/>
+              <a:t>Set the block number/size to</a:t>
+            </a:r>
+            <a:endParaRPr lang="x-none" altLang="zh-CN"/>
+          </a:p>
+          <a:p>
+            <a:pPr lvl="1"/>
+            <a:r>
+              <a:rPr lang="x-none" altLang="zh-CN" sz="2400"/>
+              <a:t>fit all active &lt;g,h&gt;,nodeIDVec blocks in LLC</a:t>
+            </a:r>
+            <a:endParaRPr lang="x-none" altLang="zh-CN" sz="2400"/>
+          </a:p>
+          <a:p>
+            <a:pPr lvl="1"/>
+            <a:r>
+              <a:rPr lang="x-none" altLang="zh-CN" sz="2400"/>
+              <a:t>fit all active GHSum blocks in L2</a:t>
+            </a:r>
+            <a:endParaRPr lang="x-none" altLang="zh-CN" sz="2400"/>
+          </a:p>
+          <a:p>
+            <a:pPr lvl="1"/>
+            <a:r>
+              <a:rPr lang="x-none" altLang="zh-CN" sz="2400"/>
+              <a:t>loop order can be optimized</a:t>
+            </a:r>
+            <a:endParaRPr lang="x-none" altLang="zh-CN" sz="2400"/>
+          </a:p>
+          <a:p>
+            <a:pPr lvl="1"/>
+            <a:endParaRPr lang="x-none" altLang="zh-CN"/>
+          </a:p>
+          <a:p>
+            <a:endParaRPr lang="x-none" altLang="zh-CN"/>
+          </a:p>
+        </p:txBody>
+      </p:sp>
+      <p:pic>
+        <p:nvPicPr>
+          <p:cNvPr id="8" name="内容占位符 7"/>
+          <p:cNvPicPr>
+            <a:picLocks noChangeAspect="1"/>
+          </p:cNvPicPr>
+          <p:nvPr>
+            <p:ph sz="half" idx="1"/>
+          </p:nvPr>
+        </p:nvPicPr>
+        <p:blipFill>
+          <a:blip r:embed="rId1"/>
+          <a:stretch>
+            <a:fillRect/>
+          </a:stretch>
+        </p:blipFill>
+        <p:spPr>
+          <a:xfrm>
+            <a:off x="791210" y="1367155"/>
+            <a:ext cx="5181600" cy="2686685"/>
+          </a:xfrm>
+          <a:prstGeom prst="rect">
+            <a:avLst/>
+          </a:prstGeom>
+        </p:spPr>
+      </p:pic>
+      <p:sp>
+        <p:nvSpPr>
+          <p:cNvPr id="9" name="文本框 8"/>
+          <p:cNvSpPr txBox="1"/>
+          <p:nvPr/>
+        </p:nvSpPr>
+        <p:spPr>
+          <a:xfrm>
+            <a:off x="1193800" y="4500880"/>
+            <a:ext cx="4183380" cy="1463040"/>
+          </a:xfrm>
+          <a:prstGeom prst="rect">
+            <a:avLst/>
+          </a:prstGeom>
+          <a:noFill/>
+        </p:spPr>
+        <p:txBody>
+          <a:bodyPr wrap="none" rtlCol="0">
+            <a:spAutoFit/>
+          </a:bodyPr>
+          <a:p>
+            <a:pPr algn="l"/>
+            <a:r>
+              <a:rPr lang="x-none" altLang="zh-CN"/>
+              <a:t>for j in column_block:</a:t>
+            </a:r>
+            <a:endParaRPr lang="x-none" altLang="zh-CN"/>
+          </a:p>
+          <a:p>
+            <a:pPr algn="l"/>
+            <a:r>
+              <a:rPr lang="x-none" altLang="zh-CN"/>
+              <a:t>  for each </a:t>
+            </a:r>
+            <a:r>
+              <a:rPr lang="x-none" altLang="zh-CN">
+                <a:sym typeface="+mn-ea"/>
+              </a:rPr>
+              <a:t>x</a:t>
+            </a:r>
+            <a:r>
+              <a:rPr lang="x-none" altLang="zh-CN" baseline="-25000">
+                <a:sym typeface="+mn-ea"/>
+              </a:rPr>
+              <a:t>i,j</a:t>
+            </a:r>
+            <a:r>
+              <a:rPr lang="x-none" altLang="zh-CN"/>
+              <a:t> in the column X</a:t>
+            </a:r>
+            <a:r>
+              <a:rPr lang="x-none" altLang="zh-CN" baseline="-25000"/>
+              <a:t>,j</a:t>
+            </a:r>
+            <a:r>
+              <a:rPr lang="x-none" altLang="zh-CN"/>
+              <a:t>:</a:t>
+            </a:r>
+            <a:endParaRPr lang="x-none" altLang="zh-CN"/>
+          </a:p>
+          <a:p>
+            <a:pPr algn="l"/>
+            <a:r>
+              <a:rPr lang="x-none" altLang="zh-CN"/>
+              <a:t>    nodeid = nodeIDVec[i]</a:t>
+            </a:r>
+            <a:endParaRPr lang="x-none" altLang="zh-CN"/>
+          </a:p>
+          <a:p>
+            <a:pPr algn="l"/>
+            <a:r>
+              <a:rPr lang="x-none" altLang="zh-CN"/>
+              <a:t>    bindid = Bins[j][</a:t>
+            </a:r>
+            <a:r>
+              <a:rPr lang="x-none" altLang="zh-CN">
+                <a:sym typeface="+mn-ea"/>
+              </a:rPr>
+              <a:t>x</a:t>
+            </a:r>
+            <a:r>
+              <a:rPr lang="x-none" altLang="zh-CN" baseline="-25000">
+                <a:sym typeface="+mn-ea"/>
+              </a:rPr>
+              <a:t>i,j</a:t>
+            </a:r>
+            <a:r>
+              <a:rPr lang="x-none" altLang="zh-CN">
+                <a:sym typeface="+mn-ea"/>
+              </a:rPr>
+              <a:t>]</a:t>
+            </a:r>
+            <a:endParaRPr lang="x-none" altLang="zh-CN">
+              <a:sym typeface="+mn-ea"/>
+            </a:endParaRPr>
+          </a:p>
+          <a:p>
+            <a:pPr algn="l"/>
+            <a:r>
+              <a:rPr lang="x-none" altLang="zh-CN"/>
+              <a:t>    GHSum[nodeid][j][binid] += g[i]</a:t>
+            </a:r>
+            <a:endParaRPr lang="x-none" altLang="zh-CN"/>
+          </a:p>
+        </p:txBody>
+      </p:sp>
+    </p:spTree>
+  </p:cSld>
+  <p:clrMapOvr>
+    <a:masterClrMapping/>
+  </p:clrMapOvr>
+</p:sld>
+</file>
+
+<file path=ppt/slides/slide23.xml><?xml version="1.0" encoding="utf-8"?>
+<p:sld xmlns:a="http://schemas.openxmlformats.org/drawingml/2006/main" xmlns:r="http://schemas.openxmlformats.org/officeDocument/2006/relationships" xmlns:p="http://schemas.openxmlformats.org/presentationml/2006/main">
+  <p:cSld>
+    <p:spTree>
+      <p:nvGrpSpPr>
+        <p:cNvPr id="1" name=""/>
+        <p:cNvGrpSpPr/>
+        <p:nvPr/>
+      </p:nvGrpSpPr>
+      <p:grpSpPr/>
+      <p:sp>
+        <p:nvSpPr>
           <p:cNvPr id="2" name="标题 1"/>
           <p:cNvSpPr>
             <a:spLocks noGrp="1"/>
@@ -4873,7 +5833,7 @@
 </p:sld>
 </file>
 
-<file path=ppt/slides/slide21.xml><?xml version="1.0" encoding="utf-8"?>
+<file path=ppt/slides/slide24.xml><?xml version="1.0" encoding="utf-8"?>
 <p:sld xmlns:a="http://schemas.openxmlformats.org/drawingml/2006/main" xmlns:r="http://schemas.openxmlformats.org/officeDocument/2006/relationships" xmlns:p="http://schemas.openxmlformats.org/presentationml/2006/main">
   <p:cSld>
     <p:spTree>
@@ -5003,7 +5963,7 @@
 </p:sld>
 </file>
 
-<file path=ppt/slides/slide22.xml><?xml version="1.0" encoding="utf-8"?>
+<file path=ppt/slides/slide25.xml><?xml version="1.0" encoding="utf-8"?>
 <p:sld xmlns:a="http://schemas.openxmlformats.org/drawingml/2006/main" xmlns:r="http://schemas.openxmlformats.org/officeDocument/2006/relationships" xmlns:p="http://schemas.openxmlformats.org/presentationml/2006/main">
   <p:cSld>
     <p:spTree>
@@ -5146,7 +6106,7 @@
 </p:sld>
 </file>
 
-<file path=ppt/slides/slide23.xml><?xml version="1.0" encoding="utf-8"?>
+<file path=ppt/slides/slide26.xml><?xml version="1.0" encoding="utf-8"?>
 <p:sld xmlns:a="http://schemas.openxmlformats.org/drawingml/2006/main" xmlns:r="http://schemas.openxmlformats.org/officeDocument/2006/relationships" xmlns:p="http://schemas.openxmlformats.org/presentationml/2006/main">
   <p:cSld>
     <p:spTree>
@@ -5278,7 +6238,7 @@
 </p:sld>
 </file>
 
-<file path=ppt/slides/slide24.xml><?xml version="1.0" encoding="utf-8"?>
+<file path=ppt/slides/slide27.xml><?xml version="1.0" encoding="utf-8"?>
 <p:sld xmlns:a="http://schemas.openxmlformats.org/drawingml/2006/main" xmlns:r="http://schemas.openxmlformats.org/officeDocument/2006/relationships" xmlns:p="http://schemas.openxmlformats.org/presentationml/2006/main">
   <p:cSld>
     <p:spTree>
@@ -5395,7 +6355,7 @@
 </p:sld>
 </file>
 
-<file path=ppt/slides/slide25.xml><?xml version="1.0" encoding="utf-8"?>
+<file path=ppt/slides/slide28.xml><?xml version="1.0" encoding="utf-8"?>
 <p:sld xmlns:a="http://schemas.openxmlformats.org/drawingml/2006/main" xmlns:r="http://schemas.openxmlformats.org/officeDocument/2006/relationships" xmlns:p="http://schemas.openxmlformats.org/presentationml/2006/main">
   <p:cSld>
     <p:spTree>
@@ -10583,4 +11543,265 @@
     </a:ext>
   </a:extLst>
 </a:theme>
+</file>
+
+<file path=ppt/theme/theme2.xml><?xml version="1.0" encoding="utf-8"?>
+<a:theme xmlns:a="http://schemas.openxmlformats.org/drawingml/2006/main" name="Office 主题">
+  <a:themeElements>
+    <a:clrScheme name="Office">
+      <a:dk1>
+        <a:sysClr val="windowText" lastClr="000000"/>
+      </a:dk1>
+      <a:lt1>
+        <a:sysClr val="window" lastClr="FFFFFF"/>
+      </a:lt1>
+      <a:dk2>
+        <a:srgbClr val="44546A"/>
+      </a:dk2>
+      <a:lt2>
+        <a:srgbClr val="E7E6E6"/>
+      </a:lt2>
+      <a:accent1>
+        <a:srgbClr val="5B9BD5"/>
+      </a:accent1>
+      <a:accent2>
+        <a:srgbClr val="ED7D31"/>
+      </a:accent2>
+      <a:accent3>
+        <a:srgbClr val="A5A5A5"/>
+      </a:accent3>
+      <a:accent4>
+        <a:srgbClr val="FFC000"/>
+      </a:accent4>
+      <a:accent5>
+        <a:srgbClr val="4472C4"/>
+      </a:accent5>
+      <a:accent6>
+        <a:srgbClr val="70AD47"/>
+      </a:accent6>
+      <a:hlink>
+        <a:srgbClr val="0563C1"/>
+      </a:hlink>
+      <a:folHlink>
+        <a:srgbClr val="954F72"/>
+      </a:folHlink>
+    </a:clrScheme>
+    <a:fontScheme name="Office">
+      <a:majorFont>
+        <a:latin typeface="Calibri Light"/>
+        <a:ea typeface=""/>
+        <a:cs typeface=""/>
+        <a:font script="Jpan" typeface="ＭＳ Ｐゴシック"/>
+        <a:font script="Hang" typeface="맑은 고딕"/>
+        <a:font script="Hans" typeface="宋体"/>
+        <a:font script="Hant" typeface="新細明體"/>
+        <a:font script="Arab" typeface="Times New Roman"/>
+        <a:font script="Hebr" typeface="Times New Roman"/>
+        <a:font script="Thai" typeface="Angsana New"/>
+        <a:font script="Ethi" typeface="Nyala"/>
+        <a:font script="Beng" typeface="Vrinda"/>
+        <a:font script="Gujr" typeface="Shruti"/>
+        <a:font script="Khmr" typeface="MoolBoran"/>
+        <a:font script="Knda" typeface="Tunga"/>
+        <a:font script="Guru" typeface="Raavi"/>
+        <a:font script="Cans" typeface="Euphemia"/>
+        <a:font script="Cher" typeface="Plantagenet Cherokee"/>
+        <a:font script="Yiii" typeface="Microsoft Yi Baiti"/>
+        <a:font script="Tibt" typeface="Microsoft Himalaya"/>
+        <a:font script="Thaa" typeface="MV Boli"/>
+        <a:font script="Deva" typeface="Mangal"/>
+        <a:font script="Telu" typeface="Gautami"/>
+        <a:font script="Taml" typeface="Latha"/>
+        <a:font script="Syrc" typeface="Estrangelo Edessa"/>
+        <a:font script="Orya" typeface="Kalinga"/>
+        <a:font script="Mlym" typeface="Kartika"/>
+        <a:font script="Laoo" typeface="DokChampa"/>
+        <a:font script="Sinh" typeface="Iskoola Pota"/>
+        <a:font script="Mong" typeface="Mongolian Baiti"/>
+        <a:font script="Viet" typeface="Times New Roman"/>
+        <a:font script="Uigh" typeface="Microsoft Uighur"/>
+        <a:font script="Geor" typeface="Sylfaen"/>
+      </a:majorFont>
+      <a:minorFont>
+        <a:latin typeface="Calibri"/>
+        <a:ea typeface=""/>
+        <a:cs typeface=""/>
+        <a:font script="Jpan" typeface="ＭＳ Ｐゴシック"/>
+        <a:font script="Hang" typeface="맑은 고딕"/>
+        <a:font script="Hans" typeface="宋体"/>
+        <a:font script="Hant" typeface="新細明體"/>
+        <a:font script="Arab" typeface="Arial"/>
+        <a:font script="Hebr" typeface="Arial"/>
+        <a:font script="Thai" typeface="Cordia New"/>
+        <a:font script="Ethi" typeface="Nyala"/>
+        <a:font script="Beng" typeface="Vrinda"/>
+        <a:font script="Gujr" typeface="Shruti"/>
+        <a:font script="Khmr" typeface="DaunPenh"/>
+        <a:font script="Knda" typeface="Tunga"/>
+        <a:font script="Guru" typeface="Raavi"/>
+        <a:font script="Cans" typeface="Euphemia"/>
+        <a:font script="Cher" typeface="Plantagenet Cherokee"/>
+        <a:font script="Yiii" typeface="Microsoft Yi Baiti"/>
+        <a:font script="Tibt" typeface="Microsoft Himalaya"/>
+        <a:font script="Thaa" typeface="MV Boli"/>
+        <a:font script="Deva" typeface="Mangal"/>
+        <a:font script="Telu" typeface="Gautami"/>
+        <a:font script="Taml" typeface="Latha"/>
+        <a:font script="Syrc" typeface="Estrangelo Edessa"/>
+        <a:font script="Orya" typeface="Kalinga"/>
+        <a:font script="Mlym" typeface="Kartika"/>
+        <a:font script="Laoo" typeface="DokChampa"/>
+        <a:font script="Sinh" typeface="Iskoola Pota"/>
+        <a:font script="Mong" typeface="Mongolian Baiti"/>
+        <a:font script="Viet" typeface="Arial"/>
+        <a:font script="Uigh" typeface="Microsoft Uighur"/>
+        <a:font script="Geor" typeface="Sylfaen"/>
+      </a:minorFont>
+    </a:fontScheme>
+    <a:fmtScheme name="Office">
+      <a:fillStyleLst>
+        <a:solidFill>
+          <a:schemeClr val="phClr"/>
+        </a:solidFill>
+        <a:gradFill rotWithShape="1">
+          <a:gsLst>
+            <a:gs pos="0">
+              <a:schemeClr val="phClr">
+                <a:lumMod val="110000"/>
+                <a:satMod val="105000"/>
+                <a:tint val="67000"/>
+              </a:schemeClr>
+            </a:gs>
+            <a:gs pos="50000">
+              <a:schemeClr val="phClr">
+                <a:lumMod val="105000"/>
+                <a:satMod val="103000"/>
+                <a:tint val="73000"/>
+              </a:schemeClr>
+            </a:gs>
+            <a:gs pos="100000">
+              <a:schemeClr val="phClr">
+                <a:lumMod val="105000"/>
+                <a:satMod val="109000"/>
+                <a:tint val="81000"/>
+              </a:schemeClr>
+            </a:gs>
+          </a:gsLst>
+          <a:lin ang="5400000" scaled="0"/>
+        </a:gradFill>
+        <a:gradFill rotWithShape="1">
+          <a:gsLst>
+            <a:gs pos="0">
+              <a:schemeClr val="phClr">
+                <a:satMod val="103000"/>
+                <a:lumMod val="102000"/>
+                <a:tint val="94000"/>
+              </a:schemeClr>
+            </a:gs>
+            <a:gs pos="50000">
+              <a:schemeClr val="phClr">
+                <a:satMod val="110000"/>
+                <a:lumMod val="100000"/>
+                <a:shade val="100000"/>
+              </a:schemeClr>
+            </a:gs>
+            <a:gs pos="100000">
+              <a:schemeClr val="phClr">
+                <a:lumMod val="99000"/>
+                <a:satMod val="120000"/>
+                <a:shade val="78000"/>
+              </a:schemeClr>
+            </a:gs>
+          </a:gsLst>
+          <a:lin ang="5400000" scaled="0"/>
+        </a:gradFill>
+      </a:fillStyleLst>
+      <a:lnStyleLst>
+        <a:ln w="6350" cap="flat" cmpd="sng" algn="ctr">
+          <a:solidFill>
+            <a:schemeClr val="phClr"/>
+          </a:solidFill>
+          <a:prstDash val="solid"/>
+          <a:miter lim="800000"/>
+        </a:ln>
+        <a:ln w="12700" cap="flat" cmpd="sng" algn="ctr">
+          <a:solidFill>
+            <a:schemeClr val="phClr"/>
+          </a:solidFill>
+          <a:prstDash val="solid"/>
+          <a:miter lim="800000"/>
+        </a:ln>
+        <a:ln w="19050" cap="flat" cmpd="sng" algn="ctr">
+          <a:solidFill>
+            <a:schemeClr val="phClr"/>
+          </a:solidFill>
+          <a:prstDash val="solid"/>
+          <a:miter lim="800000"/>
+        </a:ln>
+      </a:lnStyleLst>
+      <a:effectStyleLst>
+        <a:effectStyle>
+          <a:effectLst/>
+        </a:effectStyle>
+        <a:effectStyle>
+          <a:effectLst/>
+        </a:effectStyle>
+        <a:effectStyle>
+          <a:effectLst>
+            <a:outerShdw blurRad="57150" dist="19050" dir="5400000" algn="ctr" rotWithShape="0">
+              <a:srgbClr val="000000">
+                <a:alpha val="63000"/>
+              </a:srgbClr>
+            </a:outerShdw>
+          </a:effectLst>
+        </a:effectStyle>
+      </a:effectStyleLst>
+      <a:bgFillStyleLst>
+        <a:solidFill>
+          <a:schemeClr val="phClr"/>
+        </a:solidFill>
+        <a:solidFill>
+          <a:schemeClr val="phClr">
+            <a:tint val="95000"/>
+            <a:satMod val="170000"/>
+          </a:schemeClr>
+        </a:solidFill>
+        <a:gradFill rotWithShape="1">
+          <a:gsLst>
+            <a:gs pos="0">
+              <a:schemeClr val="phClr">
+                <a:tint val="93000"/>
+                <a:satMod val="150000"/>
+                <a:shade val="98000"/>
+                <a:lumMod val="102000"/>
+              </a:schemeClr>
+            </a:gs>
+            <a:gs pos="50000">
+              <a:schemeClr val="phClr">
+                <a:tint val="98000"/>
+                <a:satMod val="130000"/>
+                <a:shade val="90000"/>
+                <a:lumMod val="103000"/>
+              </a:schemeClr>
+            </a:gs>
+            <a:gs pos="100000">
+              <a:schemeClr val="phClr">
+                <a:shade val="63000"/>
+                <a:satMod val="120000"/>
+              </a:schemeClr>
+            </a:gs>
+          </a:gsLst>
+          <a:lin ang="5400000" scaled="0"/>
+        </a:gradFill>
+      </a:bgFillStyleLst>
+    </a:fmtScheme>
+  </a:themeElements>
+  <a:objectDefaults/>
+  <a:extraClrSchemeLst/>
+  <a:extLst>
+    <a:ext uri="{05A4C25C-085E-4340-85A3-A5531E510DB2}">
+      <thm15:themeFamily xmlns:thm15="http://schemas.microsoft.com/office/thememl/2012/main" name="Office Theme" id="{62F939B6-93AF-4DB8-9C6B-D6C7DFDC589F}" vid="{4A3C46E8-61CC-4603-A589-7422A47A8E4A}"/>
+    </a:ext>
+  </a:extLst>
+</a:theme>
 </file>
--- a/doc/meeting/0919-DistributedGBT-II/DistributedGBT-II-09192018.pptx
+++ b/doc/meeting/0919-DistributedGBT-II/DistributedGBT-II-09192018.pptx
@@ -5,7 +5,7 @@
     <p:sldMasterId id="2147483648" r:id="rId1"/>
   </p:sldMasterIdLst>
   <p:notesMasterIdLst>
-    <p:notesMasterId r:id="rId20"/>
+    <p:notesMasterId r:id="rId11"/>
   </p:notesMasterIdLst>
   <p:sldIdLst>
     <p:sldId id="256" r:id="rId3"/>
@@ -16,21 +16,21 @@
     <p:sldId id="274" r:id="rId8"/>
     <p:sldId id="272" r:id="rId9"/>
     <p:sldId id="275" r:id="rId10"/>
-    <p:sldId id="276" r:id="rId11"/>
-    <p:sldId id="277" r:id="rId12"/>
-    <p:sldId id="280" r:id="rId13"/>
-    <p:sldId id="284" r:id="rId14"/>
+    <p:sldId id="276" r:id="rId12"/>
+    <p:sldId id="277" r:id="rId13"/>
+    <p:sldId id="280" r:id="rId14"/>
     <p:sldId id="281" r:id="rId15"/>
-    <p:sldId id="282" r:id="rId16"/>
-    <p:sldId id="283" r:id="rId17"/>
-    <p:sldId id="273" r:id="rId18"/>
-    <p:sldId id="258" r:id="rId19"/>
+    <p:sldId id="284" r:id="rId16"/>
+    <p:sldId id="282" r:id="rId17"/>
+    <p:sldId id="283" r:id="rId18"/>
+    <p:sldId id="273" r:id="rId19"/>
+    <p:sldId id="258" r:id="rId20"/>
     <p:sldId id="298" r:id="rId21"/>
     <p:sldId id="259" r:id="rId22"/>
     <p:sldId id="257" r:id="rId23"/>
     <p:sldId id="301" r:id="rId24"/>
     <p:sldId id="300" r:id="rId25"/>
-    <p:sldId id="285" r:id="rId26"/>
+    <p:sldId id="310" r:id="rId26"/>
     <p:sldId id="261" r:id="rId27"/>
     <p:sldId id="263" r:id="rId28"/>
     <p:sldId id="262" r:id="rId29"/>
@@ -496,6 +496,227 @@
       <p:grpSpPr/>
       <p:sp>
         <p:nvSpPr>
+          <p:cNvPr id="2" name="Slide Image Placeholder 1"/>
+          <p:cNvSpPr/>
+          <p:nvPr>
+            <p:ph type="sldImg" idx="2"/>
+          </p:nvPr>
+        </p:nvSpPr>
+        <p:spPr/>
+      </p:sp>
+      <p:sp>
+        <p:nvSpPr>
+          <p:cNvPr id="3" name="Text Placeholder 2"/>
+          <p:cNvSpPr/>
+          <p:nvPr>
+            <p:ph type="body" idx="3"/>
+          </p:nvPr>
+        </p:nvSpPr>
+        <p:spPr/>
+        <p:txBody>
+          <a:bodyPr/>
+          <a:p>
+            <a:r>
+              <a:rPr lang="x-none" altLang="en-US"/>
+              <a:t>*global bins need more candidates</a:t>
+            </a:r>
+            <a:endParaRPr lang="x-none" altLang="en-US"/>
+          </a:p>
+        </p:txBody>
+      </p:sp>
+      <p:sp>
+        <p:nvSpPr>
+          <p:cNvPr id="4" name="Slide Number Placeholder 3"/>
+          <p:cNvSpPr>
+            <a:spLocks noGrp="1"/>
+          </p:cNvSpPr>
+          <p:nvPr>
+            <p:ph type="sldNum" sz="quarter" idx="5"/>
+          </p:nvPr>
+        </p:nvSpPr>
+        <p:spPr/>
+        <p:txBody>
+          <a:bodyPr/>
+          <a:p>
+            <a:fld id="{A6837353-30EB-4A48-80EB-173D804AEFBD}" type="slidenum">
+              <a:rPr lang="zh-CN" altLang="en-US" smtClean="0"/>
+            </a:fld>
+            <a:endParaRPr lang="zh-CN" altLang="en-US"/>
+          </a:p>
+        </p:txBody>
+      </p:sp>
+    </p:spTree>
+  </p:cSld>
+  <p:clrMapOvr>
+    <a:masterClrMapping/>
+  </p:clrMapOvr>
+</p:notes>
+</file>
+
+<file path=ppt/notesSlides/notesSlide2.xml><?xml version="1.0" encoding="utf-8"?>
+<p:notes xmlns:a="http://schemas.openxmlformats.org/drawingml/2006/main" xmlns:r="http://schemas.openxmlformats.org/officeDocument/2006/relationships" xmlns:p="http://schemas.openxmlformats.org/presentationml/2006/main">
+  <p:cSld>
+    <p:spTree>
+      <p:nvGrpSpPr>
+        <p:cNvPr id="1" name=""/>
+        <p:cNvGrpSpPr/>
+        <p:nvPr/>
+      </p:nvGrpSpPr>
+      <p:grpSpPr/>
+      <p:sp>
+        <p:nvSpPr>
+          <p:cNvPr id="2" name="Slide Image Placeholder 1"/>
+          <p:cNvSpPr/>
+          <p:nvPr>
+            <p:ph type="sldImg" idx="2"/>
+          </p:nvPr>
+        </p:nvSpPr>
+        <p:spPr/>
+      </p:sp>
+      <p:sp>
+        <p:nvSpPr>
+          <p:cNvPr id="3" name="Text Placeholder 2"/>
+          <p:cNvSpPr/>
+          <p:nvPr>
+            <p:ph type="body" idx="3"/>
+          </p:nvPr>
+        </p:nvSpPr>
+        <p:spPr/>
+        <p:txBody>
+          <a:bodyPr/>
+          <a:p>
+            <a:r>
+              <a:rPr lang="x-none" altLang="en-US"/>
+              <a:t>* </a:t>
+            </a:r>
+            <a:r>
+              <a:rPr lang="en-US"/>
+              <a:t>We first partition a vector to several ranges based on</a:t>
+            </a:r>
+            <a:endParaRPr lang="en-US"/>
+          </a:p>
+          <a:p>
+            <a:r>
+              <a:rPr lang="en-US"/>
+              <a:t>feature indexes, then use hash partition to put each partition onto</a:t>
+            </a:r>
+            <a:endParaRPr lang="en-US"/>
+          </a:p>
+          <a:p>
+            <a:r>
+              <a:rPr lang="en-US"/>
+              <a:t>one node. </a:t>
+            </a:r>
+            <a:endParaRPr lang="en-US"/>
+          </a:p>
+        </p:txBody>
+      </p:sp>
+      <p:sp>
+        <p:nvSpPr>
+          <p:cNvPr id="4" name="Slide Number Placeholder 3"/>
+          <p:cNvSpPr>
+            <a:spLocks noGrp="1"/>
+          </p:cNvSpPr>
+          <p:nvPr>
+            <p:ph type="sldNum" sz="quarter" idx="5"/>
+          </p:nvPr>
+        </p:nvSpPr>
+        <p:spPr/>
+        <p:txBody>
+          <a:bodyPr/>
+          <a:p>
+            <a:fld id="{A6837353-30EB-4A48-80EB-173D804AEFBD}" type="slidenum">
+              <a:rPr lang="zh-CN" altLang="en-US" smtClean="0"/>
+            </a:fld>
+            <a:endParaRPr lang="zh-CN" altLang="en-US"/>
+          </a:p>
+        </p:txBody>
+      </p:sp>
+    </p:spTree>
+  </p:cSld>
+  <p:clrMapOvr>
+    <a:masterClrMapping/>
+  </p:clrMapOvr>
+</p:notes>
+</file>
+
+<file path=ppt/notesSlides/notesSlide3.xml><?xml version="1.0" encoding="utf-8"?>
+<p:notes xmlns:a="http://schemas.openxmlformats.org/drawingml/2006/main" xmlns:r="http://schemas.openxmlformats.org/officeDocument/2006/relationships" xmlns:p="http://schemas.openxmlformats.org/presentationml/2006/main">
+  <p:cSld>
+    <p:spTree>
+      <p:nvGrpSpPr>
+        <p:cNvPr id="1" name=""/>
+        <p:cNvGrpSpPr/>
+        <p:nvPr/>
+      </p:nvGrpSpPr>
+      <p:grpSpPr/>
+      <p:sp>
+        <p:nvSpPr>
+          <p:cNvPr id="2" name="Slide Image Placeholder 1"/>
+          <p:cNvSpPr/>
+          <p:nvPr>
+            <p:ph type="sldImg" idx="2"/>
+          </p:nvPr>
+        </p:nvSpPr>
+        <p:spPr/>
+      </p:sp>
+      <p:sp>
+        <p:nvSpPr>
+          <p:cNvPr id="3" name="Text Placeholder 2"/>
+          <p:cNvSpPr/>
+          <p:nvPr>
+            <p:ph type="body" idx="3"/>
+          </p:nvPr>
+        </p:nvSpPr>
+        <p:spPr/>
+        <p:txBody>
+          <a:bodyPr/>
+          <a:p>
+            <a:endParaRPr lang="en-US"/>
+          </a:p>
+        </p:txBody>
+      </p:sp>
+      <p:sp>
+        <p:nvSpPr>
+          <p:cNvPr id="4" name="Slide Number Placeholder 3"/>
+          <p:cNvSpPr>
+            <a:spLocks noGrp="1"/>
+          </p:cNvSpPr>
+          <p:nvPr>
+            <p:ph type="sldNum" sz="quarter" idx="5"/>
+          </p:nvPr>
+        </p:nvSpPr>
+        <p:spPr/>
+        <p:txBody>
+          <a:bodyPr/>
+          <a:p>
+            <a:fld id="{A6837353-30EB-4A48-80EB-173D804AEFBD}" type="slidenum">
+              <a:rPr lang="zh-CN" altLang="en-US" smtClean="0"/>
+            </a:fld>
+            <a:endParaRPr lang="zh-CN" altLang="en-US"/>
+          </a:p>
+        </p:txBody>
+      </p:sp>
+    </p:spTree>
+  </p:cSld>
+  <p:clrMapOvr>
+    <a:masterClrMapping/>
+  </p:clrMapOvr>
+</p:notes>
+</file>
+
+<file path=ppt/notesSlides/notesSlide4.xml><?xml version="1.0" encoding="utf-8"?>
+<p:notes xmlns:a="http://schemas.openxmlformats.org/drawingml/2006/main" xmlns:r="http://schemas.openxmlformats.org/officeDocument/2006/relationships" xmlns:p="http://schemas.openxmlformats.org/presentationml/2006/main">
+  <p:cSld>
+    <p:spTree>
+      <p:nvGrpSpPr>
+        <p:cNvPr id="1" name=""/>
+        <p:cNvGrpSpPr/>
+        <p:nvPr/>
+      </p:nvGrpSpPr>
+      <p:grpSpPr/>
+      <p:sp>
+        <p:nvSpPr>
           <p:cNvPr id="2" name="幻灯片图像占位符 1"/>
           <p:cNvSpPr/>
           <p:nvPr>
@@ -516,24 +737,100 @@
         <p:txBody>
           <a:bodyPr/>
           <a:p>
-            <a:r>
-              <a:rPr lang="zh-CN" altLang="en-US"/>
+            <a:endParaRPr lang="zh-CN" altLang="en-US"/>
+          </a:p>
+        </p:txBody>
+      </p:sp>
+      <p:sp>
+        <p:nvSpPr>
+          <p:cNvPr id="4" name="灯片编号占位符 3"/>
+          <p:cNvSpPr>
+            <a:spLocks noGrp="1"/>
+          </p:cNvSpPr>
+          <p:nvPr>
+            <p:ph type="sldNum" sz="quarter" idx="5"/>
+          </p:nvPr>
+        </p:nvSpPr>
+        <p:spPr/>
+        <p:txBody>
+          <a:bodyPr/>
+          <a:p>
+            <a:fld id="{A6837353-30EB-4A48-80EB-173D804AEFBD}" type="slidenum">
+              <a:rPr lang="zh-CN" altLang="en-US" smtClean="0"/>
+            </a:fld>
+            <a:endParaRPr lang="zh-CN" altLang="en-US"/>
+          </a:p>
+        </p:txBody>
+      </p:sp>
+    </p:spTree>
+  </p:cSld>
+  <p:clrMapOvr>
+    <a:masterClrMapping/>
+  </p:clrMapOvr>
+</p:notes>
+</file>
+
+<file path=ppt/notesSlides/notesSlide5.xml><?xml version="1.0" encoding="utf-8"?>
+<p:notes xmlns:a="http://schemas.openxmlformats.org/drawingml/2006/main" xmlns:r="http://schemas.openxmlformats.org/officeDocument/2006/relationships" xmlns:p="http://schemas.openxmlformats.org/presentationml/2006/main">
+  <p:cSld>
+    <p:spTree>
+      <p:nvGrpSpPr>
+        <p:cNvPr id="1" name=""/>
+        <p:cNvGrpSpPr/>
+        <p:nvPr/>
+      </p:nvGrpSpPr>
+      <p:grpSpPr/>
+      <p:sp>
+        <p:nvSpPr>
+          <p:cNvPr id="2" name="Slide Image Placeholder 1"/>
+          <p:cNvSpPr/>
+          <p:nvPr>
+            <p:ph type="sldImg" idx="2"/>
+          </p:nvPr>
+        </p:nvSpPr>
+        <p:spPr/>
+      </p:sp>
+      <p:sp>
+        <p:nvSpPr>
+          <p:cNvPr id="3" name="Text Placeholder 2"/>
+          <p:cNvSpPr/>
+          <p:nvPr>
+            <p:ph type="body" idx="3"/>
+          </p:nvPr>
+        </p:nvSpPr>
+        <p:spPr/>
+        <p:txBody>
+          <a:bodyPr/>
+          <a:p>
+            <a:r>
+              <a:rPr lang="x-none" altLang="en-US"/>
+              <a:t>*</a:t>
+            </a:r>
+            <a:r>
+              <a:rPr lang="zh-CN" altLang="en-US">
+                <a:sym typeface="+mn-ea"/>
+              </a:rPr>
               <a:t>http://ntur.lib.ntu.edu.tw/retrieve/188513/17.pdf</a:t>
             </a:r>
             <a:endParaRPr lang="zh-CN" altLang="en-US"/>
           </a:p>
           <a:p>
             <a:r>
-              <a:rPr lang="zh-CN" altLang="en-US"/>
+              <a:rPr lang="zh-CN" altLang="en-US">
+                <a:sym typeface="+mn-ea"/>
+              </a:rPr>
               <a:t>[1]H.-F. Yu et al., “Feature engineering and classifier ensemble for KDD cup 2010,” in KDD Cup, 2010.</a:t>
             </a:r>
             <a:endParaRPr lang="zh-CN" altLang="en-US"/>
           </a:p>
-        </p:txBody>
-      </p:sp>
-      <p:sp>
-        <p:nvSpPr>
-          <p:cNvPr id="4" name="灯片编号占位符 3"/>
+          <a:p>
+            <a:endParaRPr lang="x-none" altLang="en-US"/>
+          </a:p>
+        </p:txBody>
+      </p:sp>
+      <p:sp>
+        <p:nvSpPr>
+          <p:cNvPr id="4" name="Slide Number Placeholder 3"/>
           <p:cNvSpPr>
             <a:spLocks noGrp="1"/>
           </p:cNvSpPr>
@@ -584,7 +881,7 @@
             <a:spLocks noGrp="1"/>
           </p:cNvSpPr>
           <p:nvPr>
-            <p:ph type="ctrTitle"/>
+            <p:ph type="ctrTitle" hasCustomPrompt="1"/>
           </p:nvPr>
         </p:nvSpPr>
         <p:spPr>
@@ -616,7 +913,7 @@
             <a:spLocks noGrp="1"/>
           </p:cNvSpPr>
           <p:nvPr>
-            <p:ph type="subTitle" idx="1"/>
+            <p:ph type="subTitle" idx="1" hasCustomPrompt="1"/>
           </p:nvPr>
         </p:nvSpPr>
         <p:spPr>
@@ -769,7 +1066,7 @@
             <a:spLocks noGrp="1"/>
           </p:cNvSpPr>
           <p:nvPr>
-            <p:ph type="title"/>
+            <p:ph type="title" hasCustomPrompt="1"/>
           </p:nvPr>
         </p:nvSpPr>
         <p:spPr/>
@@ -792,7 +1089,7 @@
             <a:spLocks noGrp="1"/>
           </p:cNvSpPr>
           <p:nvPr>
-            <p:ph type="body" orient="vert" idx="1"/>
+            <p:ph type="body" orient="vert" idx="1" hasCustomPrompt="1"/>
           </p:nvPr>
         </p:nvSpPr>
         <p:spPr/>
@@ -936,7 +1233,7 @@
             <a:spLocks noGrp="1"/>
           </p:cNvSpPr>
           <p:nvPr>
-            <p:ph type="title" orient="vert"/>
+            <p:ph type="title" orient="vert" hasCustomPrompt="1"/>
           </p:nvPr>
         </p:nvSpPr>
         <p:spPr>
@@ -964,7 +1261,7 @@
             <a:spLocks noGrp="1"/>
           </p:cNvSpPr>
           <p:nvPr>
-            <p:ph type="body" orient="vert" idx="1"/>
+            <p:ph type="body" orient="vert" idx="1" hasCustomPrompt="1"/>
           </p:nvPr>
         </p:nvSpPr>
         <p:spPr>
@@ -1113,7 +1410,7 @@
             <a:spLocks noGrp="1"/>
           </p:cNvSpPr>
           <p:nvPr>
-            <p:ph type="title"/>
+            <p:ph type="title" hasCustomPrompt="1"/>
           </p:nvPr>
         </p:nvSpPr>
         <p:spPr/>
@@ -1136,7 +1433,7 @@
             <a:spLocks noGrp="1"/>
           </p:cNvSpPr>
           <p:nvPr>
-            <p:ph idx="1"/>
+            <p:ph idx="1" hasCustomPrompt="1"/>
           </p:nvPr>
         </p:nvSpPr>
         <p:spPr/>
@@ -1280,7 +1577,7 @@
             <a:spLocks noGrp="1"/>
           </p:cNvSpPr>
           <p:nvPr>
-            <p:ph type="title"/>
+            <p:ph type="title" hasCustomPrompt="1"/>
           </p:nvPr>
         </p:nvSpPr>
         <p:spPr>
@@ -1312,7 +1609,7 @@
             <a:spLocks noGrp="1"/>
           </p:cNvSpPr>
           <p:nvPr>
-            <p:ph type="body" idx="1"/>
+            <p:ph type="body" idx="1" hasCustomPrompt="1"/>
           </p:nvPr>
         </p:nvSpPr>
         <p:spPr>
@@ -1519,7 +1816,7 @@
             <a:spLocks noGrp="1"/>
           </p:cNvSpPr>
           <p:nvPr>
-            <p:ph type="title"/>
+            <p:ph type="title" hasCustomPrompt="1"/>
           </p:nvPr>
         </p:nvSpPr>
         <p:spPr/>
@@ -1542,7 +1839,7 @@
             <a:spLocks noGrp="1"/>
           </p:cNvSpPr>
           <p:nvPr>
-            <p:ph sz="half" idx="1"/>
+            <p:ph sz="half" idx="1" hasCustomPrompt="1"/>
           </p:nvPr>
         </p:nvSpPr>
         <p:spPr>
@@ -1603,7 +1900,7 @@
             <a:spLocks noGrp="1"/>
           </p:cNvSpPr>
           <p:nvPr>
-            <p:ph sz="half" idx="2"/>
+            <p:ph sz="half" idx="2" hasCustomPrompt="1"/>
           </p:nvPr>
         </p:nvSpPr>
         <p:spPr>
@@ -1752,7 +2049,7 @@
             <a:spLocks noGrp="1"/>
           </p:cNvSpPr>
           <p:nvPr>
-            <p:ph type="title"/>
+            <p:ph type="title" hasCustomPrompt="1"/>
           </p:nvPr>
         </p:nvSpPr>
         <p:spPr>
@@ -1780,7 +2077,7 @@
             <a:spLocks noGrp="1"/>
           </p:cNvSpPr>
           <p:nvPr>
-            <p:ph type="body" idx="1"/>
+            <p:ph type="body" idx="1" hasCustomPrompt="1"/>
           </p:nvPr>
         </p:nvSpPr>
         <p:spPr>
@@ -1845,7 +2142,7 @@
             <a:spLocks noGrp="1"/>
           </p:cNvSpPr>
           <p:nvPr>
-            <p:ph sz="half" idx="2"/>
+            <p:ph sz="half" idx="2" hasCustomPrompt="1"/>
           </p:nvPr>
         </p:nvSpPr>
         <p:spPr>
@@ -1906,7 +2203,7 @@
             <a:spLocks noGrp="1"/>
           </p:cNvSpPr>
           <p:nvPr>
-            <p:ph type="body" sz="quarter" idx="3"/>
+            <p:ph type="body" sz="quarter" idx="3" hasCustomPrompt="1"/>
           </p:nvPr>
         </p:nvSpPr>
         <p:spPr>
@@ -1971,7 +2268,7 @@
             <a:spLocks noGrp="1"/>
           </p:cNvSpPr>
           <p:nvPr>
-            <p:ph sz="quarter" idx="4"/>
+            <p:ph sz="quarter" idx="4" hasCustomPrompt="1"/>
           </p:nvPr>
         </p:nvSpPr>
         <p:spPr>
@@ -2120,7 +2417,7 @@
             <a:spLocks noGrp="1"/>
           </p:cNvSpPr>
           <p:nvPr>
-            <p:ph type="title"/>
+            <p:ph type="title" hasCustomPrompt="1"/>
           </p:nvPr>
         </p:nvSpPr>
         <p:spPr/>
@@ -2319,7 +2616,7 @@
             <a:spLocks noGrp="1"/>
           </p:cNvSpPr>
           <p:nvPr>
-            <p:ph type="title"/>
+            <p:ph type="title" hasCustomPrompt="1"/>
           </p:nvPr>
         </p:nvSpPr>
         <p:spPr>
@@ -2351,7 +2648,7 @@
             <a:spLocks noGrp="1"/>
           </p:cNvSpPr>
           <p:nvPr>
-            <p:ph idx="1"/>
+            <p:ph idx="1" hasCustomPrompt="1"/>
           </p:nvPr>
         </p:nvSpPr>
         <p:spPr>
@@ -2440,7 +2737,7 @@
             <a:spLocks noGrp="1"/>
           </p:cNvSpPr>
           <p:nvPr>
-            <p:ph type="body" sz="half" idx="2"/>
+            <p:ph type="body" sz="half" idx="2" hasCustomPrompt="1"/>
           </p:nvPr>
         </p:nvSpPr>
         <p:spPr>
@@ -2593,7 +2890,7 @@
             <a:spLocks noGrp="1"/>
           </p:cNvSpPr>
           <p:nvPr>
-            <p:ph type="title"/>
+            <p:ph type="title" hasCustomPrompt="1"/>
           </p:nvPr>
         </p:nvSpPr>
         <p:spPr>
@@ -2686,7 +2983,7 @@
             <a:spLocks noGrp="1"/>
           </p:cNvSpPr>
           <p:nvPr>
-            <p:ph type="body" sz="half" idx="2"/>
+            <p:ph type="body" sz="half" idx="2" hasCustomPrompt="1"/>
           </p:nvPr>
         </p:nvSpPr>
         <p:spPr>
@@ -3524,7 +3821,7 @@
             <a:pPr lvl="2"/>
             <a:r>
               <a:rPr lang="x-none" altLang="zh-CN" sz="2000"/>
-              <a:t>collect full-grained histograms of the globally top-2k, and findBestSplit</a:t>
+              <a:t>collect full-grained histograms of the globally top-2k features, and findBestSplit</a:t>
             </a:r>
             <a:endParaRPr lang="x-none" altLang="zh-CN" sz="2000"/>
           </a:p>
@@ -3548,7 +3845,19 @@
             <a:pPr lvl="2"/>
             <a:r>
               <a:rPr lang="x-none" altLang="zh-CN" sz="2000"/>
-              <a:t>exclude a significant proportion of data instances with small gradients in estimate the score</a:t>
+              <a:t>exclude a significant proportion of data instances with </a:t>
+            </a:r>
+            <a:r>
+              <a:rPr lang="x-none" altLang="zh-CN" sz="2000">
+                <a:solidFill>
+                  <a:srgbClr val="FF0000"/>
+                </a:solidFill>
+              </a:rPr>
+              <a:t>small gradients</a:t>
+            </a:r>
+            <a:r>
+              <a:rPr lang="x-none" altLang="zh-CN" sz="2000"/>
+              <a:t> in estimate the score</a:t>
             </a:r>
             <a:endParaRPr lang="x-none" altLang="zh-CN" sz="2000"/>
           </a:p>
@@ -3849,7 +4158,7 @@
       <p:grpSpPr/>
       <p:sp>
         <p:nvSpPr>
-          <p:cNvPr id="5" name="标题 4"/>
+          <p:cNvPr id="6" name="标题 5"/>
           <p:cNvSpPr>
             <a:spLocks noGrp="1"/>
           </p:cNvSpPr>
@@ -3883,8 +4192,8 @@
         </p:blipFill>
         <p:spPr>
           <a:xfrm>
-            <a:off x="838200" y="2309495"/>
-            <a:ext cx="5181600" cy="2652395"/>
+            <a:off x="452120" y="1355090"/>
+            <a:ext cx="4503420" cy="3965575"/>
           </a:xfrm>
           <a:prstGeom prst="rect">
             <a:avLst/>
@@ -3893,7 +4202,7 @@
       </p:pic>
       <p:pic>
         <p:nvPicPr>
-          <p:cNvPr id="7" name="内容占位符 6"/>
+          <p:cNvPr id="5" name="内容占位符 4"/>
           <p:cNvPicPr>
             <a:picLocks noChangeAspect="1"/>
           </p:cNvPicPr>
@@ -3909,8 +4218,8 @@
         </p:blipFill>
         <p:spPr>
           <a:xfrm>
-            <a:off x="6172200" y="1760855"/>
-            <a:ext cx="5181600" cy="3750310"/>
+            <a:off x="5036820" y="1188085"/>
+            <a:ext cx="6511290" cy="4978400"/>
           </a:xfrm>
           <a:prstGeom prst="rect">
             <a:avLst/>
@@ -3937,7 +4246,7 @@
       <p:grpSpPr/>
       <p:sp>
         <p:nvSpPr>
-          <p:cNvPr id="6" name="标题 5"/>
+          <p:cNvPr id="5" name="标题 4"/>
           <p:cNvSpPr>
             <a:spLocks noGrp="1"/>
           </p:cNvSpPr>
@@ -3971,8 +4280,8 @@
         </p:blipFill>
         <p:spPr>
           <a:xfrm>
-            <a:off x="452120" y="1355090"/>
-            <a:ext cx="4503420" cy="3965575"/>
+            <a:off x="838200" y="2309495"/>
+            <a:ext cx="5181600" cy="2652395"/>
           </a:xfrm>
           <a:prstGeom prst="rect">
             <a:avLst/>
@@ -3981,7 +4290,7 @@
       </p:pic>
       <p:pic>
         <p:nvPicPr>
-          <p:cNvPr id="5" name="内容占位符 4"/>
+          <p:cNvPr id="7" name="内容占位符 6"/>
           <p:cNvPicPr>
             <a:picLocks noChangeAspect="1"/>
           </p:cNvPicPr>
@@ -3997,8 +4306,8 @@
         </p:blipFill>
         <p:spPr>
           <a:xfrm>
-            <a:off x="5036820" y="1188085"/>
-            <a:ext cx="6511290" cy="4978400"/>
+            <a:off x="6172200" y="1760855"/>
+            <a:ext cx="5181600" cy="3750310"/>
           </a:xfrm>
           <a:prstGeom prst="rect">
             <a:avLst/>
@@ -4688,12 +4997,12 @@
           <a:bodyPr/>
           <a:p>
             <a:r>
-              <a:rPr lang="x-none" altLang="zh-CN">
+              <a:rPr lang="x-none">
                 <a:sym typeface="+mn-ea"/>
               </a:rPr>
-              <a:t>Assumption</a:t>
-            </a:r>
-            <a:endParaRPr lang="zh-CN" altLang="en-US"/>
+              <a:t>Dataset Statistics</a:t>
+            </a:r>
+            <a:endParaRPr lang="x-none"/>
           </a:p>
         </p:txBody>
       </p:sp>
@@ -5191,6 +5500,30 @@
               <a:rPr lang="x-none" altLang="zh-CN" sz="2400">
                 <a:sym typeface="+mn-ea"/>
               </a:rPr>
+              <a:t>process </a:t>
+            </a:r>
+            <a:r>
+              <a:rPr lang="x-none" altLang="zh-CN" sz="2400">
+                <a:solidFill>
+                  <a:srgbClr val="FF0000"/>
+                </a:solidFill>
+                <a:sym typeface="+mn-ea"/>
+              </a:rPr>
+              <a:t>layer-by-layer</a:t>
+            </a:r>
+            <a:endParaRPr lang="x-none" altLang="zh-CN" sz="2400">
+              <a:solidFill>
+                <a:srgbClr val="FF0000"/>
+              </a:solidFill>
+              <a:sym typeface="+mn-ea"/>
+            </a:endParaRPr>
+          </a:p>
+          <a:p>
+            <a:pPr lvl="1"/>
+            <a:r>
+              <a:rPr lang="x-none" altLang="zh-CN" sz="2400">
+                <a:sym typeface="+mn-ea"/>
+              </a:rPr>
               <a:t>Keep column-wised orgnization</a:t>
             </a:r>
             <a:endParaRPr lang="x-none" altLang="zh-CN" sz="2400">
@@ -5284,7 +5617,7 @@
           <a:p>
             <a:r>
               <a:rPr lang="x-none" altLang="zh-CN"/>
-              <a:t>Sequential Scan on the Instance Set</a:t>
+              <a:t>Instance Set access</a:t>
             </a:r>
             <a:endParaRPr lang="x-none" altLang="zh-CN"/>
           </a:p>
@@ -5302,7 +5635,9 @@
         </p:nvSpPr>
         <p:spPr/>
         <p:txBody>
-          <a:bodyPr/>
+          <a:bodyPr>
+            <a:normAutofit lnSpcReduction="20000"/>
+          </a:bodyPr>
           <a:p>
             <a:r>
               <a:rPr lang="x-none" altLang="zh-CN"/>
@@ -5315,6 +5650,14 @@
             <a:r>
               <a:rPr lang="x-none" altLang="zh-CN"/>
               <a:t>move instance id around after node split</a:t>
+            </a:r>
+            <a:endParaRPr lang="x-none" altLang="zh-CN"/>
+          </a:p>
+          <a:p>
+            <a:pPr lvl="1"/>
+            <a:r>
+              <a:rPr lang="x-none" altLang="zh-CN"/>
+              <a:t>maintain in order to process node-by-node</a:t>
             </a:r>
             <a:endParaRPr lang="x-none" altLang="zh-CN"/>
           </a:p>
@@ -5356,7 +5699,39 @@
             <a:pPr lvl="1"/>
             <a:r>
               <a:rPr lang="x-none" altLang="zh-CN"/>
-              <a:t>sequential access to this vector</a:t>
+              <a:t>support random access by instance id &lt;i&gt;</a:t>
+            </a:r>
+            <a:endParaRPr lang="x-none" altLang="zh-CN"/>
+          </a:p>
+          <a:p>
+            <a:pPr lvl="1"/>
+            <a:r>
+              <a:rPr lang="x-none" altLang="zh-CN"/>
+              <a:t>sequential scan to get &lt;f</a:t>
+            </a:r>
+            <a:r>
+              <a:rPr lang="x-none" altLang="zh-CN" baseline="-25000"/>
+              <a:t>i</a:t>
+            </a:r>
+            <a:r>
+              <a:rPr lang="x-none" altLang="zh-CN"/>
+              <a:t>, g</a:t>
+            </a:r>
+            <a:r>
+              <a:rPr lang="x-none" altLang="zh-CN" baseline="-25000"/>
+              <a:t>i</a:t>
+            </a:r>
+            <a:r>
+              <a:rPr lang="x-none" altLang="zh-CN"/>
+              <a:t>,h</a:t>
+            </a:r>
+            <a:r>
+              <a:rPr lang="x-none" altLang="zh-CN" baseline="-25000"/>
+              <a:t>i</a:t>
+            </a:r>
+            <a:r>
+              <a:rPr lang="x-none" altLang="zh-CN"/>
+              <a:t>&gt; </a:t>
             </a:r>
             <a:endParaRPr lang="x-none" altLang="zh-CN"/>
           </a:p>
@@ -5542,7 +5917,7 @@
         </p:blipFill>
         <p:spPr>
           <a:xfrm>
-            <a:off x="791210" y="1367155"/>
+            <a:off x="791210" y="2058035"/>
             <a:ext cx="5181600" cy="2686685"/>
           </a:xfrm>
           <a:prstGeom prst="rect">
@@ -5558,13 +5933,21 @@
         </p:nvSpPr>
         <p:spPr>
           <a:xfrm>
-            <a:off x="1193800" y="4500880"/>
+            <a:off x="1193800" y="4815840"/>
             <a:ext cx="4183380" cy="1463040"/>
           </a:xfrm>
           <a:prstGeom prst="rect">
             <a:avLst/>
           </a:prstGeom>
           <a:noFill/>
+          <a:ln w="19050" cmpd="sng">
+            <a:solidFill>
+              <a:schemeClr val="accent1">
+                <a:shade val="50000"/>
+              </a:schemeClr>
+            </a:solidFill>
+            <a:prstDash val="solid"/>
+          </a:ln>
         </p:spPr>
         <p:txBody>
           <a:bodyPr wrap="none" rtlCol="0">
@@ -5656,6 +6039,107 @@
           </a:p>
         </p:txBody>
       </p:sp>
+      <p:grpSp>
+        <p:nvGrpSpPr>
+          <p:cNvPr id="7" name="Group 6"/>
+          <p:cNvGrpSpPr/>
+          <p:nvPr/>
+        </p:nvGrpSpPr>
+        <p:grpSpPr>
+          <a:xfrm>
+            <a:off x="1173480" y="1143000"/>
+            <a:ext cx="4271645" cy="772160"/>
+            <a:chOff x="760" y="1800"/>
+            <a:chExt cx="6727" cy="1216"/>
+          </a:xfrm>
+        </p:grpSpPr>
+        <p:pic>
+          <p:nvPicPr>
+            <p:cNvPr id="3" name="Picture 2"/>
+            <p:cNvPicPr>
+              <a:picLocks noChangeAspect="1"/>
+            </p:cNvPicPr>
+            <p:nvPr/>
+          </p:nvPicPr>
+          <p:blipFill>
+            <a:blip r:embed="rId2"/>
+            <a:stretch>
+              <a:fillRect/>
+            </a:stretch>
+          </p:blipFill>
+          <p:spPr>
+            <a:xfrm>
+              <a:off x="2643" y="1832"/>
+              <a:ext cx="4845" cy="659"/>
+            </a:xfrm>
+            <a:prstGeom prst="rect">
+              <a:avLst/>
+            </a:prstGeom>
+          </p:spPr>
+        </p:pic>
+        <p:sp>
+          <p:nvSpPr>
+            <p:cNvPr id="5" name="Text Box 4"/>
+            <p:cNvSpPr txBox="1"/>
+            <p:nvPr/>
+          </p:nvSpPr>
+          <p:spPr>
+            <a:xfrm>
+              <a:off x="1574" y="2440"/>
+              <a:ext cx="2439" cy="576"/>
+            </a:xfrm>
+            <a:prstGeom prst="rect">
+              <a:avLst/>
+            </a:prstGeom>
+            <a:noFill/>
+          </p:spPr>
+          <p:txBody>
+            <a:bodyPr wrap="none" rtlCol="0">
+              <a:spAutoFit/>
+            </a:bodyPr>
+            <a:p>
+              <a:r>
+                <a:rPr lang="x-none" altLang="en-US"/>
+                <a:t>nodeid=1+2</a:t>
+              </a:r>
+              <a:r>
+                <a:rPr lang="x-none" altLang="en-US" baseline="30000"/>
+                <a:t>L-1</a:t>
+              </a:r>
+              <a:endParaRPr lang="x-none" altLang="en-US" baseline="30000"/>
+            </a:p>
+          </p:txBody>
+        </p:sp>
+        <p:sp>
+          <p:nvSpPr>
+            <p:cNvPr id="6" name="Text Box 5"/>
+            <p:cNvSpPr txBox="1"/>
+            <p:nvPr/>
+          </p:nvSpPr>
+          <p:spPr>
+            <a:xfrm>
+              <a:off x="760" y="1800"/>
+              <a:ext cx="1548" cy="576"/>
+            </a:xfrm>
+            <a:prstGeom prst="rect">
+              <a:avLst/>
+            </a:prstGeom>
+            <a:noFill/>
+          </p:spPr>
+          <p:txBody>
+            <a:bodyPr wrap="none" rtlCol="0">
+              <a:spAutoFit/>
+            </a:bodyPr>
+            <a:p>
+              <a:r>
+                <a:rPr lang="x-none" altLang="en-US"/>
+                <a:t>Level L</a:t>
+              </a:r>
+              <a:endParaRPr lang="x-none" altLang="en-US"/>
+            </a:p>
+          </p:txBody>
+        </p:sp>
+      </p:grpSp>
     </p:spTree>
   </p:cSld>
   <p:clrMapOvr>
@@ -5676,7 +6160,7 @@
       <p:grpSpPr/>
       <p:sp>
         <p:nvSpPr>
-          <p:cNvPr id="2" name="标题 1"/>
+          <p:cNvPr id="2" name="Title 1"/>
           <p:cNvSpPr>
             <a:spLocks noGrp="1"/>
           </p:cNvSpPr>
@@ -5686,21 +6170,21 @@
         </p:nvSpPr>
         <p:spPr/>
         <p:txBody>
-          <a:bodyPr>
-            <a:normAutofit fontScale="90000"/>
-          </a:bodyPr>
-          <a:p>
-            <a:r>
-              <a:rPr lang="x-none" altLang="zh-CN"/>
-              <a:t>Data and Model Parallelism by Model Rotation</a:t>
-            </a:r>
-            <a:endParaRPr lang="x-none" altLang="zh-CN"/>
-          </a:p>
-        </p:txBody>
-      </p:sp>
-      <p:sp>
-        <p:nvSpPr>
-          <p:cNvPr id="7" name="内容占位符 6"/>
+          <a:bodyPr/>
+          <a:p>
+            <a:r>
+              <a:rPr lang="x-none" altLang="zh-CN">
+                <a:sym typeface="+mn-ea"/>
+              </a:rPr>
+              <a:t>Unified Computation Model for Parallelism </a:t>
+            </a:r>
+            <a:endParaRPr lang="en-US"/>
+          </a:p>
+        </p:txBody>
+      </p:sp>
+      <p:sp>
+        <p:nvSpPr>
+          <p:cNvPr id="7" name="Content Placeholder 6"/>
           <p:cNvSpPr>
             <a:spLocks noGrp="1"/>
           </p:cNvSpPr>
@@ -5710,9 +6194,7 @@
         </p:nvSpPr>
         <p:spPr/>
         <p:txBody>
-          <a:bodyPr>
-            <a:normAutofit/>
-          </a:bodyPr>
+          <a:bodyPr/>
           <a:p>
             <a:pPr marL="0" lvl="1"/>
             <a:r>
@@ -5728,13 +6210,13 @@
           <a:p>
             <a:pPr marL="457200" lvl="2"/>
             <a:r>
-              <a:rPr lang="x-none" altLang="zh-CN" sz="2330">
+              <a:rPr lang="x-none" altLang="zh-CN" sz="2800">
                 <a:sym typeface="+mn-ea"/>
               </a:rPr>
-              <a:t>use computation model : </a:t>
-            </a:r>
-            <a:r>
-              <a:rPr lang="x-none" altLang="zh-CN" sz="2330">
+              <a:t>unified computation model: </a:t>
+            </a:r>
+            <a:r>
+              <a:rPr lang="x-none" altLang="zh-CN" sz="2800">
                 <a:solidFill>
                   <a:srgbClr val="FF0000"/>
                 </a:solidFill>
@@ -5742,7 +6224,7 @@
               </a:rPr>
               <a:t>model rotation </a:t>
             </a:r>
-            <a:endParaRPr lang="x-none" altLang="zh-CN" sz="2330">
+            <a:endParaRPr lang="x-none" altLang="zh-CN" sz="2800">
               <a:solidFill>
                 <a:srgbClr val="FF0000"/>
               </a:solidFill>
@@ -5764,38 +6246,61 @@
           <a:p>
             <a:pPr marL="457200" lvl="2"/>
             <a:r>
-              <a:rPr lang="x-none" altLang="zh-CN" sz="2330">
+              <a:rPr lang="x-none" altLang="zh-CN" sz="2800">
                 <a:sym typeface="+mn-ea"/>
               </a:rPr>
               <a:t>Data Parallelsim: </a:t>
             </a:r>
-            <a:endParaRPr lang="x-none" altLang="zh-CN" sz="2330">
+            <a:endParaRPr lang="x-none" altLang="zh-CN" sz="2800">
               <a:sym typeface="+mn-ea"/>
             </a:endParaRPr>
           </a:p>
           <a:p>
             <a:pPr marL="457200" lvl="2"/>
             <a:r>
-              <a:rPr lang="x-none" altLang="zh-CN" sz="2330">
+              <a:rPr lang="x-none" altLang="zh-CN" sz="2800">
                 <a:sym typeface="+mn-ea"/>
               </a:rPr>
               <a:t>Model parallelism: GHSum split by feature columns</a:t>
             </a:r>
-            <a:endParaRPr lang="x-none" altLang="zh-CN" sz="2330">
+            <a:endParaRPr lang="x-none" altLang="zh-CN" sz="2800">
               <a:sym typeface="+mn-ea"/>
             </a:endParaRPr>
           </a:p>
           <a:p>
+            <a:r>
+              <a:rPr lang="x-none" altLang="zh-CN" sz="2800">
+                <a:solidFill>
+                  <a:schemeClr val="accent5"/>
+                </a:solidFill>
+                <a:sym typeface="+mn-ea"/>
+              </a:rPr>
+              <a:t>Scheduler </a:t>
+            </a:r>
             <a:r>
               <a:rPr lang="x-none" altLang="zh-CN" sz="2800">
                 <a:sym typeface="+mn-ea"/>
               </a:rPr>
-              <a:t>Scheduler to avoid update conflicts</a:t>
-            </a:r>
-            <a:endParaRPr lang="x-none" altLang="zh-CN" sz="2800"/>
-          </a:p>
-          <a:p>
-            <a:endParaRPr lang="zh-CN" altLang="en-US"/>
+              <a:t>to </a:t>
+            </a:r>
+            <a:r>
+              <a:rPr lang="x-none" altLang="zh-CN" sz="2800">
+                <a:solidFill>
+                  <a:srgbClr val="FF0000"/>
+                </a:solidFill>
+                <a:sym typeface="+mn-ea"/>
+              </a:rPr>
+              <a:t>avoid update conflicts</a:t>
+            </a:r>
+            <a:endParaRPr lang="x-none" altLang="zh-CN" sz="2800">
+              <a:solidFill>
+                <a:srgbClr val="FF0000"/>
+              </a:solidFill>
+              <a:sym typeface="+mn-ea"/>
+            </a:endParaRPr>
+          </a:p>
+          <a:p>
+            <a:endParaRPr lang="en-US"/>
           </a:p>
         </p:txBody>
       </p:sp>
@@ -5861,7 +6366,7 @@
           <a:p>
             <a:r>
               <a:rPr lang="zh-CN" altLang="en-US"/>
-              <a:t>Block Dynamic Scheduling in Shared Memory systems</a:t>
+              <a:t>Dynamic Scheduling in Shared Memory systems</a:t>
             </a:r>
             <a:endParaRPr lang="zh-CN" altLang="en-US"/>
           </a:p>
@@ -5988,10 +6493,10 @@
           <a:bodyPr/>
           <a:p>
             <a:r>
-              <a:rPr lang="x-none" altLang="zh-CN"/>
+              <a:rPr lang="x-none" altLang="zh-CN" sz="4000"/>
               <a:t>Distributed Model Rotation</a:t>
             </a:r>
-            <a:endParaRPr lang="x-none" altLang="zh-CN"/>
+            <a:endParaRPr lang="x-none" altLang="zh-CN" sz="4000"/>
           </a:p>
         </p:txBody>
       </p:sp>
@@ -6066,9 +6571,21 @@
             <a:pPr lvl="1"/>
             <a:r>
               <a:rPr lang="x-none" altLang="zh-CN"/>
-              <a:t>kind of a ring-allreduce</a:t>
-            </a:r>
-            <a:endParaRPr lang="x-none" altLang="zh-CN"/>
+              <a:t>kind of a </a:t>
+            </a:r>
+            <a:r>
+              <a:rPr lang="x-none" altLang="zh-CN">
+                <a:solidFill>
+                  <a:srgbClr val="FF0000"/>
+                </a:solidFill>
+              </a:rPr>
+              <a:t>ring-allreduce</a:t>
+            </a:r>
+            <a:endParaRPr lang="x-none" altLang="zh-CN">
+              <a:solidFill>
+                <a:srgbClr val="FF0000"/>
+              </a:solidFill>
+            </a:endParaRPr>
           </a:p>
         </p:txBody>
       </p:sp>
@@ -6133,12 +6650,10 @@
           </a:bodyPr>
           <a:p>
             <a:r>
-              <a:rPr lang="en-US">
-                <a:sym typeface="+mn-ea"/>
-              </a:rPr>
-              <a:t>Pipelining and Timer Control in Distributed Systems</a:t>
-            </a:r>
-            <a:endParaRPr lang="zh-CN" altLang="en-US"/>
+              <a:rPr lang="x-none"/>
+              <a:t>Reduce Overhead of Collective Communication</a:t>
+            </a:r>
+            <a:endParaRPr lang="x-none"/>
           </a:p>
         </p:txBody>
       </p:sp>
@@ -6155,18 +6670,31 @@
         <p:spPr/>
         <p:txBody>
           <a:bodyPr>
-            <a:normAutofit fontScale="90000" lnSpcReduction="10000"/>
+            <a:normAutofit lnSpcReduction="10000"/>
           </a:bodyPr>
           <a:p>
             <a:r>
               <a:rPr lang="x-none" altLang="en-US">
                 <a:sym typeface="+mn-ea"/>
               </a:rPr>
-              <a:t>Each sampler only works for the same period of time and then the samplers do synchronization all together.</a:t>
+              <a:t>Design</a:t>
+            </a:r>
+            <a:endParaRPr lang="x-none" altLang="en-US">
+              <a:sym typeface="+mn-ea"/>
+            </a:endParaRPr>
+          </a:p>
+          <a:p>
+            <a:pPr lvl="1"/>
+            <a:r>
+              <a:rPr lang="x-none" altLang="en-US">
+                <a:sym typeface="+mn-ea"/>
+              </a:rPr>
+              <a:t>Each worker only works for the same period of time and then they do synchronization all together.</a:t>
             </a:r>
             <a:endParaRPr lang="x-none" altLang="en-US"/>
           </a:p>
           <a:p>
+            <a:pPr lvl="1"/>
             <a:r>
               <a:rPr lang="x-none" altLang="en-US">
                 <a:sym typeface="+mn-ea"/>
@@ -6188,15 +6716,46 @@
               </a:rPr>
               <a:t>to control the synchronization point rather than waiting until all the blocks to finish.</a:t>
             </a:r>
-            <a:endParaRPr lang="x-none" altLang="en-US"/>
-          </a:p>
-          <a:p>
+            <a:endParaRPr lang="x-none" altLang="en-US">
+              <a:sym typeface="+mn-ea"/>
+            </a:endParaRPr>
+          </a:p>
+          <a:p>
+            <a:pPr lvl="1"/>
+            <a:r>
+              <a:rPr lang="x-none" altLang="en-US">
+                <a:sym typeface="+mn-ea"/>
+              </a:rPr>
+              <a:t>not ready for fault tolerance, but ready for straggler</a:t>
+            </a:r>
+            <a:endParaRPr lang="x-none" altLang="en-US">
+              <a:sym typeface="+mn-ea"/>
+            </a:endParaRPr>
+          </a:p>
+          <a:p>
+            <a:r>
+              <a:rPr lang="x-none">
+                <a:sym typeface="+mn-ea"/>
+              </a:rPr>
+              <a:t>Stochastic GBT support</a:t>
+            </a:r>
+            <a:endParaRPr lang="x-none" altLang="en-US">
+              <a:sym typeface="+mn-ea"/>
+            </a:endParaRPr>
+          </a:p>
+          <a:p>
+            <a:pPr lvl="1"/>
             <a:r>
               <a:rPr lang="x-none" altLang="en-US">
                 <a:sym typeface="+mn-ea"/>
               </a:rPr>
               <a:t>This adjustment does not change the property of the uniform random selection of blocks.</a:t>
             </a:r>
+            <a:endParaRPr lang="x-none" altLang="en-US">
+              <a:sym typeface="+mn-ea"/>
+            </a:endParaRPr>
+          </a:p>
+          <a:p>
             <a:endParaRPr lang="x-none" altLang="en-US"/>
           </a:p>
           <a:p>
@@ -6206,7 +6765,7 @@
       </p:sp>
       <p:pic>
         <p:nvPicPr>
-          <p:cNvPr id="6" name="Picture 5"/>
+          <p:cNvPr id="7" name="Content Placeholder 6"/>
           <p:cNvPicPr>
             <a:picLocks noChangeAspect="1"/>
           </p:cNvPicPr>
@@ -6222,8 +6781,8 @@
         </p:blipFill>
         <p:spPr>
           <a:xfrm>
-            <a:off x="779780" y="1391920"/>
-            <a:ext cx="4968875" cy="4351655"/>
+            <a:off x="795655" y="1624965"/>
+            <a:ext cx="5181600" cy="2190115"/>
           </a:xfrm>
           <a:prstGeom prst="rect">
             <a:avLst/>
@@ -6263,8 +6822,12 @@
           <a:bodyPr/>
           <a:p>
             <a:r>
+              <a:rPr lang="x-none" altLang="zh-CN" sz="4000"/>
+              <a:t>More </a:t>
+            </a:r>
+            <a:r>
               <a:rPr lang="x-none" altLang="zh-CN"/>
-              <a:t>More to consider</a:t>
+              <a:t>to consider</a:t>
             </a:r>
             <a:endParaRPr lang="x-none" altLang="zh-CN"/>
           </a:p>
@@ -6380,7 +6943,7 @@
           <a:bodyPr/>
           <a:p>
             <a:r>
-              <a:rPr lang="x-none" altLang="zh-CN"/>
+              <a:rPr lang="x-none" altLang="zh-CN" sz="4000"/>
               <a:t>References</a:t>
             </a:r>
             <a:endParaRPr lang="x-none" altLang="zh-CN"/>
@@ -6652,358 +7215,6 @@
         <p:nvPr/>
       </p:nvGrpSpPr>
       <p:grpSpPr/>
-      <p:grpSp>
-        <p:nvGrpSpPr>
-          <p:cNvPr id="100" name="组合 99"/>
-          <p:cNvGrpSpPr/>
-          <p:nvPr/>
-        </p:nvGrpSpPr>
-        <p:grpSpPr>
-          <a:xfrm>
-            <a:off x="521335" y="768985"/>
-            <a:ext cx="1268730" cy="5501005"/>
-            <a:chOff x="821" y="1211"/>
-            <a:chExt cx="1998" cy="8663"/>
-          </a:xfrm>
-        </p:grpSpPr>
-        <p:grpSp>
-          <p:nvGrpSpPr>
-            <p:cNvPr id="95" name="组合 94"/>
-            <p:cNvGrpSpPr/>
-            <p:nvPr/>
-          </p:nvGrpSpPr>
-          <p:grpSpPr>
-            <a:xfrm>
-              <a:off x="1467" y="2068"/>
-              <a:ext cx="647" cy="7806"/>
-              <a:chOff x="1467" y="2068"/>
-              <a:chExt cx="647" cy="7806"/>
-            </a:xfrm>
-          </p:grpSpPr>
-          <p:sp>
-            <p:nvSpPr>
-              <p:cNvPr id="5" name="矩形 4"/>
-              <p:cNvSpPr/>
-              <p:nvPr/>
-            </p:nvSpPr>
-            <p:spPr>
-              <a:xfrm>
-                <a:off x="1497" y="2068"/>
-                <a:ext cx="616" cy="3478"/>
-              </a:xfrm>
-              <a:prstGeom prst="rect">
-                <a:avLst/>
-              </a:prstGeom>
-              <a:noFill/>
-              <a:ln>
-                <a:solidFill>
-                  <a:schemeClr val="tx1"/>
-                </a:solidFill>
-              </a:ln>
-            </p:spPr>
-            <p:style>
-              <a:lnRef idx="2">
-                <a:schemeClr val="accent1">
-                  <a:shade val="50000"/>
-                </a:schemeClr>
-              </a:lnRef>
-              <a:fillRef idx="1">
-                <a:schemeClr val="accent1"/>
-              </a:fillRef>
-              <a:effectRef idx="0">
-                <a:schemeClr val="accent1"/>
-              </a:effectRef>
-              <a:fontRef idx="minor">
-                <a:schemeClr val="lt1"/>
-              </a:fontRef>
-            </p:style>
-            <p:txBody>
-              <a:bodyPr rtlCol="0" anchor="ctr"/>
-              <a:p>
-                <a:pPr algn="ctr"/>
-                <a:endParaRPr lang="zh-CN" altLang="en-US"/>
-              </a:p>
-            </p:txBody>
-          </p:sp>
-          <p:sp>
-            <p:nvSpPr>
-              <p:cNvPr id="6" name="矩形 5"/>
-              <p:cNvSpPr/>
-              <p:nvPr/>
-            </p:nvSpPr>
-            <p:spPr>
-              <a:xfrm>
-                <a:off x="1498" y="3410"/>
-                <a:ext cx="617" cy="507"/>
-              </a:xfrm>
-              <a:prstGeom prst="rect">
-                <a:avLst/>
-              </a:prstGeom>
-              <a:solidFill>
-                <a:schemeClr val="accent1">
-                  <a:lumMod val="60000"/>
-                  <a:lumOff val="40000"/>
-                </a:schemeClr>
-              </a:solidFill>
-            </p:spPr>
-            <p:style>
-              <a:lnRef idx="2">
-                <a:schemeClr val="accent1">
-                  <a:shade val="50000"/>
-                </a:schemeClr>
-              </a:lnRef>
-              <a:fillRef idx="1">
-                <a:schemeClr val="accent1"/>
-              </a:fillRef>
-              <a:effectRef idx="0">
-                <a:schemeClr val="accent1"/>
-              </a:effectRef>
-              <a:fontRef idx="minor">
-                <a:schemeClr val="lt1"/>
-              </a:fontRef>
-            </p:style>
-            <p:txBody>
-              <a:bodyPr rtlCol="0" anchor="ctr"/>
-              <a:p>
-                <a:pPr algn="ctr"/>
-                <a:r>
-                  <a:rPr lang="x-none" altLang="zh-CN" sz="1600">
-                    <a:solidFill>
-                      <a:schemeClr val="tx1"/>
-                    </a:solidFill>
-                  </a:rPr>
-                  <a:t>x</a:t>
-                </a:r>
-                <a:r>
-                  <a:rPr lang="x-none" altLang="zh-CN" sz="1600" baseline="-25000">
-                    <a:solidFill>
-                      <a:schemeClr val="tx1"/>
-                    </a:solidFill>
-                  </a:rPr>
-                  <a:t>i</a:t>
-                </a:r>
-                <a:endParaRPr lang="x-none" altLang="zh-CN" sz="1600" baseline="-25000">
-                  <a:solidFill>
-                    <a:schemeClr val="tx1"/>
-                  </a:solidFill>
-                </a:endParaRPr>
-              </a:p>
-            </p:txBody>
-          </p:sp>
-          <p:grpSp>
-            <p:nvGrpSpPr>
-              <p:cNvPr id="24" name="组合 23"/>
-              <p:cNvGrpSpPr/>
-              <p:nvPr/>
-            </p:nvGrpSpPr>
-            <p:grpSpPr>
-              <a:xfrm>
-                <a:off x="1467" y="6396"/>
-                <a:ext cx="617" cy="3478"/>
-                <a:chOff x="1467" y="6396"/>
-                <a:chExt cx="617" cy="3478"/>
-              </a:xfrm>
-            </p:grpSpPr>
-            <p:sp>
-              <p:nvSpPr>
-                <p:cNvPr id="22" name="矩形 21"/>
-                <p:cNvSpPr/>
-                <p:nvPr/>
-              </p:nvSpPr>
-              <p:spPr>
-                <a:xfrm>
-                  <a:off x="1467" y="6396"/>
-                  <a:ext cx="616" cy="3478"/>
-                </a:xfrm>
-                <a:prstGeom prst="rect">
-                  <a:avLst/>
-                </a:prstGeom>
-                <a:noFill/>
-                <a:ln>
-                  <a:solidFill>
-                    <a:schemeClr val="tx1"/>
-                  </a:solidFill>
-                </a:ln>
-              </p:spPr>
-              <p:style>
-                <a:lnRef idx="2">
-                  <a:schemeClr val="accent1">
-                    <a:shade val="50000"/>
-                  </a:schemeClr>
-                </a:lnRef>
-                <a:fillRef idx="1">
-                  <a:schemeClr val="accent1"/>
-                </a:fillRef>
-                <a:effectRef idx="0">
-                  <a:schemeClr val="accent1"/>
-                </a:effectRef>
-                <a:fontRef idx="minor">
-                  <a:schemeClr val="lt1"/>
-                </a:fontRef>
-              </p:style>
-              <p:txBody>
-                <a:bodyPr rtlCol="0" anchor="ctr"/>
-                <a:p>
-                  <a:pPr algn="ctr"/>
-                  <a:endParaRPr lang="zh-CN" altLang="en-US"/>
-                </a:p>
-              </p:txBody>
-            </p:sp>
-            <p:sp>
-              <p:nvSpPr>
-                <p:cNvPr id="23" name="矩形 22"/>
-                <p:cNvSpPr/>
-                <p:nvPr/>
-              </p:nvSpPr>
-              <p:spPr>
-                <a:xfrm>
-                  <a:off x="1468" y="7738"/>
-                  <a:ext cx="617" cy="507"/>
-                </a:xfrm>
-                <a:prstGeom prst="rect">
-                  <a:avLst/>
-                </a:prstGeom>
-                <a:solidFill>
-                  <a:schemeClr val="accent1">
-                    <a:lumMod val="60000"/>
-                    <a:lumOff val="40000"/>
-                  </a:schemeClr>
-                </a:solidFill>
-              </p:spPr>
-              <p:style>
-                <a:lnRef idx="2">
-                  <a:schemeClr val="accent1">
-                    <a:shade val="50000"/>
-                  </a:schemeClr>
-                </a:lnRef>
-                <a:fillRef idx="1">
-                  <a:schemeClr val="accent1"/>
-                </a:fillRef>
-                <a:effectRef idx="0">
-                  <a:schemeClr val="accent1"/>
-                </a:effectRef>
-                <a:fontRef idx="minor">
-                  <a:schemeClr val="lt1"/>
-                </a:fontRef>
-              </p:style>
-              <p:txBody>
-                <a:bodyPr rtlCol="0" anchor="ctr"/>
-                <a:p>
-                  <a:pPr algn="ctr"/>
-                  <a:r>
-                    <a:rPr lang="x-none" altLang="zh-CN" sz="1600">
-                      <a:solidFill>
-                        <a:schemeClr val="tx1"/>
-                      </a:solidFill>
-                    </a:rPr>
-                    <a:t>y</a:t>
-                  </a:r>
-                  <a:r>
-                    <a:rPr lang="x-none" altLang="zh-CN" sz="1600" baseline="-25000">
-                      <a:solidFill>
-                        <a:schemeClr val="tx1"/>
-                      </a:solidFill>
-                    </a:rPr>
-                    <a:t>i</a:t>
-                  </a:r>
-                  <a:endParaRPr lang="x-none" altLang="zh-CN" sz="1600" baseline="-25000">
-                    <a:solidFill>
-                      <a:schemeClr val="tx1"/>
-                    </a:solidFill>
-                  </a:endParaRPr>
-                </a:p>
-              </p:txBody>
-            </p:sp>
-          </p:grpSp>
-        </p:grpSp>
-        <p:sp>
-          <p:nvSpPr>
-            <p:cNvPr id="28" name="文本框 27"/>
-            <p:cNvSpPr txBox="1"/>
-            <p:nvPr/>
-          </p:nvSpPr>
-          <p:spPr>
-            <a:xfrm>
-              <a:off x="1360" y="1600"/>
-              <a:ext cx="1060" cy="576"/>
-            </a:xfrm>
-            <a:prstGeom prst="rect">
-              <a:avLst/>
-            </a:prstGeom>
-            <a:noFill/>
-          </p:spPr>
-          <p:txBody>
-            <a:bodyPr wrap="square" rtlCol="0">
-              <a:spAutoFit/>
-            </a:bodyPr>
-            <a:p>
-              <a:r>
-                <a:rPr lang="x-none" altLang="zh-CN"/>
-                <a:t>X</a:t>
-              </a:r>
-              <a:endParaRPr lang="x-none" altLang="zh-CN"/>
-            </a:p>
-          </p:txBody>
-        </p:sp>
-        <p:sp>
-          <p:nvSpPr>
-            <p:cNvPr id="29" name="文本框 28"/>
-            <p:cNvSpPr txBox="1"/>
-            <p:nvPr/>
-          </p:nvSpPr>
-          <p:spPr>
-            <a:xfrm>
-              <a:off x="1310" y="5910"/>
-              <a:ext cx="1060" cy="576"/>
-            </a:xfrm>
-            <a:prstGeom prst="rect">
-              <a:avLst/>
-            </a:prstGeom>
-            <a:noFill/>
-          </p:spPr>
-          <p:txBody>
-            <a:bodyPr wrap="square" rtlCol="0">
-              <a:spAutoFit/>
-            </a:bodyPr>
-            <a:p>
-              <a:r>
-                <a:rPr lang="x-none" altLang="zh-CN"/>
-                <a:t>Y</a:t>
-              </a:r>
-              <a:endParaRPr lang="x-none" altLang="zh-CN"/>
-            </a:p>
-          </p:txBody>
-        </p:sp>
-        <p:sp>
-          <p:nvSpPr>
-            <p:cNvPr id="39" name="文本框 38"/>
-            <p:cNvSpPr txBox="1"/>
-            <p:nvPr/>
-          </p:nvSpPr>
-          <p:spPr>
-            <a:xfrm>
-              <a:off x="821" y="1211"/>
-              <a:ext cx="1998" cy="432"/>
-            </a:xfrm>
-            <a:prstGeom prst="rect">
-              <a:avLst/>
-            </a:prstGeom>
-            <a:noFill/>
-          </p:spPr>
-          <p:txBody>
-            <a:bodyPr wrap="square" rtlCol="0">
-              <a:spAutoFit/>
-            </a:bodyPr>
-            <a:p>
-              <a:r>
-                <a:rPr lang="x-none" altLang="zh-CN" sz="1200"/>
-                <a:t>Single Feature </a:t>
-              </a:r>
-              <a:endParaRPr lang="x-none" altLang="zh-CN" sz="1200"/>
-            </a:p>
-          </p:txBody>
-        </p:sp>
-      </p:grpSp>
       <p:grpSp>
         <p:nvGrpSpPr>
           <p:cNvPr id="97" name="组合 96"/>
@@ -7780,9 +7991,9 @@
         <p:grpSpPr>
           <a:xfrm>
             <a:off x="1784350" y="1009650"/>
-            <a:ext cx="2228850" cy="2533650"/>
+            <a:ext cx="2564765" cy="2533650"/>
             <a:chOff x="2810" y="1590"/>
-            <a:chExt cx="3510" cy="3990"/>
+            <a:chExt cx="4039" cy="3990"/>
           </a:xfrm>
         </p:grpSpPr>
         <p:sp>
@@ -7793,7 +8004,7 @@
           </p:nvSpPr>
           <p:spPr>
             <a:xfrm>
-              <a:off x="2822" y="1590"/>
+              <a:off x="3350" y="1590"/>
               <a:ext cx="3499" cy="576"/>
             </a:xfrm>
             <a:prstGeom prst="rect">
@@ -7808,7 +8019,7 @@
             <a:p>
               <a:r>
                 <a:rPr lang="x-none" altLang="zh-CN"/>
-                <a:t>Feature Index</a:t>
+                <a:t>Histogram</a:t>
               </a:r>
               <a:endParaRPr lang="x-none" altLang="zh-CN"/>
             </a:p>
@@ -7879,129 +8090,6 @@
           </p:sp>
           <p:sp>
             <p:nvSpPr>
-              <p:cNvPr id="35" name="矩形 34"/>
-              <p:cNvSpPr/>
-              <p:nvPr/>
-            </p:nvSpPr>
-            <p:spPr>
-              <a:xfrm>
-                <a:off x="3167" y="2708"/>
-                <a:ext cx="616" cy="2468"/>
-              </a:xfrm>
-              <a:prstGeom prst="rect">
-                <a:avLst/>
-              </a:prstGeom>
-              <a:noFill/>
-              <a:ln>
-                <a:solidFill>
-                  <a:schemeClr val="tx1"/>
-                </a:solidFill>
-              </a:ln>
-            </p:spPr>
-            <p:style>
-              <a:lnRef idx="2">
-                <a:schemeClr val="accent1">
-                  <a:shade val="50000"/>
-                </a:schemeClr>
-              </a:lnRef>
-              <a:fillRef idx="1">
-                <a:schemeClr val="accent1"/>
-              </a:fillRef>
-              <a:effectRef idx="0">
-                <a:schemeClr val="accent1"/>
-              </a:effectRef>
-              <a:fontRef idx="minor">
-                <a:schemeClr val="lt1"/>
-              </a:fontRef>
-            </p:style>
-            <p:txBody>
-              <a:bodyPr rtlCol="0" anchor="ctr"/>
-              <a:p>
-                <a:pPr algn="ctr"/>
-                <a:endParaRPr lang="zh-CN" altLang="en-US"/>
-              </a:p>
-            </p:txBody>
-          </p:sp>
-          <p:sp>
-            <p:nvSpPr>
-              <p:cNvPr id="36" name="矩形 35"/>
-              <p:cNvSpPr/>
-              <p:nvPr/>
-            </p:nvSpPr>
-            <p:spPr>
-              <a:xfrm>
-                <a:off x="3168" y="4050"/>
-                <a:ext cx="617" cy="507"/>
-              </a:xfrm>
-              <a:prstGeom prst="rect">
-                <a:avLst/>
-              </a:prstGeom>
-              <a:solidFill>
-                <a:schemeClr val="accent1">
-                  <a:lumMod val="60000"/>
-                  <a:lumOff val="40000"/>
-                </a:schemeClr>
-              </a:solidFill>
-            </p:spPr>
-            <p:style>
-              <a:lnRef idx="2">
-                <a:schemeClr val="accent1">
-                  <a:shade val="50000"/>
-                </a:schemeClr>
-              </a:lnRef>
-              <a:fillRef idx="1">
-                <a:schemeClr val="accent1"/>
-              </a:fillRef>
-              <a:effectRef idx="0">
-                <a:schemeClr val="accent1"/>
-              </a:effectRef>
-              <a:fontRef idx="minor">
-                <a:schemeClr val="lt1"/>
-              </a:fontRef>
-            </p:style>
-            <p:txBody>
-              <a:bodyPr rtlCol="0" anchor="ctr"/>
-              <a:p>
-                <a:pPr algn="ctr"/>
-                <a:endParaRPr lang="x-none" altLang="zh-CN" sz="1600" baseline="-25000">
-                  <a:solidFill>
-                    <a:schemeClr val="tx1"/>
-                  </a:solidFill>
-                </a:endParaRPr>
-              </a:p>
-            </p:txBody>
-          </p:sp>
-          <p:sp>
-            <p:nvSpPr>
-              <p:cNvPr id="37" name="文本框 36"/>
-              <p:cNvSpPr txBox="1"/>
-              <p:nvPr/>
-            </p:nvSpPr>
-            <p:spPr>
-              <a:xfrm>
-                <a:off x="3020" y="2230"/>
-                <a:ext cx="1060" cy="432"/>
-              </a:xfrm>
-              <a:prstGeom prst="rect">
-                <a:avLst/>
-              </a:prstGeom>
-              <a:noFill/>
-            </p:spPr>
-            <p:txBody>
-              <a:bodyPr wrap="square" rtlCol="0">
-                <a:spAutoFit/>
-              </a:bodyPr>
-              <a:p>
-                <a:r>
-                  <a:rPr lang="x-none" altLang="zh-CN" sz="1200"/>
-                  <a:t>Index</a:t>
-                </a:r>
-                <a:endParaRPr lang="x-none" altLang="zh-CN" sz="1200"/>
-              </a:p>
-            </p:txBody>
-          </p:sp>
-          <p:sp>
-            <p:nvSpPr>
               <p:cNvPr id="38" name="文本框 37"/>
               <p:cNvSpPr txBox="1"/>
               <p:nvPr/>
@@ -8009,7 +8097,7 @@
             <p:spPr>
               <a:xfrm>
                 <a:off x="2870" y="4030"/>
-                <a:ext cx="1242" cy="576"/>
+                <a:ext cx="488" cy="576"/>
               </a:xfrm>
               <a:prstGeom prst="rect">
                 <a:avLst/>
@@ -8022,24 +8110,6 @@
               </a:bodyPr>
               <a:p>
                 <a:pPr algn="l"/>
-                <a:r>
-                  <a:rPr lang="x-none" altLang="zh-CN">
-                    <a:sym typeface="+mn-ea"/>
-                  </a:rPr>
-                  <a:t>&lt;x</a:t>
-                </a:r>
-                <a:r>
-                  <a:rPr lang="x-none" altLang="zh-CN" baseline="-25000">
-                    <a:sym typeface="+mn-ea"/>
-                  </a:rPr>
-                  <a:t>i,</a:t>
-                </a:r>
-                <a:r>
-                  <a:rPr lang="x-none" altLang="zh-CN">
-                    <a:sym typeface="+mn-ea"/>
-                  </a:rPr>
-                  <a:t>j&gt;</a:t>
-                </a:r>
                 <a:endParaRPr lang="x-none" altLang="zh-CN">
                   <a:sym typeface="+mn-ea"/>
                 </a:endParaRPr>
@@ -8356,42 +8426,6 @@
               </p:txBody>
             </p:sp>
           </p:grpSp>
-          <p:cxnSp>
-            <p:nvCxnSpPr>
-              <p:cNvPr id="72" name="曲线连接符 71"/>
-              <p:cNvCxnSpPr>
-                <a:stCxn id="38" idx="0"/>
-                <a:endCxn id="45" idx="1"/>
-              </p:cNvCxnSpPr>
-              <p:nvPr/>
-            </p:nvCxnSpPr>
-            <p:spPr>
-              <a:xfrm rot="16200000">
-                <a:off x="3957" y="3509"/>
-                <a:ext cx="56" cy="987"/>
-              </a:xfrm>
-              <a:prstGeom prst="curvedConnector2">
-                <a:avLst/>
-              </a:prstGeom>
-              <a:ln w="25400">
-                <a:tailEnd type="arrow"/>
-              </a:ln>
-            </p:spPr>
-            <p:style>
-              <a:lnRef idx="1">
-                <a:schemeClr val="accent1"/>
-              </a:lnRef>
-              <a:fillRef idx="0">
-                <a:schemeClr val="accent1"/>
-              </a:fillRef>
-              <a:effectRef idx="0">
-                <a:schemeClr val="accent1"/>
-              </a:effectRef>
-              <a:fontRef idx="minor">
-                <a:schemeClr val="tx1"/>
-              </a:fontRef>
-            </p:style>
-          </p:cxnSp>
         </p:grpSp>
       </p:grpSp>
       <p:grpSp>
@@ -8402,10 +8436,10 @@
         </p:nvGrpSpPr>
         <p:grpSpPr>
           <a:xfrm>
-            <a:off x="1343025" y="1661795"/>
-            <a:ext cx="3868420" cy="664210"/>
-            <a:chOff x="2115" y="2617"/>
-            <a:chExt cx="6092" cy="1046"/>
+            <a:off x="1343660" y="1662430"/>
+            <a:ext cx="3868420" cy="664845"/>
+            <a:chOff x="2116" y="2618"/>
+            <a:chExt cx="6092" cy="1047"/>
           </a:xfrm>
         </p:grpSpPr>
         <p:cxnSp>
@@ -8419,7 +8453,7 @@
           </p:nvCxnSpPr>
           <p:spPr>
             <a:xfrm rot="5400000">
-              <a:off x="4638" y="94"/>
+              <a:off x="4638" y="95"/>
               <a:ext cx="1047" cy="6092"/>
             </a:xfrm>
             <a:prstGeom prst="curvedConnector2">
@@ -8474,202 +8508,6 @@
               <a:endParaRPr lang="zh-CN" altLang="en-US">
                 <a:cs typeface="东文宋体" charset="0"/>
               </a:endParaRPr>
-            </a:p>
-          </p:txBody>
-        </p:sp>
-      </p:grpSp>
-      <p:grpSp>
-        <p:nvGrpSpPr>
-          <p:cNvPr id="102" name="组合 101"/>
-          <p:cNvGrpSpPr/>
-          <p:nvPr/>
-        </p:nvGrpSpPr>
-        <p:grpSpPr>
-          <a:xfrm>
-            <a:off x="1153795" y="2487295"/>
-            <a:ext cx="1069340" cy="810260"/>
-            <a:chOff x="1817" y="3917"/>
-            <a:chExt cx="1684" cy="1276"/>
-          </a:xfrm>
-        </p:grpSpPr>
-        <p:cxnSp>
-          <p:nvCxnSpPr>
-            <p:cNvPr id="71" name="曲线连接符 70"/>
-            <p:cNvCxnSpPr/>
-            <p:nvPr/>
-          </p:nvCxnSpPr>
-          <p:spPr>
-            <a:xfrm rot="5400000" flipV="1">
-              <a:off x="2315" y="3419"/>
-              <a:ext cx="689" cy="1684"/>
-            </a:xfrm>
-            <a:prstGeom prst="curvedConnector3">
-              <a:avLst>
-                <a:gd name="adj1" fmla="val 154354"/>
-              </a:avLst>
-            </a:prstGeom>
-            <a:ln w="25400">
-              <a:tailEnd type="arrow"/>
-            </a:ln>
-          </p:spPr>
-          <p:style>
-            <a:lnRef idx="1">
-              <a:schemeClr val="accent1"/>
-            </a:lnRef>
-            <a:fillRef idx="0">
-              <a:schemeClr val="accent1"/>
-            </a:fillRef>
-            <a:effectRef idx="0">
-              <a:schemeClr val="accent1"/>
-            </a:effectRef>
-            <a:fontRef idx="minor">
-              <a:schemeClr val="tx1"/>
-            </a:fontRef>
-          </p:style>
-        </p:cxnSp>
-        <p:sp>
-          <p:nvSpPr>
-            <p:cNvPr id="79" name="文本框 78"/>
-            <p:cNvSpPr txBox="1"/>
-            <p:nvPr/>
-          </p:nvSpPr>
-          <p:spPr>
-            <a:xfrm>
-              <a:off x="2080" y="4617"/>
-              <a:ext cx="648" cy="576"/>
-            </a:xfrm>
-            <a:prstGeom prst="rect">
-              <a:avLst/>
-            </a:prstGeom>
-            <a:noFill/>
-          </p:spPr>
-          <p:txBody>
-            <a:bodyPr wrap="none" rtlCol="0">
-              <a:spAutoFit/>
-            </a:bodyPr>
-            <a:p>
-              <a:r>
-                <a:rPr lang="zh-CN" altLang="en-US">
-                  <a:cs typeface="东文宋体" charset="0"/>
-                </a:rPr>
-                <a:t>②</a:t>
-              </a:r>
-              <a:endParaRPr lang="zh-CN" altLang="en-US">
-                <a:cs typeface="东文宋体" charset="0"/>
-              </a:endParaRPr>
-            </a:p>
-          </p:txBody>
-        </p:sp>
-      </p:grpSp>
-      <p:sp>
-        <p:nvSpPr>
-          <p:cNvPr id="80" name="文本框 79"/>
-          <p:cNvSpPr txBox="1"/>
-          <p:nvPr/>
-        </p:nvSpPr>
-        <p:spPr>
-          <a:xfrm>
-            <a:off x="2413000" y="2309495"/>
-            <a:ext cx="153035" cy="365760"/>
-          </a:xfrm>
-          <a:prstGeom prst="rect">
-            <a:avLst/>
-          </a:prstGeom>
-          <a:noFill/>
-        </p:spPr>
-        <p:txBody>
-          <a:bodyPr wrap="square" rtlCol="0">
-            <a:spAutoFit/>
-          </a:bodyPr>
-          <a:p>
-            <a:r>
-              <a:rPr lang="zh-CN" altLang="en-US">
-                <a:cs typeface="东文宋体" charset="0"/>
-              </a:rPr>
-              <a:t>③</a:t>
-            </a:r>
-            <a:endParaRPr lang="zh-CN" altLang="en-US">
-              <a:cs typeface="东文宋体" charset="0"/>
-            </a:endParaRPr>
-          </a:p>
-        </p:txBody>
-      </p:sp>
-      <p:grpSp>
-        <p:nvGrpSpPr>
-          <p:cNvPr id="105" name="组合 104"/>
-          <p:cNvGrpSpPr/>
-          <p:nvPr/>
-        </p:nvGrpSpPr>
-        <p:grpSpPr>
-          <a:xfrm>
-            <a:off x="3235325" y="2517140"/>
-            <a:ext cx="1404620" cy="831850"/>
-            <a:chOff x="5095" y="3964"/>
-            <a:chExt cx="2212" cy="1310"/>
-          </a:xfrm>
-        </p:grpSpPr>
-        <p:cxnSp>
-          <p:nvCxnSpPr>
-            <p:cNvPr id="73" name="曲线连接符 72"/>
-            <p:cNvCxnSpPr/>
-            <p:nvPr/>
-          </p:nvCxnSpPr>
-          <p:spPr>
-            <a:xfrm>
-              <a:off x="5095" y="3964"/>
-              <a:ext cx="2213" cy="1310"/>
-            </a:xfrm>
-            <a:prstGeom prst="curvedConnector3">
-              <a:avLst>
-                <a:gd name="adj1" fmla="val 50023"/>
-              </a:avLst>
-            </a:prstGeom>
-            <a:ln w="25400">
-              <a:tailEnd type="arrow"/>
-            </a:ln>
-          </p:spPr>
-          <p:style>
-            <a:lnRef idx="1">
-              <a:schemeClr val="accent1"/>
-            </a:lnRef>
-            <a:fillRef idx="0">
-              <a:schemeClr val="accent1"/>
-            </a:fillRef>
-            <a:effectRef idx="0">
-              <a:schemeClr val="accent1"/>
-            </a:effectRef>
-            <a:fontRef idx="minor">
-              <a:schemeClr val="tx1"/>
-            </a:fontRef>
-          </p:style>
-        </p:cxnSp>
-        <p:sp>
-          <p:nvSpPr>
-            <p:cNvPr id="82" name="文本框 81"/>
-            <p:cNvSpPr txBox="1"/>
-            <p:nvPr/>
-          </p:nvSpPr>
-          <p:spPr>
-            <a:xfrm>
-              <a:off x="5790" y="3967"/>
-              <a:ext cx="648" cy="576"/>
-            </a:xfrm>
-            <a:prstGeom prst="rect">
-              <a:avLst/>
-            </a:prstGeom>
-            <a:noFill/>
-          </p:spPr>
-          <p:txBody>
-            <a:bodyPr wrap="none" rtlCol="0">
-              <a:spAutoFit/>
-            </a:bodyPr>
-            <a:p>
-              <a:pPr algn="l"/>
-              <a:r>
-                <a:rPr lang="zh-CN" altLang="en-US"/>
-                <a:t>④</a:t>
-              </a:r>
-              <a:endParaRPr lang="zh-CN" altLang="en-US"/>
             </a:p>
           </p:txBody>
         </p:sp>
@@ -8899,7 +8737,7 @@
         </p:blipFill>
         <p:spPr>
           <a:xfrm>
-            <a:off x="3868420" y="5507990"/>
+            <a:off x="3973830" y="5815330"/>
             <a:ext cx="3026410" cy="403225"/>
           </a:xfrm>
           <a:prstGeom prst="rect">
@@ -9958,6 +9796,650 @@
           </a:p>
         </p:txBody>
       </p:sp>
+      <p:grpSp>
+        <p:nvGrpSpPr>
+          <p:cNvPr id="13" name="Group 12"/>
+          <p:cNvGrpSpPr/>
+          <p:nvPr/>
+        </p:nvGrpSpPr>
+        <p:grpSpPr>
+          <a:xfrm>
+            <a:off x="417830" y="784860"/>
+            <a:ext cx="1499870" cy="5485130"/>
+            <a:chOff x="658" y="1236"/>
+            <a:chExt cx="2362" cy="8638"/>
+          </a:xfrm>
+        </p:grpSpPr>
+        <p:grpSp>
+          <p:nvGrpSpPr>
+            <p:cNvPr id="100" name="组合 99"/>
+            <p:cNvGrpSpPr/>
+            <p:nvPr/>
+          </p:nvGrpSpPr>
+          <p:grpSpPr>
+            <a:xfrm>
+              <a:off x="658" y="1236"/>
+              <a:ext cx="2363" cy="8638"/>
+              <a:chOff x="658" y="1236"/>
+              <a:chExt cx="2363" cy="8638"/>
+            </a:xfrm>
+          </p:grpSpPr>
+          <p:grpSp>
+            <p:nvGrpSpPr>
+              <p:cNvPr id="95" name="组合 94"/>
+              <p:cNvGrpSpPr/>
+              <p:nvPr/>
+            </p:nvGrpSpPr>
+            <p:grpSpPr>
+              <a:xfrm>
+                <a:off x="1467" y="2068"/>
+                <a:ext cx="647" cy="7806"/>
+                <a:chOff x="1467" y="2068"/>
+                <a:chExt cx="647" cy="7806"/>
+              </a:xfrm>
+            </p:grpSpPr>
+            <p:sp>
+              <p:nvSpPr>
+                <p:cNvPr id="5" name="矩形 4"/>
+                <p:cNvSpPr/>
+                <p:nvPr/>
+              </p:nvSpPr>
+              <p:spPr>
+                <a:xfrm>
+                  <a:off x="1497" y="2068"/>
+                  <a:ext cx="616" cy="3478"/>
+                </a:xfrm>
+                <a:prstGeom prst="rect">
+                  <a:avLst/>
+                </a:prstGeom>
+                <a:noFill/>
+                <a:ln>
+                  <a:solidFill>
+                    <a:schemeClr val="tx1"/>
+                  </a:solidFill>
+                </a:ln>
+              </p:spPr>
+              <p:style>
+                <a:lnRef idx="2">
+                  <a:schemeClr val="accent1">
+                    <a:shade val="50000"/>
+                  </a:schemeClr>
+                </a:lnRef>
+                <a:fillRef idx="1">
+                  <a:schemeClr val="accent1"/>
+                </a:fillRef>
+                <a:effectRef idx="0">
+                  <a:schemeClr val="accent1"/>
+                </a:effectRef>
+                <a:fontRef idx="minor">
+                  <a:schemeClr val="lt1"/>
+                </a:fontRef>
+              </p:style>
+              <p:txBody>
+                <a:bodyPr rtlCol="0" anchor="ctr"/>
+                <a:p>
+                  <a:pPr algn="ctr"/>
+                  <a:endParaRPr lang="zh-CN" altLang="en-US"/>
+                </a:p>
+              </p:txBody>
+            </p:sp>
+            <p:sp>
+              <p:nvSpPr>
+                <p:cNvPr id="6" name="矩形 5"/>
+                <p:cNvSpPr/>
+                <p:nvPr/>
+              </p:nvSpPr>
+              <p:spPr>
+                <a:xfrm>
+                  <a:off x="1498" y="3410"/>
+                  <a:ext cx="617" cy="507"/>
+                </a:xfrm>
+                <a:prstGeom prst="rect">
+                  <a:avLst/>
+                </a:prstGeom>
+                <a:solidFill>
+                  <a:schemeClr val="accent1">
+                    <a:lumMod val="60000"/>
+                    <a:lumOff val="40000"/>
+                  </a:schemeClr>
+                </a:solidFill>
+              </p:spPr>
+              <p:style>
+                <a:lnRef idx="2">
+                  <a:schemeClr val="accent1">
+                    <a:shade val="50000"/>
+                  </a:schemeClr>
+                </a:lnRef>
+                <a:fillRef idx="1">
+                  <a:schemeClr val="accent1"/>
+                </a:fillRef>
+                <a:effectRef idx="0">
+                  <a:schemeClr val="accent1"/>
+                </a:effectRef>
+                <a:fontRef idx="minor">
+                  <a:schemeClr val="lt1"/>
+                </a:fontRef>
+              </p:style>
+              <p:txBody>
+                <a:bodyPr rtlCol="0" anchor="ctr"/>
+                <a:p>
+                  <a:pPr algn="ctr"/>
+                  <a:endParaRPr lang="x-none" altLang="zh-CN" sz="1600" baseline="-25000">
+                    <a:solidFill>
+                      <a:schemeClr val="tx1"/>
+                    </a:solidFill>
+                  </a:endParaRPr>
+                </a:p>
+              </p:txBody>
+            </p:sp>
+            <p:grpSp>
+              <p:nvGrpSpPr>
+                <p:cNvPr id="24" name="组合 23"/>
+                <p:cNvGrpSpPr/>
+                <p:nvPr/>
+              </p:nvGrpSpPr>
+              <p:grpSpPr>
+                <a:xfrm>
+                  <a:off x="1467" y="6396"/>
+                  <a:ext cx="617" cy="3478"/>
+                  <a:chOff x="1467" y="6396"/>
+                  <a:chExt cx="617" cy="3478"/>
+                </a:xfrm>
+              </p:grpSpPr>
+              <p:sp>
+                <p:nvSpPr>
+                  <p:cNvPr id="22" name="矩形 21"/>
+                  <p:cNvSpPr/>
+                  <p:nvPr/>
+                </p:nvSpPr>
+                <p:spPr>
+                  <a:xfrm>
+                    <a:off x="1467" y="6396"/>
+                    <a:ext cx="616" cy="3478"/>
+                  </a:xfrm>
+                  <a:prstGeom prst="rect">
+                    <a:avLst/>
+                  </a:prstGeom>
+                  <a:noFill/>
+                  <a:ln>
+                    <a:solidFill>
+                      <a:schemeClr val="tx1"/>
+                    </a:solidFill>
+                  </a:ln>
+                </p:spPr>
+                <p:style>
+                  <a:lnRef idx="2">
+                    <a:schemeClr val="accent1">
+                      <a:shade val="50000"/>
+                    </a:schemeClr>
+                  </a:lnRef>
+                  <a:fillRef idx="1">
+                    <a:schemeClr val="accent1"/>
+                  </a:fillRef>
+                  <a:effectRef idx="0">
+                    <a:schemeClr val="accent1"/>
+                  </a:effectRef>
+                  <a:fontRef idx="minor">
+                    <a:schemeClr val="lt1"/>
+                  </a:fontRef>
+                </p:style>
+                <p:txBody>
+                  <a:bodyPr rtlCol="0" anchor="ctr"/>
+                  <a:p>
+                    <a:pPr algn="ctr"/>
+                    <a:endParaRPr lang="zh-CN" altLang="en-US"/>
+                  </a:p>
+                </p:txBody>
+              </p:sp>
+              <p:sp>
+                <p:nvSpPr>
+                  <p:cNvPr id="23" name="矩形 22"/>
+                  <p:cNvSpPr/>
+                  <p:nvPr/>
+                </p:nvSpPr>
+                <p:spPr>
+                  <a:xfrm>
+                    <a:off x="1468" y="7738"/>
+                    <a:ext cx="617" cy="507"/>
+                  </a:xfrm>
+                  <a:prstGeom prst="rect">
+                    <a:avLst/>
+                  </a:prstGeom>
+                  <a:solidFill>
+                    <a:schemeClr val="accent1">
+                      <a:lumMod val="60000"/>
+                      <a:lumOff val="40000"/>
+                    </a:schemeClr>
+                  </a:solidFill>
+                </p:spPr>
+                <p:style>
+                  <a:lnRef idx="2">
+                    <a:schemeClr val="accent1">
+                      <a:shade val="50000"/>
+                    </a:schemeClr>
+                  </a:lnRef>
+                  <a:fillRef idx="1">
+                    <a:schemeClr val="accent1"/>
+                  </a:fillRef>
+                  <a:effectRef idx="0">
+                    <a:schemeClr val="accent1"/>
+                  </a:effectRef>
+                  <a:fontRef idx="minor">
+                    <a:schemeClr val="lt1"/>
+                  </a:fontRef>
+                </p:style>
+                <p:txBody>
+                  <a:bodyPr rtlCol="0" anchor="ctr"/>
+                  <a:p>
+                    <a:pPr algn="ctr"/>
+                    <a:r>
+                      <a:rPr lang="x-none" altLang="zh-CN" sz="1600">
+                        <a:solidFill>
+                          <a:schemeClr val="tx1"/>
+                        </a:solidFill>
+                      </a:rPr>
+                      <a:t>y</a:t>
+                    </a:r>
+                    <a:r>
+                      <a:rPr lang="x-none" altLang="zh-CN" sz="1600" baseline="-25000">
+                        <a:solidFill>
+                          <a:schemeClr val="tx1"/>
+                        </a:solidFill>
+                      </a:rPr>
+                      <a:t>i</a:t>
+                    </a:r>
+                    <a:endParaRPr lang="x-none" altLang="zh-CN" sz="1600" baseline="-25000">
+                      <a:solidFill>
+                        <a:schemeClr val="tx1"/>
+                      </a:solidFill>
+                    </a:endParaRPr>
+                  </a:p>
+                </p:txBody>
+              </p:sp>
+            </p:grpSp>
+          </p:grpSp>
+          <p:sp>
+            <p:nvSpPr>
+              <p:cNvPr id="28" name="文本框 27"/>
+              <p:cNvSpPr txBox="1"/>
+              <p:nvPr/>
+            </p:nvSpPr>
+            <p:spPr>
+              <a:xfrm>
+                <a:off x="1360" y="1600"/>
+                <a:ext cx="1060" cy="576"/>
+              </a:xfrm>
+              <a:prstGeom prst="rect">
+                <a:avLst/>
+              </a:prstGeom>
+              <a:noFill/>
+            </p:spPr>
+            <p:txBody>
+              <a:bodyPr wrap="square" rtlCol="0">
+                <a:spAutoFit/>
+              </a:bodyPr>
+              <a:p>
+                <a:r>
+                  <a:rPr lang="x-none" altLang="zh-CN"/>
+                  <a:t>X</a:t>
+                </a:r>
+                <a:r>
+                  <a:rPr lang="x-none" altLang="zh-CN" baseline="-25000"/>
+                  <a:t>j</a:t>
+                </a:r>
+                <a:endParaRPr lang="x-none" altLang="zh-CN" baseline="-25000"/>
+              </a:p>
+            </p:txBody>
+          </p:sp>
+          <p:sp>
+            <p:nvSpPr>
+              <p:cNvPr id="29" name="文本框 28"/>
+              <p:cNvSpPr txBox="1"/>
+              <p:nvPr/>
+            </p:nvSpPr>
+            <p:spPr>
+              <a:xfrm>
+                <a:off x="1310" y="5910"/>
+                <a:ext cx="1060" cy="576"/>
+              </a:xfrm>
+              <a:prstGeom prst="rect">
+                <a:avLst/>
+              </a:prstGeom>
+              <a:noFill/>
+            </p:spPr>
+            <p:txBody>
+              <a:bodyPr wrap="square" rtlCol="0">
+                <a:spAutoFit/>
+              </a:bodyPr>
+              <a:p>
+                <a:r>
+                  <a:rPr lang="x-none" altLang="zh-CN"/>
+                  <a:t>Y</a:t>
+                </a:r>
+                <a:endParaRPr lang="x-none" altLang="zh-CN"/>
+              </a:p>
+            </p:txBody>
+          </p:sp>
+          <p:sp>
+            <p:nvSpPr>
+              <p:cNvPr id="39" name="文本框 38"/>
+              <p:cNvSpPr txBox="1"/>
+              <p:nvPr/>
+            </p:nvSpPr>
+            <p:spPr>
+              <a:xfrm>
+                <a:off x="658" y="1236"/>
+                <a:ext cx="2363" cy="432"/>
+              </a:xfrm>
+              <a:prstGeom prst="rect">
+                <a:avLst/>
+              </a:prstGeom>
+              <a:noFill/>
+            </p:spPr>
+            <p:txBody>
+              <a:bodyPr wrap="square" rtlCol="0">
+                <a:spAutoFit/>
+              </a:bodyPr>
+              <a:p>
+                <a:r>
+                  <a:rPr lang="x-none" altLang="zh-CN" sz="1200" b="1"/>
+                  <a:t>Single Feature j </a:t>
+                </a:r>
+                <a:endParaRPr lang="x-none" altLang="zh-CN" sz="1200" b="1"/>
+              </a:p>
+            </p:txBody>
+          </p:sp>
+        </p:grpSp>
+        <p:sp>
+          <p:nvSpPr>
+            <p:cNvPr id="2" name="Text Box 1"/>
+            <p:cNvSpPr txBox="1"/>
+            <p:nvPr/>
+          </p:nvSpPr>
+          <p:spPr>
+            <a:xfrm>
+              <a:off x="1447" y="3303"/>
+              <a:ext cx="1057" cy="576"/>
+            </a:xfrm>
+            <a:prstGeom prst="rect">
+              <a:avLst/>
+            </a:prstGeom>
+            <a:noFill/>
+          </p:spPr>
+          <p:txBody>
+            <a:bodyPr wrap="square" rtlCol="0">
+              <a:spAutoFit/>
+            </a:bodyPr>
+            <a:p>
+              <a:r>
+                <a:rPr lang="x-none" altLang="zh-CN">
+                  <a:sym typeface="+mn-ea"/>
+                </a:rPr>
+                <a:t>x</a:t>
+              </a:r>
+              <a:r>
+                <a:rPr lang="x-none" altLang="zh-CN" baseline="-25000">
+                  <a:sym typeface="+mn-ea"/>
+                </a:rPr>
+                <a:t>ij</a:t>
+              </a:r>
+              <a:endParaRPr lang="en-US"/>
+            </a:p>
+          </p:txBody>
+        </p:sp>
+      </p:grpSp>
+      <p:grpSp>
+        <p:nvGrpSpPr>
+          <p:cNvPr id="12" name="Group 11"/>
+          <p:cNvGrpSpPr/>
+          <p:nvPr/>
+        </p:nvGrpSpPr>
+        <p:grpSpPr>
+          <a:xfrm>
+            <a:off x="3235325" y="2454275"/>
+            <a:ext cx="1404620" cy="894715"/>
+            <a:chOff x="5095" y="3865"/>
+            <a:chExt cx="2212" cy="1409"/>
+          </a:xfrm>
+        </p:grpSpPr>
+        <p:sp>
+          <p:nvSpPr>
+            <p:cNvPr id="80" name="文本框 79"/>
+            <p:cNvSpPr txBox="1"/>
+            <p:nvPr/>
+          </p:nvSpPr>
+          <p:spPr>
+            <a:xfrm>
+              <a:off x="5710" y="3865"/>
+              <a:ext cx="241" cy="576"/>
+            </a:xfrm>
+            <a:prstGeom prst="rect">
+              <a:avLst/>
+            </a:prstGeom>
+            <a:noFill/>
+          </p:spPr>
+          <p:txBody>
+            <a:bodyPr wrap="square" rtlCol="0">
+              <a:spAutoFit/>
+            </a:bodyPr>
+            <a:p>
+              <a:r>
+                <a:rPr lang="zh-CN" altLang="en-US">
+                  <a:cs typeface="东文宋体" charset="0"/>
+                </a:rPr>
+                <a:t>③</a:t>
+              </a:r>
+              <a:endParaRPr lang="zh-CN" altLang="en-US">
+                <a:cs typeface="东文宋体" charset="0"/>
+              </a:endParaRPr>
+            </a:p>
+          </p:txBody>
+        </p:sp>
+        <p:cxnSp>
+          <p:nvCxnSpPr>
+            <p:cNvPr id="73" name="曲线连接符 72"/>
+            <p:cNvCxnSpPr/>
+            <p:nvPr/>
+          </p:nvCxnSpPr>
+          <p:spPr>
+            <a:xfrm>
+              <a:off x="5095" y="3964"/>
+              <a:ext cx="2213" cy="1310"/>
+            </a:xfrm>
+            <a:prstGeom prst="curvedConnector3">
+              <a:avLst>
+                <a:gd name="adj1" fmla="val 50023"/>
+              </a:avLst>
+            </a:prstGeom>
+            <a:ln w="25400">
+              <a:tailEnd type="arrow"/>
+            </a:ln>
+          </p:spPr>
+          <p:style>
+            <a:lnRef idx="1">
+              <a:schemeClr val="accent1"/>
+            </a:lnRef>
+            <a:fillRef idx="0">
+              <a:schemeClr val="accent1"/>
+            </a:fillRef>
+            <a:effectRef idx="0">
+              <a:schemeClr val="accent1"/>
+            </a:effectRef>
+            <a:fontRef idx="minor">
+              <a:schemeClr val="tx1"/>
+            </a:fontRef>
+          </p:style>
+        </p:cxnSp>
+        <p:sp>
+          <p:nvSpPr>
+            <p:cNvPr id="4" name="Text Box 3"/>
+            <p:cNvSpPr txBox="1"/>
+            <p:nvPr/>
+          </p:nvSpPr>
+          <p:spPr>
+            <a:xfrm>
+              <a:off x="5644" y="4267"/>
+              <a:ext cx="1012" cy="480"/>
+            </a:xfrm>
+            <a:prstGeom prst="rect">
+              <a:avLst/>
+            </a:prstGeom>
+            <a:noFill/>
+          </p:spPr>
+          <p:txBody>
+            <a:bodyPr wrap="square" rtlCol="0">
+              <a:spAutoFit/>
+            </a:bodyPr>
+            <a:p>
+              <a:r>
+                <a:rPr lang="x-none" altLang="en-US" sz="1400"/>
+                <a:t>binID</a:t>
+              </a:r>
+              <a:endParaRPr lang="x-none" altLang="en-US" sz="1400"/>
+            </a:p>
+          </p:txBody>
+        </p:sp>
+      </p:grpSp>
+      <p:grpSp>
+        <p:nvGrpSpPr>
+          <p:cNvPr id="11" name="Group 10"/>
+          <p:cNvGrpSpPr/>
+          <p:nvPr/>
+        </p:nvGrpSpPr>
+        <p:grpSpPr>
+          <a:xfrm>
+            <a:off x="1147445" y="2357120"/>
+            <a:ext cx="1687830" cy="548005"/>
+            <a:chOff x="1807" y="3712"/>
+            <a:chExt cx="2658" cy="863"/>
+          </a:xfrm>
+        </p:grpSpPr>
+        <p:cxnSp>
+          <p:nvCxnSpPr>
+            <p:cNvPr id="71" name="曲线连接符 70"/>
+            <p:cNvCxnSpPr>
+              <a:stCxn id="6" idx="2"/>
+            </p:cNvCxnSpPr>
+            <p:nvPr/>
+          </p:nvCxnSpPr>
+          <p:spPr>
+            <a:xfrm rot="5400000" flipV="1">
+              <a:off x="3013" y="2711"/>
+              <a:ext cx="247" cy="2658"/>
+            </a:xfrm>
+            <a:prstGeom prst="curvedConnector2">
+              <a:avLst/>
+            </a:prstGeom>
+            <a:ln w="25400">
+              <a:tailEnd type="arrow"/>
+            </a:ln>
+          </p:spPr>
+          <p:style>
+            <a:lnRef idx="1">
+              <a:schemeClr val="accent1"/>
+            </a:lnRef>
+            <a:fillRef idx="0">
+              <a:schemeClr val="accent1"/>
+            </a:fillRef>
+            <a:effectRef idx="0">
+              <a:schemeClr val="accent1"/>
+            </a:effectRef>
+            <a:fontRef idx="minor">
+              <a:schemeClr val="tx1"/>
+            </a:fontRef>
+          </p:style>
+        </p:cxnSp>
+        <p:sp>
+          <p:nvSpPr>
+            <p:cNvPr id="79" name="文本框 78"/>
+            <p:cNvSpPr txBox="1"/>
+            <p:nvPr/>
+          </p:nvSpPr>
+          <p:spPr>
+            <a:xfrm>
+              <a:off x="3016" y="3999"/>
+              <a:ext cx="648" cy="576"/>
+            </a:xfrm>
+            <a:prstGeom prst="rect">
+              <a:avLst/>
+            </a:prstGeom>
+            <a:noFill/>
+          </p:spPr>
+          <p:txBody>
+            <a:bodyPr wrap="none" rtlCol="0">
+              <a:spAutoFit/>
+            </a:bodyPr>
+            <a:p>
+              <a:r>
+                <a:rPr lang="zh-CN" altLang="en-US">
+                  <a:cs typeface="东文宋体" charset="0"/>
+                </a:rPr>
+                <a:t>②</a:t>
+              </a:r>
+              <a:endParaRPr lang="zh-CN" altLang="en-US">
+                <a:cs typeface="东文宋体" charset="0"/>
+              </a:endParaRPr>
+            </a:p>
+          </p:txBody>
+        </p:sp>
+        <p:sp>
+          <p:nvSpPr>
+            <p:cNvPr id="9" name="Text Box 8"/>
+            <p:cNvSpPr txBox="1"/>
+            <p:nvPr/>
+          </p:nvSpPr>
+          <p:spPr>
+            <a:xfrm>
+              <a:off x="3216" y="3712"/>
+              <a:ext cx="1012" cy="480"/>
+            </a:xfrm>
+            <a:prstGeom prst="rect">
+              <a:avLst/>
+            </a:prstGeom>
+            <a:noFill/>
+          </p:spPr>
+          <p:txBody>
+            <a:bodyPr wrap="square" rtlCol="0">
+              <a:spAutoFit/>
+            </a:bodyPr>
+            <a:p>
+              <a:r>
+                <a:rPr lang="x-none" altLang="en-US" sz="1400"/>
+                <a:t>X</a:t>
+              </a:r>
+              <a:r>
+                <a:rPr lang="x-none" altLang="en-US" sz="1400" baseline="-25000"/>
+                <a:t>i,j</a:t>
+              </a:r>
+              <a:endParaRPr lang="x-none" altLang="en-US" sz="1400" baseline="-25000"/>
+            </a:p>
+          </p:txBody>
+        </p:sp>
+      </p:grpSp>
+      <p:pic>
+        <p:nvPicPr>
+          <p:cNvPr id="10" name="Picture 9"/>
+          <p:cNvPicPr>
+            <a:picLocks noChangeAspect="1"/>
+          </p:cNvPicPr>
+          <p:nvPr/>
+        </p:nvPicPr>
+        <p:blipFill>
+          <a:blip r:embed="rId2"/>
+          <a:stretch>
+            <a:fillRect/>
+          </a:stretch>
+        </p:blipFill>
+        <p:spPr>
+          <a:xfrm>
+            <a:off x="4715510" y="5407025"/>
+            <a:ext cx="1228090" cy="337185"/>
+          </a:xfrm>
+          <a:prstGeom prst="rect">
+            <a:avLst/>
+          </a:prstGeom>
+        </p:spPr>
+      </p:pic>
     </p:spTree>
   </p:cSld>
   <p:clrMapOvr>
@@ -9997,7 +10479,7 @@
                                           </p:stCondLst>
                                         </p:cTn>
                                         <p:tgtEl>
-                                          <p:spTgt spid="100"/>
+                                          <p:spTgt spid="106"/>
                                         </p:tgtEl>
                                         <p:attrNameLst>
                                           <p:attrName>style.visibility</p:attrName>
@@ -10042,7 +10524,7 @@
                                           </p:stCondLst>
                                         </p:cTn>
                                         <p:tgtEl>
-                                          <p:spTgt spid="106"/>
+                                          <p:spTgt spid="97"/>
                                         </p:tgtEl>
                                         <p:attrNameLst>
                                           <p:attrName>style.visibility</p:attrName>
@@ -10087,7 +10569,7 @@
                                           </p:stCondLst>
                                         </p:cTn>
                                         <p:tgtEl>
-                                          <p:spTgt spid="97"/>
+                                          <p:spTgt spid="98"/>
                                         </p:tgtEl>
                                         <p:attrNameLst>
                                           <p:attrName>style.visibility</p:attrName>
@@ -10132,7 +10614,7 @@
                                           </p:stCondLst>
                                         </p:cTn>
                                         <p:tgtEl>
-                                          <p:spTgt spid="98"/>
+                                          <p:spTgt spid="99"/>
                                         </p:tgtEl>
                                         <p:attrNameLst>
                                           <p:attrName>style.visibility</p:attrName>
@@ -10222,7 +10704,7 @@
                                           </p:stCondLst>
                                         </p:cTn>
                                         <p:tgtEl>
-                                          <p:spTgt spid="102"/>
+                                          <p:spTgt spid="11"/>
                                         </p:tgtEl>
                                         <p:attrNameLst>
                                           <p:attrName>style.visibility</p:attrName>
@@ -10254,7 +10736,7 @@
                             </p:stCondLst>
                             <p:childTnLst>
                               <p:par>
-                                <p:cTn id="29" presetID="1" presetClass="entr" presetSubtype="0" fill="hold" grpId="0" nodeType="clickEffect">
+                                <p:cTn id="29" presetID="1" presetClass="entr" presetSubtype="0" fill="hold" nodeType="clickEffect">
                                   <p:stCondLst>
                                     <p:cond delay="0"/>
                                   </p:stCondLst>
@@ -10267,7 +10749,7 @@
                                           </p:stCondLst>
                                         </p:cTn>
                                         <p:tgtEl>
-                                          <p:spTgt spid="80"/>
+                                          <p:spTgt spid="12"/>
                                         </p:tgtEl>
                                         <p:attrNameLst>
                                           <p:attrName>style.visibility</p:attrName>
@@ -10312,7 +10794,7 @@
                                           </p:stCondLst>
                                         </p:cTn>
                                         <p:tgtEl>
-                                          <p:spTgt spid="105"/>
+                                          <p:spTgt spid="103"/>
                                         </p:tgtEl>
                                         <p:attrNameLst>
                                           <p:attrName>style.visibility</p:attrName>
@@ -10357,7 +10839,7 @@
                                           </p:stCondLst>
                                         </p:cTn>
                                         <p:tgtEl>
-                                          <p:spTgt spid="103"/>
+                                          <p:spTgt spid="104"/>
                                         </p:tgtEl>
                                         <p:attrNameLst>
                                           <p:attrName>style.visibility</p:attrName>
@@ -10402,7 +10884,7 @@
                                           </p:stCondLst>
                                         </p:cTn>
                                         <p:tgtEl>
-                                          <p:spTgt spid="104"/>
+                                          <p:spTgt spid="10"/>
                                         </p:tgtEl>
                                         <p:attrNameLst>
                                           <p:attrName>style.visibility</p:attrName>
@@ -10447,7 +10929,7 @@
                                           </p:stCondLst>
                                         </p:cTn>
                                         <p:tgtEl>
-                                          <p:spTgt spid="99"/>
+                                          <p:spTgt spid="90"/>
                                         </p:tgtEl>
                                         <p:attrNameLst>
                                           <p:attrName>style.visibility</p:attrName>
@@ -10487,51 +10969,6 @@
                                     <p:set>
                                       <p:cBhvr>
                                         <p:cTn id="50" dur="1" fill="hold">
-                                          <p:stCondLst>
-                                            <p:cond delay="0"/>
-                                          </p:stCondLst>
-                                        </p:cTn>
-                                        <p:tgtEl>
-                                          <p:spTgt spid="90"/>
-                                        </p:tgtEl>
-                                        <p:attrNameLst>
-                                          <p:attrName>style.visibility</p:attrName>
-                                        </p:attrNameLst>
-                                      </p:cBhvr>
-                                      <p:to>
-                                        <p:strVal val="visible"/>
-                                      </p:to>
-                                    </p:set>
-                                  </p:childTnLst>
-                                </p:cTn>
-                              </p:par>
-                            </p:childTnLst>
-                          </p:cTn>
-                        </p:par>
-                      </p:childTnLst>
-                    </p:cTn>
-                  </p:par>
-                  <p:par>
-                    <p:cTn id="51" fill="hold">
-                      <p:stCondLst>
-                        <p:cond delay="indefinite"/>
-                      </p:stCondLst>
-                      <p:childTnLst>
-                        <p:par>
-                          <p:cTn id="52" fill="hold">
-                            <p:stCondLst>
-                              <p:cond delay="0"/>
-                            </p:stCondLst>
-                            <p:childTnLst>
-                              <p:par>
-                                <p:cTn id="53" presetID="1" presetClass="entr" presetSubtype="0" fill="hold" nodeType="clickEffect">
-                                  <p:stCondLst>
-                                    <p:cond delay="0"/>
-                                  </p:stCondLst>
-                                  <p:childTnLst>
-                                    <p:set>
-                                      <p:cBhvr>
-                                        <p:cTn id="54" dur="1" fill="hold">
                                           <p:stCondLst>
                                             <p:cond delay="0"/>
                                           </p:stCondLst>
@@ -10577,9 +11014,6 @@
         </p:cTn>
       </p:par>
     </p:tnLst>
-    <p:bldLst>
-      <p:bldP spid="80" grpId="0"/>
-    </p:bldLst>
   </p:timing>
 </p:sld>
 </file>
@@ -10610,7 +11044,7 @@
           <a:p>
             <a:r>
               <a:rPr lang="x-none" altLang="zh-CN"/>
-              <a:t>Distributed Split</a:t>
+              <a:t>Distributed findBestSplit</a:t>
             </a:r>
             <a:endParaRPr lang="x-none" altLang="zh-CN"/>
           </a:p>
@@ -10639,7 +11073,15 @@
           <a:p>
             <a:r>
               <a:rPr lang="zh-CN" altLang="en-US"/>
-              <a:t>Partition by rows (samples)</a:t>
+              <a:t>Partition by rows (</a:t>
+            </a:r>
+            <a:r>
+              <a:rPr lang="x-none" altLang="zh-CN"/>
+              <a:t>instances</a:t>
+            </a:r>
+            <a:r>
+              <a:rPr lang="zh-CN" altLang="en-US"/>
+              <a:t>)</a:t>
             </a:r>
             <a:endParaRPr lang="zh-CN" altLang="en-US"/>
           </a:p>
@@ -10659,7 +11101,19 @@
             </a:r>
             <a:r>
               <a:rPr lang="zh-CN" altLang="en-US"/>
-              <a:t>, once if use global static Bins.</a:t>
+              <a:t>, </a:t>
+            </a:r>
+            <a:r>
+              <a:rPr lang="x-none" altLang="zh-CN"/>
+              <a:t>(build </a:t>
+            </a:r>
+            <a:r>
+              <a:rPr lang="zh-CN" altLang="en-US"/>
+              <a:t>once if use global static Bins</a:t>
+            </a:r>
+            <a:r>
+              <a:rPr lang="x-none" altLang="zh-CN"/>
+              <a:t>)</a:t>
             </a:r>
             <a:endParaRPr lang="zh-CN" altLang="en-US"/>
           </a:p>
@@ -10766,7 +11220,7 @@
       </p:sp>
       <p:pic>
         <p:nvPicPr>
-          <p:cNvPr id="4" name="图片 3"/>
+          <p:cNvPr id="5" name="Picture 4"/>
           <p:cNvPicPr>
             <a:picLocks noChangeAspect="1"/>
           </p:cNvPicPr>
@@ -10780,8 +11234,32 @@
         </p:blipFill>
         <p:spPr>
           <a:xfrm>
-            <a:off x="1666240" y="1012825"/>
-            <a:ext cx="8041005" cy="2482850"/>
+            <a:off x="1846580" y="1044575"/>
+            <a:ext cx="3337560" cy="2239645"/>
+          </a:xfrm>
+          <a:prstGeom prst="rect">
+            <a:avLst/>
+          </a:prstGeom>
+        </p:spPr>
+      </p:pic>
+      <p:pic>
+        <p:nvPicPr>
+          <p:cNvPr id="6" name="Picture 5"/>
+          <p:cNvPicPr>
+            <a:picLocks noChangeAspect="1"/>
+          </p:cNvPicPr>
+          <p:nvPr/>
+        </p:nvPicPr>
+        <p:blipFill>
+          <a:blip r:embed="rId2"/>
+          <a:stretch>
+            <a:fillRect/>
+          </a:stretch>
+        </p:blipFill>
+        <p:spPr>
+          <a:xfrm>
+            <a:off x="6097270" y="898525"/>
+            <a:ext cx="3255010" cy="2430780"/>
           </a:xfrm>
           <a:prstGeom prst="rect">
             <a:avLst/>
@@ -10852,7 +11330,7 @@
             <a:pPr lvl="1"/>
             <a:r>
               <a:rPr lang="x-none" altLang="zh-CN" sz="2400"/>
-              <a:t>instances in tree nodes are dynamic sets</a:t>
+              <a:t>instances in one tree node are dynamic set</a:t>
             </a:r>
             <a:endParaRPr lang="x-none" altLang="zh-CN" sz="2400"/>
           </a:p>
@@ -10868,7 +11346,7 @@
             <a:pPr lvl="1"/>
             <a:r>
               <a:rPr lang="x-none" altLang="zh-CN" sz="2400"/>
-              <a:t>read/write after write dependency,  GH[bin[id]] += g[id], will stall when cache miss on access g[id]</a:t>
+              <a:t>read/write after write dependency,  GH[bin[X[i,j]]] += g[i], will stall when cache miss on access g[i]</a:t>
             </a:r>
             <a:endParaRPr lang="x-none" altLang="zh-CN" sz="2400"/>
           </a:p>
@@ -10915,7 +11393,7 @@
             <a:pPr lvl="1"/>
             <a:r>
               <a:rPr lang="x-none" altLang="zh-CN" sz="2400"/>
-              <a:t>|features|</a:t>
+              <a:t>|features| can be very large (10~50M)</a:t>
             </a:r>
             <a:endParaRPr lang="x-none" altLang="zh-CN" sz="2400"/>
           </a:p>
@@ -11096,7 +11574,7 @@
             </a:r>
             <a:r>
               <a:rPr lang="x-none" altLang="zh-CN"/>
-              <a:t>)</a:t>
+              <a:t>)*</a:t>
             </a:r>
             <a:endParaRPr lang="x-none" altLang="zh-CN"/>
           </a:p>
@@ -11232,24 +11710,6 @@
         <p:nvPr/>
       </p:nvGrpSpPr>
       <p:grpSpPr/>
-      <p:sp>
-        <p:nvSpPr>
-          <p:cNvPr id="2" name="标题 1"/>
-          <p:cNvSpPr>
-            <a:spLocks noGrp="1"/>
-          </p:cNvSpPr>
-          <p:nvPr>
-            <p:ph type="title"/>
-          </p:nvPr>
-        </p:nvSpPr>
-        <p:spPr/>
-        <p:txBody>
-          <a:bodyPr/>
-          <a:p>
-            <a:endParaRPr lang="zh-CN" altLang="en-US"/>
-          </a:p>
-        </p:txBody>
-      </p:sp>
       <p:pic>
         <p:nvPicPr>
           <p:cNvPr id="4" name="内容占位符 3"/>
@@ -11268,8 +11728,32 @@
         </p:blipFill>
         <p:spPr>
           <a:xfrm>
-            <a:off x="849630" y="1498600"/>
-            <a:ext cx="10515600" cy="4240530"/>
+            <a:off x="1691005" y="3227070"/>
+            <a:ext cx="8790305" cy="3545205"/>
+          </a:xfrm>
+          <a:prstGeom prst="rect">
+            <a:avLst/>
+          </a:prstGeom>
+        </p:spPr>
+      </p:pic>
+      <p:pic>
+        <p:nvPicPr>
+          <p:cNvPr id="3" name="Picture 2"/>
+          <p:cNvPicPr>
+            <a:picLocks noChangeAspect="1"/>
+          </p:cNvPicPr>
+          <p:nvPr/>
+        </p:nvPicPr>
+        <p:blipFill>
+          <a:blip r:embed="rId2"/>
+          <a:stretch>
+            <a:fillRect/>
+          </a:stretch>
+        </p:blipFill>
+        <p:spPr>
+          <a:xfrm>
+            <a:off x="2125345" y="-17145"/>
+            <a:ext cx="8228330" cy="3228340"/>
           </a:xfrm>
           <a:prstGeom prst="rect">
             <a:avLst/>
